--- a/planning/CropArray_Planning.pptx
+++ b/planning/CropArray_Planning.pptx
@@ -7,12 +7,13 @@
   <p:sldIdLst>
     <p:sldId id="257" r:id="rId2"/>
     <p:sldId id="263" r:id="rId3"/>
-    <p:sldId id="256" r:id="rId4"/>
+    <p:sldId id="264" r:id="rId4"/>
     <p:sldId id="258" r:id="rId5"/>
-    <p:sldId id="261" r:id="rId6"/>
-    <p:sldId id="262" r:id="rId7"/>
-    <p:sldId id="260" r:id="rId8"/>
-    <p:sldId id="259" r:id="rId9"/>
+    <p:sldId id="265" r:id="rId6"/>
+    <p:sldId id="261" r:id="rId7"/>
+    <p:sldId id="262" r:id="rId8"/>
+    <p:sldId id="260" r:id="rId9"/>
+    <p:sldId id="259" r:id="rId10"/>
   </p:sldIdLst>
   <p:sldSz cx="12192000" cy="6858000"/>
   <p:notesSz cx="6858000" cy="9144000"/>
@@ -266,7 +267,7 @@
           <a:p>
             <a:fld id="{88465645-8A7B-E84A-8ACB-65FABCE03E62}" type="datetimeFigureOut">
               <a:rPr lang="en-US" smtClean="0"/>
-              <a:t>2/1/22</a:t>
+              <a:t>2/9/22</a:t>
             </a:fld>
             <a:endParaRPr lang="en-US"/>
           </a:p>
@@ -464,7 +465,7 @@
           <a:p>
             <a:fld id="{88465645-8A7B-E84A-8ACB-65FABCE03E62}" type="datetimeFigureOut">
               <a:rPr lang="en-US" smtClean="0"/>
-              <a:t>2/1/22</a:t>
+              <a:t>2/9/22</a:t>
             </a:fld>
             <a:endParaRPr lang="en-US"/>
           </a:p>
@@ -672,7 +673,7 @@
           <a:p>
             <a:fld id="{88465645-8A7B-E84A-8ACB-65FABCE03E62}" type="datetimeFigureOut">
               <a:rPr lang="en-US" smtClean="0"/>
-              <a:t>2/1/22</a:t>
+              <a:t>2/9/22</a:t>
             </a:fld>
             <a:endParaRPr lang="en-US"/>
           </a:p>
@@ -870,7 +871,7 @@
           <a:p>
             <a:fld id="{88465645-8A7B-E84A-8ACB-65FABCE03E62}" type="datetimeFigureOut">
               <a:rPr lang="en-US" smtClean="0"/>
-              <a:t>2/1/22</a:t>
+              <a:t>2/9/22</a:t>
             </a:fld>
             <a:endParaRPr lang="en-US"/>
           </a:p>
@@ -1145,7 +1146,7 @@
           <a:p>
             <a:fld id="{88465645-8A7B-E84A-8ACB-65FABCE03E62}" type="datetimeFigureOut">
               <a:rPr lang="en-US" smtClean="0"/>
-              <a:t>2/1/22</a:t>
+              <a:t>2/9/22</a:t>
             </a:fld>
             <a:endParaRPr lang="en-US"/>
           </a:p>
@@ -1410,7 +1411,7 @@
           <a:p>
             <a:fld id="{88465645-8A7B-E84A-8ACB-65FABCE03E62}" type="datetimeFigureOut">
               <a:rPr lang="en-US" smtClean="0"/>
-              <a:t>2/1/22</a:t>
+              <a:t>2/9/22</a:t>
             </a:fld>
             <a:endParaRPr lang="en-US"/>
           </a:p>
@@ -1822,7 +1823,7 @@
           <a:p>
             <a:fld id="{88465645-8A7B-E84A-8ACB-65FABCE03E62}" type="datetimeFigureOut">
               <a:rPr lang="en-US" smtClean="0"/>
-              <a:t>2/1/22</a:t>
+              <a:t>2/9/22</a:t>
             </a:fld>
             <a:endParaRPr lang="en-US"/>
           </a:p>
@@ -1963,7 +1964,7 @@
           <a:p>
             <a:fld id="{88465645-8A7B-E84A-8ACB-65FABCE03E62}" type="datetimeFigureOut">
               <a:rPr lang="en-US" smtClean="0"/>
-              <a:t>2/1/22</a:t>
+              <a:t>2/9/22</a:t>
             </a:fld>
             <a:endParaRPr lang="en-US"/>
           </a:p>
@@ -2076,7 +2077,7 @@
           <a:p>
             <a:fld id="{88465645-8A7B-E84A-8ACB-65FABCE03E62}" type="datetimeFigureOut">
               <a:rPr lang="en-US" smtClean="0"/>
-              <a:t>2/1/22</a:t>
+              <a:t>2/9/22</a:t>
             </a:fld>
             <a:endParaRPr lang="en-US"/>
           </a:p>
@@ -2387,7 +2388,7 @@
           <a:p>
             <a:fld id="{88465645-8A7B-E84A-8ACB-65FABCE03E62}" type="datetimeFigureOut">
               <a:rPr lang="en-US" smtClean="0"/>
-              <a:t>2/1/22</a:t>
+              <a:t>2/9/22</a:t>
             </a:fld>
             <a:endParaRPr lang="en-US"/>
           </a:p>
@@ -2675,7 +2676,7 @@
           <a:p>
             <a:fld id="{88465645-8A7B-E84A-8ACB-65FABCE03E62}" type="datetimeFigureOut">
               <a:rPr lang="en-US" smtClean="0"/>
-              <a:t>2/1/22</a:t>
+              <a:t>2/9/22</a:t>
             </a:fld>
             <a:endParaRPr lang="en-US"/>
           </a:p>
@@ -2916,7 +2917,7 @@
           <a:p>
             <a:fld id="{88465645-8A7B-E84A-8ACB-65FABCE03E62}" type="datetimeFigureOut">
               <a:rPr lang="en-US" smtClean="0"/>
-              <a:t>2/1/22</a:t>
+              <a:t>2/9/22</a:t>
             </a:fld>
             <a:endParaRPr lang="en-US"/>
           </a:p>
@@ -3576,8 +3577,8 @@
         </p:nvSpPr>
         <p:spPr>
           <a:xfrm>
-            <a:off x="2443968" y="5487523"/>
-            <a:ext cx="10111971" cy="830997"/>
+            <a:off x="2443969" y="5231046"/>
+            <a:ext cx="7960120" cy="830997"/>
           </a:xfrm>
           <a:prstGeom prst="rect">
             <a:avLst/>
@@ -3685,7 +3686,7 @@
         </p:nvSpPr>
         <p:spPr>
           <a:xfrm>
-            <a:off x="2443968" y="5118191"/>
+            <a:off x="2443968" y="4861714"/>
             <a:ext cx="4574841" cy="369332"/>
           </a:xfrm>
           <a:prstGeom prst="rect">
@@ -4399,8 +4400,8 @@
         </p:nvSpPr>
         <p:spPr>
           <a:xfrm>
-            <a:off x="673499" y="1262163"/>
-            <a:ext cx="4574841" cy="461665"/>
+            <a:off x="673499" y="972237"/>
+            <a:ext cx="3642023" cy="461665"/>
           </a:xfrm>
           <a:prstGeom prst="rect">
             <a:avLst/>
@@ -4438,27 +4439,462 @@
           </a:p>
         </p:txBody>
       </p:sp>
-      <p:sp>
-        <p:nvSpPr>
-          <p:cNvPr id="17" name="Rounded Rectangle 16">
-            <a:extLst>
-              <a:ext uri="{FF2B5EF4-FFF2-40B4-BE49-F238E27FC236}">
-                <a16:creationId xmlns:a16="http://schemas.microsoft.com/office/drawing/2014/main" id="{4B720661-BB04-C342-96FE-3336DB20241D}"/>
-              </a:ext>
-            </a:extLst>
-          </p:cNvPr>
-          <p:cNvSpPr/>
+      <p:pic>
+        <p:nvPicPr>
+          <p:cNvPr id="29" name="Graphic 28" descr="Illustrator with solid fill">
+            <a:extLst>
+              <a:ext uri="{FF2B5EF4-FFF2-40B4-BE49-F238E27FC236}">
+                <a16:creationId xmlns:a16="http://schemas.microsoft.com/office/drawing/2014/main" id="{C74DC83B-BED1-5840-8C24-5E652AE5702A}"/>
+              </a:ext>
+            </a:extLst>
+          </p:cNvPr>
+          <p:cNvPicPr>
+            <a:picLocks noChangeAspect="1"/>
+          </p:cNvPicPr>
           <p:nvPr/>
-        </p:nvSpPr>
-        <p:spPr>
-          <a:xfrm>
-            <a:off x="737999" y="2416773"/>
-            <a:ext cx="3566669" cy="2478551"/>
+        </p:nvPicPr>
+        <p:blipFill>
+          <a:blip r:embed="rId2">
+            <a:extLst>
+              <a:ext uri="{96DAC541-7B7A-43D3-8B79-37D633B846F1}">
+                <asvg:svgBlip xmlns:asvg="http://schemas.microsoft.com/office/drawing/2016/SVG/main" r:embed="rId3"/>
+              </a:ext>
+            </a:extLst>
+          </a:blip>
+          <a:stretch>
+            <a:fillRect/>
+          </a:stretch>
+        </p:blipFill>
+        <p:spPr>
+          <a:xfrm>
+            <a:off x="61785" y="161698"/>
+            <a:ext cx="457200" cy="457200"/>
+          </a:xfrm>
+          <a:prstGeom prst="rect">
+            <a:avLst/>
+          </a:prstGeom>
+        </p:spPr>
+      </p:pic>
+      <p:pic>
+        <p:nvPicPr>
+          <p:cNvPr id="3" name="Graphic 2" descr="Checklist with solid fill">
+            <a:extLst>
+              <a:ext uri="{FF2B5EF4-FFF2-40B4-BE49-F238E27FC236}">
+                <a16:creationId xmlns:a16="http://schemas.microsoft.com/office/drawing/2014/main" id="{9F50BC0E-B823-F040-9132-191F58BD5D7A}"/>
+              </a:ext>
+            </a:extLst>
+          </p:cNvPr>
+          <p:cNvPicPr>
+            <a:picLocks noChangeAspect="1"/>
+          </p:cNvPicPr>
+          <p:nvPr/>
+        </p:nvPicPr>
+        <p:blipFill>
+          <a:blip r:embed="rId4">
+            <a:extLst>
+              <a:ext uri="{96DAC541-7B7A-43D3-8B79-37D633B846F1}">
+                <asvg:svgBlip xmlns:asvg="http://schemas.microsoft.com/office/drawing/2016/SVG/main" r:embed="rId5"/>
+              </a:ext>
+            </a:extLst>
+          </a:blip>
+          <a:stretch>
+            <a:fillRect/>
+          </a:stretch>
+        </p:blipFill>
+        <p:spPr>
+          <a:xfrm>
+            <a:off x="-5738" y="904053"/>
+            <a:ext cx="592246" cy="592246"/>
+          </a:xfrm>
+          <a:prstGeom prst="rect">
+            <a:avLst/>
+          </a:prstGeom>
+        </p:spPr>
+      </p:pic>
+      <p:sp>
+        <p:nvSpPr>
+          <p:cNvPr id="28" name="TextBox 27">
+            <a:extLst>
+              <a:ext uri="{FF2B5EF4-FFF2-40B4-BE49-F238E27FC236}">
+                <a16:creationId xmlns:a16="http://schemas.microsoft.com/office/drawing/2014/main" id="{70FF90B2-BC76-BA4F-9646-4F999B88CA7E}"/>
+              </a:ext>
+            </a:extLst>
+          </p:cNvPr>
+          <p:cNvSpPr txBox="1"/>
+          <p:nvPr/>
+        </p:nvSpPr>
+        <p:spPr>
+          <a:xfrm>
+            <a:off x="4924297" y="713384"/>
+            <a:ext cx="2607364" cy="543461"/>
           </a:xfrm>
           <a:prstGeom prst="roundRect">
             <a:avLst>
-              <a:gd name="adj" fmla="val 4369"/>
+              <a:gd name="adj" fmla="val 6476"/>
             </a:avLst>
+          </a:prstGeom>
+          <a:solidFill>
+            <a:schemeClr val="bg1"/>
+          </a:solidFill>
+          <a:ln>
+            <a:solidFill>
+              <a:schemeClr val="tx1">
+                <a:lumMod val="85000"/>
+                <a:lumOff val="15000"/>
+              </a:schemeClr>
+            </a:solidFill>
+          </a:ln>
+          <a:effectLst>
+            <a:outerShdw blurRad="50800" dist="38100" dir="10800000" algn="r" rotWithShape="0">
+              <a:prstClr val="black">
+                <a:alpha val="40000"/>
+              </a:prstClr>
+            </a:outerShdw>
+          </a:effectLst>
+        </p:spPr>
+        <p:txBody>
+          <a:bodyPr wrap="square">
+            <a:spAutoFit/>
+          </a:bodyPr>
+          <a:lstStyle/>
+          <a:p>
+            <a:pPr algn="ctr"/>
+            <a:r>
+              <a:rPr lang="en-US" sz="1600" b="1" dirty="0">
+                <a:solidFill>
+                  <a:schemeClr val="tx1">
+                    <a:lumMod val="75000"/>
+                    <a:lumOff val="25000"/>
+                  </a:schemeClr>
+                </a:solidFill>
+                <a:latin typeface="Dotum" panose="020B0600000101010101" pitchFamily="34" charset="-127"/>
+                <a:ea typeface="Dotum" panose="020B0600000101010101" pitchFamily="34" charset="-127"/>
+                <a:cs typeface="Al Bayan Plain" pitchFamily="2" charset="-78"/>
+              </a:rPr>
+              <a:t>2D or 3D Video/Image</a:t>
+            </a:r>
+          </a:p>
+          <a:p>
+            <a:pPr algn="ctr"/>
+            <a:r>
+              <a:rPr lang="en-US" sz="1200" b="1" dirty="0">
+                <a:solidFill>
+                  <a:schemeClr val="tx1">
+                    <a:lumMod val="50000"/>
+                    <a:lumOff val="50000"/>
+                  </a:schemeClr>
+                </a:solidFill>
+                <a:latin typeface="Dotum" panose="020B0600000101010101" pitchFamily="34" charset="-127"/>
+                <a:ea typeface="Dotum" panose="020B0600000101010101" pitchFamily="34" charset="-127"/>
+                <a:cs typeface="Al Bayan Plain" pitchFamily="2" charset="-78"/>
+              </a:rPr>
+              <a:t>Fixed or live cells</a:t>
+            </a:r>
+            <a:endParaRPr lang="en-US" sz="1200" dirty="0">
+              <a:solidFill>
+                <a:schemeClr val="tx1">
+                  <a:lumMod val="50000"/>
+                  <a:lumOff val="50000"/>
+                </a:schemeClr>
+              </a:solidFill>
+            </a:endParaRPr>
+          </a:p>
+        </p:txBody>
+      </p:sp>
+      <p:sp>
+        <p:nvSpPr>
+          <p:cNvPr id="37" name="TextBox 36">
+            <a:extLst>
+              <a:ext uri="{FF2B5EF4-FFF2-40B4-BE49-F238E27FC236}">
+                <a16:creationId xmlns:a16="http://schemas.microsoft.com/office/drawing/2014/main" id="{0E9DEC6E-8E3A-B140-869A-37DD71E0C21D}"/>
+              </a:ext>
+            </a:extLst>
+          </p:cNvPr>
+          <p:cNvSpPr txBox="1"/>
+          <p:nvPr/>
+        </p:nvSpPr>
+        <p:spPr>
+          <a:xfrm>
+            <a:off x="4924297" y="1907865"/>
+            <a:ext cx="2607364" cy="1384995"/>
+          </a:xfrm>
+          <a:prstGeom prst="rect">
+            <a:avLst/>
+          </a:prstGeom>
+          <a:solidFill>
+            <a:schemeClr val="bg1">
+              <a:lumMod val="95000"/>
+            </a:schemeClr>
+          </a:solidFill>
+          <a:effectLst>
+            <a:outerShdw blurRad="50800" dist="38100" dir="10800000" algn="r" rotWithShape="0">
+              <a:prstClr val="black">
+                <a:alpha val="40000"/>
+              </a:prstClr>
+            </a:outerShdw>
+          </a:effectLst>
+        </p:spPr>
+        <p:txBody>
+          <a:bodyPr wrap="square">
+            <a:spAutoFit/>
+          </a:bodyPr>
+          <a:lstStyle/>
+          <a:p>
+            <a:r>
+              <a:rPr lang="en-US" sz="1400" b="1" dirty="0">
+                <a:solidFill>
+                  <a:srgbClr val="FD2D6D"/>
+                </a:solidFill>
+                <a:latin typeface="Dotum" panose="020B0600000101010101" pitchFamily="34" charset="-127"/>
+                <a:ea typeface="Dotum" panose="020B0600000101010101" pitchFamily="34" charset="-127"/>
+                <a:cs typeface="Al Bayan Plain" pitchFamily="2" charset="-78"/>
+              </a:rPr>
+              <a:t>Input:</a:t>
+            </a:r>
+            <a:r>
+              <a:rPr lang="en-US" sz="1400" b="1" dirty="0">
+                <a:solidFill>
+                  <a:schemeClr val="tx1">
+                    <a:lumMod val="65000"/>
+                    <a:lumOff val="35000"/>
+                  </a:schemeClr>
+                </a:solidFill>
+                <a:latin typeface="Dotum" panose="020B0600000101010101" pitchFamily="34" charset="-127"/>
+                <a:ea typeface="Dotum" panose="020B0600000101010101" pitchFamily="34" charset="-127"/>
+                <a:cs typeface="Al Bayan Plain" pitchFamily="2" charset="-78"/>
+              </a:rPr>
+              <a:t> </a:t>
+            </a:r>
+            <a:r>
+              <a:rPr lang="en-US" sz="1400" b="1" dirty="0">
+                <a:solidFill>
+                  <a:srgbClr val="2929C4"/>
+                </a:solidFill>
+                <a:latin typeface="Dotum" panose="020B0600000101010101" pitchFamily="34" charset="-127"/>
+                <a:ea typeface="Dotum" panose="020B0600000101010101" pitchFamily="34" charset="-127"/>
+                <a:cs typeface="Al Bayan Plain" pitchFamily="2" charset="-78"/>
+              </a:rPr>
+              <a:t>original</a:t>
+            </a:r>
+            <a:r>
+              <a:rPr lang="en-US" sz="1400" b="1" dirty="0">
+                <a:solidFill>
+                  <a:schemeClr val="tx1">
+                    <a:lumMod val="65000"/>
+                    <a:lumOff val="35000"/>
+                  </a:schemeClr>
+                </a:solidFill>
+                <a:latin typeface="Dotum" panose="020B0600000101010101" pitchFamily="34" charset="-127"/>
+                <a:ea typeface="Dotum" panose="020B0600000101010101" pitchFamily="34" charset="-127"/>
+                <a:cs typeface="Al Bayan Plain" pitchFamily="2" charset="-78"/>
+              </a:rPr>
+              <a:t> </a:t>
+            </a:r>
+            <a:r>
+              <a:rPr lang="en-US" sz="1400" b="1" dirty="0">
+                <a:solidFill>
+                  <a:srgbClr val="2929C4"/>
+                </a:solidFill>
+                <a:latin typeface="Dotum" panose="020B0600000101010101" pitchFamily="34" charset="-127"/>
+                <a:ea typeface="Dotum" panose="020B0600000101010101" pitchFamily="34" charset="-127"/>
+                <a:cs typeface="Al Bayan Plain" pitchFamily="2" charset="-78"/>
+              </a:rPr>
+              <a:t>video</a:t>
+            </a:r>
+          </a:p>
+          <a:p>
+            <a:r>
+              <a:rPr lang="en-US" sz="1400" b="1" dirty="0">
+                <a:solidFill>
+                  <a:schemeClr val="tx1">
+                    <a:lumMod val="65000"/>
+                    <a:lumOff val="35000"/>
+                  </a:schemeClr>
+                </a:solidFill>
+                <a:latin typeface="Dotum" panose="020B0600000101010101" pitchFamily="34" charset="-127"/>
+                <a:ea typeface="Dotum" panose="020B0600000101010101" pitchFamily="34" charset="-127"/>
+                <a:cs typeface="Al Bayan Plain" pitchFamily="2" charset="-78"/>
+              </a:rPr>
+              <a:t>- Spot detection</a:t>
+            </a:r>
+          </a:p>
+          <a:p>
+            <a:r>
+              <a:rPr lang="en-US" sz="1400" b="1" dirty="0">
+                <a:solidFill>
+                  <a:schemeClr val="tx1">
+                    <a:lumMod val="65000"/>
+                    <a:lumOff val="35000"/>
+                  </a:schemeClr>
+                </a:solidFill>
+                <a:latin typeface="Dotum" panose="020B0600000101010101" pitchFamily="34" charset="-127"/>
+                <a:ea typeface="Dotum" panose="020B0600000101010101" pitchFamily="34" charset="-127"/>
+                <a:cs typeface="Al Bayan Plain" pitchFamily="2" charset="-78"/>
+              </a:rPr>
+              <a:t>- Tracking 3D (2D+best-z)</a:t>
+            </a:r>
+          </a:p>
+          <a:p>
+            <a:r>
+              <a:rPr lang="en-US" sz="1400" b="1" dirty="0">
+                <a:solidFill>
+                  <a:schemeClr val="tx1">
+                    <a:lumMod val="65000"/>
+                    <a:lumOff val="35000"/>
+                  </a:schemeClr>
+                </a:solidFill>
+                <a:latin typeface="Dotum" panose="020B0600000101010101" pitchFamily="34" charset="-127"/>
+                <a:ea typeface="Dotum" panose="020B0600000101010101" pitchFamily="34" charset="-127"/>
+                <a:cs typeface="Al Bayan Plain" pitchFamily="2" charset="-78"/>
+              </a:rPr>
+              <a:t>- Video alignment</a:t>
+            </a:r>
+          </a:p>
+          <a:p>
+            <a:r>
+              <a:rPr lang="en-US" sz="1400" b="1" dirty="0">
+                <a:solidFill>
+                  <a:schemeClr val="tx1">
+                    <a:lumMod val="65000"/>
+                    <a:lumOff val="35000"/>
+                  </a:schemeClr>
+                </a:solidFill>
+                <a:latin typeface="Dotum" panose="020B0600000101010101" pitchFamily="34" charset="-127"/>
+                <a:ea typeface="Dotum" panose="020B0600000101010101" pitchFamily="34" charset="-127"/>
+                <a:cs typeface="Al Bayan Plain" pitchFamily="2" charset="-78"/>
+              </a:rPr>
+              <a:t>- Cell Segmentation</a:t>
+            </a:r>
+          </a:p>
+          <a:p>
+            <a:r>
+              <a:rPr lang="en-US" sz="1400" b="1" dirty="0">
+                <a:solidFill>
+                  <a:srgbClr val="FD2D6D"/>
+                </a:solidFill>
+                <a:latin typeface="Dotum" panose="020B0600000101010101" pitchFamily="34" charset="-127"/>
+                <a:ea typeface="Dotum" panose="020B0600000101010101" pitchFamily="34" charset="-127"/>
+                <a:cs typeface="Al Bayan Plain" pitchFamily="2" charset="-78"/>
+              </a:rPr>
+              <a:t>Output: </a:t>
+            </a:r>
+            <a:r>
+              <a:rPr lang="en-US" sz="1400" b="1" dirty="0">
+                <a:solidFill>
+                  <a:srgbClr val="2929C4"/>
+                </a:solidFill>
+                <a:latin typeface="Dotum" panose="020B0600000101010101" pitchFamily="34" charset="-127"/>
+                <a:ea typeface="Dotum" panose="020B0600000101010101" pitchFamily="34" charset="-127"/>
+                <a:cs typeface="Al Bayan Plain" pitchFamily="2" charset="-78"/>
+              </a:rPr>
+              <a:t>Video &amp; </a:t>
+            </a:r>
+            <a:r>
+              <a:rPr lang="en-US" sz="1400" b="1" dirty="0" err="1">
+                <a:solidFill>
+                  <a:srgbClr val="2929C4"/>
+                </a:solidFill>
+                <a:latin typeface="Dotum" panose="020B0600000101010101" pitchFamily="34" charset="-127"/>
+                <a:ea typeface="Dotum" panose="020B0600000101010101" pitchFamily="34" charset="-127"/>
+                <a:cs typeface="Al Bayan Plain" pitchFamily="2" charset="-78"/>
+              </a:rPr>
+              <a:t>Dataframe</a:t>
+            </a:r>
+            <a:endParaRPr lang="en-US" sz="1400" b="1" dirty="0">
+              <a:solidFill>
+                <a:srgbClr val="2929C4"/>
+              </a:solidFill>
+              <a:latin typeface="Dotum" panose="020B0600000101010101" pitchFamily="34" charset="-127"/>
+              <a:ea typeface="Dotum" panose="020B0600000101010101" pitchFamily="34" charset="-127"/>
+              <a:cs typeface="Al Bayan Plain" pitchFamily="2" charset="-78"/>
+            </a:endParaRPr>
+          </a:p>
+        </p:txBody>
+      </p:sp>
+      <p:sp>
+        <p:nvSpPr>
+          <p:cNvPr id="35" name="TextBox 34">
+            <a:extLst>
+              <a:ext uri="{FF2B5EF4-FFF2-40B4-BE49-F238E27FC236}">
+                <a16:creationId xmlns:a16="http://schemas.microsoft.com/office/drawing/2014/main" id="{3881CE19-8CC2-634C-92FA-86F3A9F9ACF8}"/>
+              </a:ext>
+            </a:extLst>
+          </p:cNvPr>
+          <p:cNvSpPr txBox="1"/>
+          <p:nvPr/>
+        </p:nvSpPr>
+        <p:spPr>
+          <a:xfrm>
+            <a:off x="4924297" y="1547089"/>
+            <a:ext cx="2607364" cy="374571"/>
+          </a:xfrm>
+          <a:prstGeom prst="roundRect">
+            <a:avLst>
+              <a:gd name="adj" fmla="val 13714"/>
+            </a:avLst>
+          </a:prstGeom>
+          <a:solidFill>
+            <a:schemeClr val="bg1"/>
+          </a:solidFill>
+          <a:ln>
+            <a:solidFill>
+              <a:schemeClr val="tx1">
+                <a:lumMod val="85000"/>
+                <a:lumOff val="15000"/>
+              </a:schemeClr>
+            </a:solidFill>
+          </a:ln>
+          <a:effectLst>
+            <a:outerShdw blurRad="50800" dist="38100" dir="10800000" algn="r" rotWithShape="0">
+              <a:prstClr val="black">
+                <a:alpha val="40000"/>
+              </a:prstClr>
+            </a:outerShdw>
+          </a:effectLst>
+        </p:spPr>
+        <p:txBody>
+          <a:bodyPr wrap="square">
+            <a:spAutoFit/>
+          </a:bodyPr>
+          <a:lstStyle/>
+          <a:p>
+            <a:pPr algn="ctr"/>
+            <a:r>
+              <a:rPr lang="en-US" sz="1600" b="1" dirty="0">
+                <a:solidFill>
+                  <a:schemeClr val="tx1">
+                    <a:lumMod val="75000"/>
+                    <a:lumOff val="25000"/>
+                  </a:schemeClr>
+                </a:solidFill>
+                <a:latin typeface="Dotum" panose="020B0600000101010101" pitchFamily="34" charset="-127"/>
+                <a:ea typeface="Dotum" panose="020B0600000101010101" pitchFamily="34" charset="-127"/>
+                <a:cs typeface="Al Bayan Plain" pitchFamily="2" charset="-78"/>
+              </a:rPr>
+              <a:t>Pre-processing</a:t>
+            </a:r>
+          </a:p>
+        </p:txBody>
+      </p:sp>
+      <p:sp>
+        <p:nvSpPr>
+          <p:cNvPr id="38" name="TextBox 37">
+            <a:extLst>
+              <a:ext uri="{FF2B5EF4-FFF2-40B4-BE49-F238E27FC236}">
+                <a16:creationId xmlns:a16="http://schemas.microsoft.com/office/drawing/2014/main" id="{432EA25C-A87A-014B-9270-0A437045A434}"/>
+              </a:ext>
+            </a:extLst>
+          </p:cNvPr>
+          <p:cNvSpPr txBox="1"/>
+          <p:nvPr/>
+        </p:nvSpPr>
+        <p:spPr>
+          <a:xfrm>
+            <a:off x="4924297" y="3932039"/>
+            <a:ext cx="2607364" cy="1169551"/>
+          </a:xfrm>
+          <a:prstGeom prst="rect">
+            <a:avLst/>
           </a:prstGeom>
           <a:solidFill>
             <a:schemeClr val="bg1">
@@ -4471,6 +4907,12 @@
             </a:solidFill>
           </a:ln>
           <a:effectLst>
+            <a:glow rad="101600">
+              <a:schemeClr val="accent5">
+                <a:satMod val="175000"/>
+                <a:alpha val="40000"/>
+              </a:schemeClr>
+            </a:glow>
             <a:outerShdw blurRad="50800" dist="38100" dir="10800000" algn="r" rotWithShape="0">
               <a:prstClr val="black">
                 <a:alpha val="40000"/>
@@ -4478,76 +4920,36 @@
             </a:outerShdw>
           </a:effectLst>
         </p:spPr>
-        <p:style>
-          <a:lnRef idx="2">
-            <a:schemeClr val="accent1">
-              <a:shade val="50000"/>
-            </a:schemeClr>
-          </a:lnRef>
-          <a:fillRef idx="1">
-            <a:schemeClr val="accent1"/>
-          </a:fillRef>
-          <a:effectRef idx="0">
-            <a:schemeClr val="accent1"/>
-          </a:effectRef>
-          <a:fontRef idx="minor">
-            <a:schemeClr val="lt1"/>
-          </a:fontRef>
-        </p:style>
-        <p:txBody>
-          <a:bodyPr rtlCol="0" anchor="ctr"/>
-          <a:lstStyle/>
-          <a:p>
-            <a:pPr algn="ctr"/>
-            <a:endParaRPr lang="en-US" dirty="0"/>
-          </a:p>
-        </p:txBody>
-      </p:sp>
-      <p:sp>
-        <p:nvSpPr>
-          <p:cNvPr id="18" name="TextBox 17">
-            <a:extLst>
-              <a:ext uri="{FF2B5EF4-FFF2-40B4-BE49-F238E27FC236}">
-                <a16:creationId xmlns:a16="http://schemas.microsoft.com/office/drawing/2014/main" id="{01C463B6-9254-7D4D-B5A2-1A710278E235}"/>
-              </a:ext>
-            </a:extLst>
-          </p:cNvPr>
-          <p:cNvSpPr txBox="1"/>
-          <p:nvPr/>
-        </p:nvSpPr>
-        <p:spPr>
-          <a:xfrm>
-            <a:off x="809458" y="2552700"/>
-            <a:ext cx="3359335" cy="369332"/>
-          </a:xfrm>
-          <a:prstGeom prst="rect">
-            <a:avLst/>
-          </a:prstGeom>
-          <a:noFill/>
-        </p:spPr>
         <p:txBody>
           <a:bodyPr wrap="square">
             <a:spAutoFit/>
           </a:bodyPr>
           <a:lstStyle/>
           <a:p>
-            <a:pPr algn="ctr"/>
-            <a:r>
-              <a:rPr lang="en-US" b="1" dirty="0">
+            <a:r>
+              <a:rPr lang="en-US" sz="1400" b="1" dirty="0" err="1">
                 <a:solidFill>
-                  <a:schemeClr val="tx1">
-                    <a:lumMod val="75000"/>
-                    <a:lumOff val="25000"/>
-                  </a:schemeClr>
+                  <a:srgbClr val="FD2D6D"/>
                 </a:solidFill>
                 <a:latin typeface="Dotum" panose="020B0600000101010101" pitchFamily="34" charset="-127"/>
                 <a:ea typeface="Dotum" panose="020B0600000101010101" pitchFamily="34" charset="-127"/>
                 <a:cs typeface="Al Bayan Plain" pitchFamily="2" charset="-78"/>
               </a:rPr>
-              <a:t>Functionality</a:t>
-            </a:r>
-            <a:r>
-              <a:rPr lang="en-US" b="1" dirty="0">
+              <a:t>Intput</a:t>
+            </a:r>
+            <a:r>
+              <a:rPr lang="en-US" sz="1400" b="1" dirty="0">
+                <a:solidFill>
+                  <a:srgbClr val="FD2D6D"/>
+                </a:solidFill>
+                <a:latin typeface="Dotum" panose="020B0600000101010101" pitchFamily="34" charset="-127"/>
+                <a:ea typeface="Dotum" panose="020B0600000101010101" pitchFamily="34" charset="-127"/>
+                <a:cs typeface="Al Bayan Plain" pitchFamily="2" charset="-78"/>
+              </a:rPr>
+              <a:t>: </a:t>
+            </a:r>
+            <a:r>
+              <a:rPr lang="en-US" sz="1400" b="1" dirty="0">
                 <a:solidFill>
                   <a:srgbClr val="2929C4"/>
                 </a:solidFill>
@@ -4555,46 +4957,317 @@
                 <a:ea typeface="Dotum" panose="020B0600000101010101" pitchFamily="34" charset="-127"/>
                 <a:cs typeface="Al Bayan Plain" pitchFamily="2" charset="-78"/>
               </a:rPr>
-              <a:t>  </a:t>
-            </a:r>
-            <a:endParaRPr lang="en-US" dirty="0">
+              <a:t>video &amp; </a:t>
+            </a:r>
+            <a:r>
+              <a:rPr lang="en-US" sz="1400" b="1" dirty="0" err="1">
+                <a:solidFill>
+                  <a:srgbClr val="2929C4"/>
+                </a:solidFill>
+                <a:latin typeface="Dotum" panose="020B0600000101010101" pitchFamily="34" charset="-127"/>
+                <a:ea typeface="Dotum" panose="020B0600000101010101" pitchFamily="34" charset="-127"/>
+                <a:cs typeface="Al Bayan Plain" pitchFamily="2" charset="-78"/>
+              </a:rPr>
+              <a:t>dataframe</a:t>
+            </a:r>
+            <a:endParaRPr lang="en-US" sz="1400" b="1" dirty="0">
               <a:solidFill>
-                <a:srgbClr val="2929C4"/>
+                <a:schemeClr val="tx1">
+                  <a:lumMod val="65000"/>
+                  <a:lumOff val="35000"/>
+                </a:schemeClr>
               </a:solidFill>
+              <a:latin typeface="Dotum" panose="020B0600000101010101" pitchFamily="34" charset="-127"/>
+              <a:ea typeface="Dotum" panose="020B0600000101010101" pitchFamily="34" charset="-127"/>
+              <a:cs typeface="Al Bayan Plain" pitchFamily="2" charset="-78"/>
             </a:endParaRPr>
           </a:p>
-        </p:txBody>
-      </p:sp>
-      <p:sp>
-        <p:nvSpPr>
-          <p:cNvPr id="19" name="Rounded Rectangle 18">
-            <a:extLst>
-              <a:ext uri="{FF2B5EF4-FFF2-40B4-BE49-F238E27FC236}">
-                <a16:creationId xmlns:a16="http://schemas.microsoft.com/office/drawing/2014/main" id="{AC364CFD-905B-F74B-9C4F-490DB5AF301E}"/>
-              </a:ext>
-            </a:extLst>
-          </p:cNvPr>
-          <p:cNvSpPr/>
+          <a:p>
+            <a:r>
+              <a:rPr lang="en-US" sz="1400" b="1" dirty="0">
+                <a:solidFill>
+                  <a:schemeClr val="tx1">
+                    <a:lumMod val="65000"/>
+                    <a:lumOff val="35000"/>
+                  </a:schemeClr>
+                </a:solidFill>
+                <a:latin typeface="Dotum" panose="020B0600000101010101" pitchFamily="34" charset="-127"/>
+                <a:ea typeface="Dotum" panose="020B0600000101010101" pitchFamily="34" charset="-127"/>
+                <a:cs typeface="Al Bayan Plain" pitchFamily="2" charset="-78"/>
+              </a:rPr>
+              <a:t>- Compressed Image</a:t>
+            </a:r>
+          </a:p>
+          <a:p>
+            <a:r>
+              <a:rPr lang="en-US" sz="1400" b="1" dirty="0">
+                <a:solidFill>
+                  <a:schemeClr val="tx1">
+                    <a:lumMod val="65000"/>
+                    <a:lumOff val="35000"/>
+                  </a:schemeClr>
+                </a:solidFill>
+                <a:latin typeface="Dotum" panose="020B0600000101010101" pitchFamily="34" charset="-127"/>
+                <a:ea typeface="Dotum" panose="020B0600000101010101" pitchFamily="34" charset="-127"/>
+                <a:cs typeface="Al Bayan Plain" pitchFamily="2" charset="-78"/>
+              </a:rPr>
+              <a:t>- Metadata</a:t>
+            </a:r>
+          </a:p>
+          <a:p>
+            <a:r>
+              <a:rPr lang="en-US" sz="1400" b="1" dirty="0">
+                <a:solidFill>
+                  <a:schemeClr val="tx1">
+                    <a:lumMod val="65000"/>
+                    <a:lumOff val="35000"/>
+                  </a:schemeClr>
+                </a:solidFill>
+                <a:latin typeface="Dotum" panose="020B0600000101010101" pitchFamily="34" charset="-127"/>
+                <a:ea typeface="Dotum" panose="020B0600000101010101" pitchFamily="34" charset="-127"/>
+                <a:cs typeface="Al Bayan Plain" pitchFamily="2" charset="-78"/>
+              </a:rPr>
+              <a:t>- Units</a:t>
+            </a:r>
+          </a:p>
+          <a:p>
+            <a:r>
+              <a:rPr lang="en-US" sz="1400" b="1" dirty="0">
+                <a:solidFill>
+                  <a:srgbClr val="FD2D6D"/>
+                </a:solidFill>
+                <a:latin typeface="Dotum" panose="020B0600000101010101" pitchFamily="34" charset="-127"/>
+                <a:ea typeface="Dotum" panose="020B0600000101010101" pitchFamily="34" charset="-127"/>
+                <a:cs typeface="Al Bayan Plain" pitchFamily="2" charset="-78"/>
+              </a:rPr>
+              <a:t>Output: </a:t>
+            </a:r>
+            <a:r>
+              <a:rPr lang="en-US" sz="1400" b="1" dirty="0">
+                <a:solidFill>
+                  <a:srgbClr val="2929C4"/>
+                </a:solidFill>
+                <a:latin typeface="Dotum" panose="020B0600000101010101" pitchFamily="34" charset="-127"/>
+                <a:ea typeface="Dotum" panose="020B0600000101010101" pitchFamily="34" charset="-127"/>
+                <a:cs typeface="Al Bayan Plain" pitchFamily="2" charset="-78"/>
+              </a:rPr>
+              <a:t>x-array</a:t>
+            </a:r>
+          </a:p>
+        </p:txBody>
+      </p:sp>
+      <p:sp>
+        <p:nvSpPr>
+          <p:cNvPr id="39" name="TextBox 38">
+            <a:extLst>
+              <a:ext uri="{FF2B5EF4-FFF2-40B4-BE49-F238E27FC236}">
+                <a16:creationId xmlns:a16="http://schemas.microsoft.com/office/drawing/2014/main" id="{ABFFFB86-C8B1-E64C-9E43-63051D77AAD4}"/>
+              </a:ext>
+            </a:extLst>
+          </p:cNvPr>
+          <p:cNvSpPr txBox="1"/>
           <p:nvPr/>
         </p:nvSpPr>
         <p:spPr>
           <a:xfrm>
-            <a:off x="4647329" y="2416773"/>
-            <a:ext cx="3566669" cy="2478551"/>
+            <a:off x="4924297" y="3571263"/>
+            <a:ext cx="2607364" cy="374571"/>
           </a:xfrm>
           <a:prstGeom prst="roundRect">
             <a:avLst>
-              <a:gd name="adj" fmla="val 4369"/>
+              <a:gd name="adj" fmla="val 13714"/>
             </a:avLst>
+          </a:prstGeom>
+          <a:solidFill>
+            <a:schemeClr val="bg1"/>
+          </a:solidFill>
+          <a:ln>
+            <a:solidFill>
+              <a:srgbClr val="2929C4"/>
+            </a:solidFill>
+          </a:ln>
+          <a:effectLst>
+            <a:glow rad="101600">
+              <a:schemeClr val="accent5">
+                <a:satMod val="175000"/>
+                <a:alpha val="40000"/>
+              </a:schemeClr>
+            </a:glow>
+            <a:outerShdw blurRad="50800" dist="38100" dir="10800000" algn="r" rotWithShape="0">
+              <a:prstClr val="black">
+                <a:alpha val="40000"/>
+              </a:prstClr>
+            </a:outerShdw>
+          </a:effectLst>
+        </p:spPr>
+        <p:txBody>
+          <a:bodyPr wrap="square">
+            <a:spAutoFit/>
+          </a:bodyPr>
+          <a:lstStyle/>
+          <a:p>
+            <a:pPr algn="ctr"/>
+            <a:r>
+              <a:rPr lang="en-US" sz="1600" b="1" dirty="0">
+                <a:solidFill>
+                  <a:srgbClr val="2929C4"/>
+                </a:solidFill>
+                <a:latin typeface="Dotum" panose="020B0600000101010101" pitchFamily="34" charset="-127"/>
+                <a:ea typeface="Dotum" panose="020B0600000101010101" pitchFamily="34" charset="-127"/>
+                <a:cs typeface="Al Bayan Plain" pitchFamily="2" charset="-78"/>
+              </a:rPr>
+              <a:t>CropArray</a:t>
+            </a:r>
+          </a:p>
+        </p:txBody>
+      </p:sp>
+      <p:sp>
+        <p:nvSpPr>
+          <p:cNvPr id="40" name="TextBox 39">
+            <a:extLst>
+              <a:ext uri="{FF2B5EF4-FFF2-40B4-BE49-F238E27FC236}">
+                <a16:creationId xmlns:a16="http://schemas.microsoft.com/office/drawing/2014/main" id="{15E05B56-D45D-D44E-841D-86BD3A15169F}"/>
+              </a:ext>
+            </a:extLst>
+          </p:cNvPr>
+          <p:cNvSpPr txBox="1"/>
+          <p:nvPr/>
+        </p:nvSpPr>
+        <p:spPr>
+          <a:xfrm>
+            <a:off x="8153020" y="5719152"/>
+            <a:ext cx="2607364" cy="738664"/>
+          </a:xfrm>
+          <a:prstGeom prst="rect">
+            <a:avLst/>
           </a:prstGeom>
           <a:solidFill>
             <a:schemeClr val="bg1">
               <a:lumMod val="95000"/>
             </a:schemeClr>
           </a:solidFill>
+          <a:effectLst>
+            <a:outerShdw blurRad="50800" dist="38100" dir="10800000" algn="r" rotWithShape="0">
+              <a:prstClr val="black">
+                <a:alpha val="40000"/>
+              </a:prstClr>
+            </a:outerShdw>
+          </a:effectLst>
+        </p:spPr>
+        <p:txBody>
+          <a:bodyPr wrap="square">
+            <a:spAutoFit/>
+          </a:bodyPr>
+          <a:lstStyle/>
+          <a:p>
+            <a:r>
+              <a:rPr lang="en-US" sz="1400" b="1" dirty="0">
+                <a:solidFill>
+                  <a:schemeClr val="tx1">
+                    <a:lumMod val="65000"/>
+                    <a:lumOff val="35000"/>
+                  </a:schemeClr>
+                </a:solidFill>
+                <a:latin typeface="Dotum" panose="020B0600000101010101" pitchFamily="34" charset="-127"/>
+                <a:ea typeface="Dotum" panose="020B0600000101010101" pitchFamily="34" charset="-127"/>
+                <a:cs typeface="Al Bayan Plain" pitchFamily="2" charset="-78"/>
+              </a:rPr>
+              <a:t>- 2D-matplotlib</a:t>
+            </a:r>
+          </a:p>
+          <a:p>
+            <a:r>
+              <a:rPr lang="en-US" sz="1400" b="1" dirty="0">
+                <a:solidFill>
+                  <a:schemeClr val="tx1">
+                    <a:lumMod val="65000"/>
+                    <a:lumOff val="35000"/>
+                  </a:schemeClr>
+                </a:solidFill>
+                <a:latin typeface="Dotum" panose="020B0600000101010101" pitchFamily="34" charset="-127"/>
+                <a:ea typeface="Dotum" panose="020B0600000101010101" pitchFamily="34" charset="-127"/>
+                <a:cs typeface="Al Bayan Plain" pitchFamily="2" charset="-78"/>
+              </a:rPr>
+              <a:t>- </a:t>
+            </a:r>
+            <a:r>
+              <a:rPr lang="en-US" sz="1400" b="1" dirty="0" err="1">
+                <a:solidFill>
+                  <a:schemeClr val="tx1">
+                    <a:lumMod val="65000"/>
+                    <a:lumOff val="35000"/>
+                  </a:schemeClr>
+                </a:solidFill>
+                <a:latin typeface="Dotum" panose="020B0600000101010101" pitchFamily="34" charset="-127"/>
+                <a:ea typeface="Dotum" panose="020B0600000101010101" pitchFamily="34" charset="-127"/>
+                <a:cs typeface="Al Bayan Plain" pitchFamily="2" charset="-78"/>
+              </a:rPr>
+              <a:t>Napari</a:t>
+            </a:r>
+            <a:r>
+              <a:rPr lang="en-US" sz="1400" b="1" dirty="0">
+                <a:solidFill>
+                  <a:schemeClr val="tx1">
+                    <a:lumMod val="65000"/>
+                    <a:lumOff val="35000"/>
+                  </a:schemeClr>
+                </a:solidFill>
+                <a:latin typeface="Dotum" panose="020B0600000101010101" pitchFamily="34" charset="-127"/>
+                <a:ea typeface="Dotum" panose="020B0600000101010101" pitchFamily="34" charset="-127"/>
+                <a:cs typeface="Al Bayan Plain" pitchFamily="2" charset="-78"/>
+              </a:rPr>
+              <a:t> representation</a:t>
+            </a:r>
+          </a:p>
+          <a:p>
+            <a:r>
+              <a:rPr lang="en-US" sz="1400" b="1" dirty="0">
+                <a:solidFill>
+                  <a:schemeClr val="tx1">
+                    <a:lumMod val="65000"/>
+                    <a:lumOff val="35000"/>
+                  </a:schemeClr>
+                </a:solidFill>
+                <a:latin typeface="Dotum" panose="020B0600000101010101" pitchFamily="34" charset="-127"/>
+                <a:ea typeface="Dotum" panose="020B0600000101010101" pitchFamily="34" charset="-127"/>
+                <a:cs typeface="Al Bayan Plain" pitchFamily="2" charset="-78"/>
+              </a:rPr>
+              <a:t>- Simulated Cell</a:t>
+            </a:r>
+          </a:p>
+        </p:txBody>
+      </p:sp>
+      <p:sp>
+        <p:nvSpPr>
+          <p:cNvPr id="41" name="TextBox 40">
+            <a:extLst>
+              <a:ext uri="{FF2B5EF4-FFF2-40B4-BE49-F238E27FC236}">
+                <a16:creationId xmlns:a16="http://schemas.microsoft.com/office/drawing/2014/main" id="{22B10271-DBF6-E741-93ED-E4F41670C65A}"/>
+              </a:ext>
+            </a:extLst>
+          </p:cNvPr>
+          <p:cNvSpPr txBox="1"/>
+          <p:nvPr/>
+        </p:nvSpPr>
+        <p:spPr>
+          <a:xfrm>
+            <a:off x="8153020" y="5358376"/>
+            <a:ext cx="2607364" cy="374571"/>
+          </a:xfrm>
+          <a:prstGeom prst="roundRect">
+            <a:avLst>
+              <a:gd name="adj" fmla="val 13714"/>
+            </a:avLst>
+          </a:prstGeom>
+          <a:solidFill>
+            <a:schemeClr val="bg1"/>
+          </a:solidFill>
           <a:ln>
             <a:solidFill>
-              <a:srgbClr val="2929C4"/>
+              <a:schemeClr val="tx1">
+                <a:lumMod val="85000"/>
+                <a:lumOff val="15000"/>
+              </a:schemeClr>
             </a:solidFill>
           </a:ln>
           <a:effectLst>
@@ -4605,53 +5278,6 @@
             </a:outerShdw>
           </a:effectLst>
         </p:spPr>
-        <p:style>
-          <a:lnRef idx="2">
-            <a:schemeClr val="accent1">
-              <a:shade val="50000"/>
-            </a:schemeClr>
-          </a:lnRef>
-          <a:fillRef idx="1">
-            <a:schemeClr val="accent1"/>
-          </a:fillRef>
-          <a:effectRef idx="0">
-            <a:schemeClr val="accent1"/>
-          </a:effectRef>
-          <a:fontRef idx="minor">
-            <a:schemeClr val="lt1"/>
-          </a:fontRef>
-        </p:style>
-        <p:txBody>
-          <a:bodyPr rtlCol="0" anchor="ctr"/>
-          <a:lstStyle/>
-          <a:p>
-            <a:pPr algn="ctr"/>
-            <a:endParaRPr lang="en-US" dirty="0"/>
-          </a:p>
-        </p:txBody>
-      </p:sp>
-      <p:sp>
-        <p:nvSpPr>
-          <p:cNvPr id="20" name="TextBox 19">
-            <a:extLst>
-              <a:ext uri="{FF2B5EF4-FFF2-40B4-BE49-F238E27FC236}">
-                <a16:creationId xmlns:a16="http://schemas.microsoft.com/office/drawing/2014/main" id="{DE595E59-FDA4-DE47-86AF-9CB44A74BC60}"/>
-              </a:ext>
-            </a:extLst>
-          </p:cNvPr>
-          <p:cNvSpPr txBox="1"/>
-          <p:nvPr/>
-        </p:nvSpPr>
-        <p:spPr>
-          <a:xfrm>
-            <a:off x="4706900" y="2538484"/>
-            <a:ext cx="3359334" cy="369332"/>
-          </a:xfrm>
-          <a:prstGeom prst="rect">
-            <a:avLst/>
-          </a:prstGeom>
-          <a:noFill/>
-        </p:spPr>
         <p:txBody>
           <a:bodyPr wrap="square">
             <a:spAutoFit/>
@@ -4660,126 +5286,7 @@
           <a:p>
             <a:pPr algn="ctr"/>
             <a:r>
-              <a:rPr lang="en-US" b="1" dirty="0">
-                <a:solidFill>
-                  <a:schemeClr val="tx1">
-                    <a:lumMod val="75000"/>
-                    <a:lumOff val="25000"/>
-                  </a:schemeClr>
-                </a:solidFill>
-                <a:latin typeface="Dotum" panose="020B0600000101010101" pitchFamily="34" charset="-127"/>
-                <a:ea typeface="Dotum" panose="020B0600000101010101" pitchFamily="34" charset="-127"/>
-                <a:cs typeface="Al Bayan Plain" pitchFamily="2" charset="-78"/>
-              </a:rPr>
-              <a:t>Data management  </a:t>
-            </a:r>
-            <a:endParaRPr lang="en-US" dirty="0">
-              <a:solidFill>
-                <a:schemeClr val="tx1">
-                  <a:lumMod val="75000"/>
-                  <a:lumOff val="25000"/>
-                </a:schemeClr>
-              </a:solidFill>
-            </a:endParaRPr>
-          </a:p>
-        </p:txBody>
-      </p:sp>
-      <p:sp>
-        <p:nvSpPr>
-          <p:cNvPr id="21" name="Rounded Rectangle 20">
-            <a:extLst>
-              <a:ext uri="{FF2B5EF4-FFF2-40B4-BE49-F238E27FC236}">
-                <a16:creationId xmlns:a16="http://schemas.microsoft.com/office/drawing/2014/main" id="{6C94607B-CAFF-6340-9F73-9094958F41E6}"/>
-              </a:ext>
-            </a:extLst>
-          </p:cNvPr>
-          <p:cNvSpPr/>
-          <p:nvPr/>
-        </p:nvSpPr>
-        <p:spPr>
-          <a:xfrm>
-            <a:off x="8485850" y="2421234"/>
-            <a:ext cx="3566669" cy="2478551"/>
-          </a:xfrm>
-          <a:prstGeom prst="roundRect">
-            <a:avLst>
-              <a:gd name="adj" fmla="val 4369"/>
-            </a:avLst>
-          </a:prstGeom>
-          <a:solidFill>
-            <a:schemeClr val="bg1">
-              <a:lumMod val="95000"/>
-            </a:schemeClr>
-          </a:solidFill>
-          <a:ln>
-            <a:solidFill>
-              <a:srgbClr val="2929C4"/>
-            </a:solidFill>
-          </a:ln>
-          <a:effectLst>
-            <a:outerShdw blurRad="50800" dist="38100" dir="10800000" algn="r" rotWithShape="0">
-              <a:prstClr val="black">
-                <a:alpha val="40000"/>
-              </a:prstClr>
-            </a:outerShdw>
-          </a:effectLst>
-        </p:spPr>
-        <p:style>
-          <a:lnRef idx="2">
-            <a:schemeClr val="accent1">
-              <a:shade val="50000"/>
-            </a:schemeClr>
-          </a:lnRef>
-          <a:fillRef idx="1">
-            <a:schemeClr val="accent1"/>
-          </a:fillRef>
-          <a:effectRef idx="0">
-            <a:schemeClr val="accent1"/>
-          </a:effectRef>
-          <a:fontRef idx="minor">
-            <a:schemeClr val="lt1"/>
-          </a:fontRef>
-        </p:style>
-        <p:txBody>
-          <a:bodyPr rtlCol="0" anchor="ctr"/>
-          <a:lstStyle/>
-          <a:p>
-            <a:pPr algn="ctr"/>
-            <a:endParaRPr lang="en-US" dirty="0"/>
-          </a:p>
-        </p:txBody>
-      </p:sp>
-      <p:sp>
-        <p:nvSpPr>
-          <p:cNvPr id="22" name="TextBox 21">
-            <a:extLst>
-              <a:ext uri="{FF2B5EF4-FFF2-40B4-BE49-F238E27FC236}">
-                <a16:creationId xmlns:a16="http://schemas.microsoft.com/office/drawing/2014/main" id="{1D1C6ED1-8B82-B145-8762-347D78CBF2DF}"/>
-              </a:ext>
-            </a:extLst>
-          </p:cNvPr>
-          <p:cNvSpPr txBox="1"/>
-          <p:nvPr/>
-        </p:nvSpPr>
-        <p:spPr>
-          <a:xfrm>
-            <a:off x="8709818" y="2557161"/>
-            <a:ext cx="3137107" cy="369332"/>
-          </a:xfrm>
-          <a:prstGeom prst="rect">
-            <a:avLst/>
-          </a:prstGeom>
-          <a:noFill/>
-        </p:spPr>
-        <p:txBody>
-          <a:bodyPr wrap="square">
-            <a:spAutoFit/>
-          </a:bodyPr>
-          <a:lstStyle/>
-          <a:p>
-            <a:pPr algn="ctr"/>
-            <a:r>
-              <a:rPr lang="en-US" b="1" dirty="0">
+              <a:rPr lang="en-US" sz="1600" b="1" dirty="0">
                 <a:solidFill>
                   <a:schemeClr val="tx1">
                     <a:lumMod val="75000"/>
@@ -4792,688 +5299,346 @@
               </a:rPr>
               <a:t>Visualization</a:t>
             </a:r>
-            <a:endParaRPr lang="en-US" dirty="0">
-              <a:solidFill>
-                <a:schemeClr val="tx1">
-                  <a:lumMod val="75000"/>
-                  <a:lumOff val="25000"/>
-                </a:schemeClr>
-              </a:solidFill>
-            </a:endParaRPr>
-          </a:p>
-        </p:txBody>
-      </p:sp>
-      <p:sp>
-        <p:nvSpPr>
-          <p:cNvPr id="24" name="Rounded Rectangle 23">
-            <a:extLst>
-              <a:ext uri="{FF2B5EF4-FFF2-40B4-BE49-F238E27FC236}">
-                <a16:creationId xmlns:a16="http://schemas.microsoft.com/office/drawing/2014/main" id="{7E266496-B78F-5743-AB46-E2E6E8498C18}"/>
-              </a:ext>
-            </a:extLst>
-          </p:cNvPr>
-          <p:cNvSpPr/>
+          </a:p>
+        </p:txBody>
+      </p:sp>
+      <p:sp>
+        <p:nvSpPr>
+          <p:cNvPr id="43" name="TextBox 42">
+            <a:extLst>
+              <a:ext uri="{FF2B5EF4-FFF2-40B4-BE49-F238E27FC236}">
+                <a16:creationId xmlns:a16="http://schemas.microsoft.com/office/drawing/2014/main" id="{6E00916F-3150-B647-88C9-2D0CDCC24D86}"/>
+              </a:ext>
+            </a:extLst>
+          </p:cNvPr>
+          <p:cNvSpPr txBox="1"/>
           <p:nvPr/>
         </p:nvSpPr>
         <p:spPr>
           <a:xfrm>
-            <a:off x="883161" y="3026263"/>
-            <a:ext cx="3158376" cy="432487"/>
-          </a:xfrm>
-          <a:prstGeom prst="roundRect">
+            <a:off x="4924297" y="5733823"/>
+            <a:ext cx="2607364" cy="738664"/>
+          </a:xfrm>
+          <a:prstGeom prst="rect">
             <a:avLst/>
           </a:prstGeom>
           <a:solidFill>
-            <a:schemeClr val="bg1"/>
+            <a:schemeClr val="bg1">
+              <a:lumMod val="95000"/>
+            </a:schemeClr>
           </a:solidFill>
           <a:effectLst>
-            <a:outerShdw blurRad="63500" sx="102000" sy="102000" algn="ctr" rotWithShape="0">
+            <a:outerShdw blurRad="50800" dist="38100" dir="10800000" algn="r" rotWithShape="0">
               <a:prstClr val="black">
                 <a:alpha val="40000"/>
               </a:prstClr>
             </a:outerShdw>
           </a:effectLst>
         </p:spPr>
-        <p:style>
-          <a:lnRef idx="2">
-            <a:schemeClr val="accent1">
-              <a:shade val="50000"/>
-            </a:schemeClr>
-          </a:lnRef>
-          <a:fillRef idx="1">
-            <a:schemeClr val="accent1"/>
-          </a:fillRef>
-          <a:effectRef idx="0">
-            <a:schemeClr val="accent1"/>
-          </a:effectRef>
-          <a:fontRef idx="minor">
-            <a:schemeClr val="lt1"/>
-          </a:fontRef>
-        </p:style>
-        <p:txBody>
-          <a:bodyPr rtlCol="0" anchor="ctr"/>
+        <p:txBody>
+          <a:bodyPr wrap="square">
+            <a:spAutoFit/>
+          </a:bodyPr>
           <a:lstStyle/>
           <a:p>
-            <a:pPr algn="ctr"/>
-            <a:r>
-              <a:rPr lang="en-US" dirty="0">
+            <a:r>
+              <a:rPr lang="en-US" sz="1400" b="1" dirty="0">
                 <a:solidFill>
-                  <a:srgbClr val="2929C4"/>
+                  <a:schemeClr val="tx1">
+                    <a:lumMod val="65000"/>
+                    <a:lumOff val="35000"/>
+                  </a:schemeClr>
                 </a:solidFill>
                 <a:latin typeface="Dotum" panose="020B0600000101010101" pitchFamily="34" charset="-127"/>
                 <a:ea typeface="Dotum" panose="020B0600000101010101" pitchFamily="34" charset="-127"/>
+                <a:cs typeface="Al Bayan Plain" pitchFamily="2" charset="-78"/>
               </a:rPr>
-              <a:t>Video alignment</a:t>
-            </a:r>
-          </a:p>
-        </p:txBody>
-      </p:sp>
-      <p:sp>
-        <p:nvSpPr>
-          <p:cNvPr id="25" name="Rounded Rectangle 24">
-            <a:extLst>
-              <a:ext uri="{FF2B5EF4-FFF2-40B4-BE49-F238E27FC236}">
-                <a16:creationId xmlns:a16="http://schemas.microsoft.com/office/drawing/2014/main" id="{495CC4ED-56A3-4741-B7C8-538361383DA8}"/>
-              </a:ext>
-            </a:extLst>
-          </p:cNvPr>
-          <p:cNvSpPr/>
+              <a:t>- Intensity calculation</a:t>
+            </a:r>
+          </a:p>
+          <a:p>
+            <a:r>
+              <a:rPr lang="en-US" sz="1400" b="1" dirty="0">
+                <a:solidFill>
+                  <a:schemeClr val="tx1">
+                    <a:lumMod val="65000"/>
+                    <a:lumOff val="35000"/>
+                  </a:schemeClr>
+                </a:solidFill>
+                <a:latin typeface="Dotum" panose="020B0600000101010101" pitchFamily="34" charset="-127"/>
+                <a:ea typeface="Dotum" panose="020B0600000101010101" pitchFamily="34" charset="-127"/>
+                <a:cs typeface="Al Bayan Plain" pitchFamily="2" charset="-78"/>
+              </a:rPr>
+              <a:t>- Descriptive statistics</a:t>
+            </a:r>
+          </a:p>
+          <a:p>
+            <a:r>
+              <a:rPr lang="en-US" sz="1400" b="1" dirty="0">
+                <a:solidFill>
+                  <a:schemeClr val="tx1">
+                    <a:lumMod val="65000"/>
+                    <a:lumOff val="35000"/>
+                  </a:schemeClr>
+                </a:solidFill>
+                <a:latin typeface="Dotum" panose="020B0600000101010101" pitchFamily="34" charset="-127"/>
+                <a:ea typeface="Dotum" panose="020B0600000101010101" pitchFamily="34" charset="-127"/>
+                <a:cs typeface="Al Bayan Plain" pitchFamily="2" charset="-78"/>
+              </a:rPr>
+              <a:t>- Time series</a:t>
+            </a:r>
+          </a:p>
+        </p:txBody>
+      </p:sp>
+      <p:sp>
+        <p:nvSpPr>
+          <p:cNvPr id="44" name="TextBox 43">
+            <a:extLst>
+              <a:ext uri="{FF2B5EF4-FFF2-40B4-BE49-F238E27FC236}">
+                <a16:creationId xmlns:a16="http://schemas.microsoft.com/office/drawing/2014/main" id="{3862F9DF-320B-5E42-9D6E-6A01F04049D4}"/>
+              </a:ext>
+            </a:extLst>
+          </p:cNvPr>
+          <p:cNvSpPr txBox="1"/>
           <p:nvPr/>
         </p:nvSpPr>
         <p:spPr>
           <a:xfrm>
-            <a:off x="883161" y="3608627"/>
-            <a:ext cx="3158376" cy="432487"/>
+            <a:off x="4924297" y="5373047"/>
+            <a:ext cx="2607364" cy="374571"/>
           </a:xfrm>
           <a:prstGeom prst="roundRect">
-            <a:avLst/>
+            <a:avLst>
+              <a:gd name="adj" fmla="val 13714"/>
+            </a:avLst>
           </a:prstGeom>
           <a:solidFill>
             <a:schemeClr val="bg1"/>
           </a:solidFill>
+          <a:ln>
+            <a:solidFill>
+              <a:schemeClr val="tx1">
+                <a:lumMod val="85000"/>
+                <a:lumOff val="15000"/>
+              </a:schemeClr>
+            </a:solidFill>
+          </a:ln>
           <a:effectLst>
-            <a:outerShdw blurRad="63500" sx="102000" sy="102000" algn="ctr" rotWithShape="0">
+            <a:outerShdw blurRad="50800" dist="38100" dir="10800000" algn="r" rotWithShape="0">
               <a:prstClr val="black">
                 <a:alpha val="40000"/>
               </a:prstClr>
             </a:outerShdw>
           </a:effectLst>
         </p:spPr>
-        <p:style>
-          <a:lnRef idx="2">
-            <a:schemeClr val="accent1">
-              <a:shade val="50000"/>
-            </a:schemeClr>
-          </a:lnRef>
-          <a:fillRef idx="1">
-            <a:schemeClr val="accent1"/>
-          </a:fillRef>
-          <a:effectRef idx="0">
-            <a:schemeClr val="accent1"/>
-          </a:effectRef>
-          <a:fontRef idx="minor">
-            <a:schemeClr val="lt1"/>
-          </a:fontRef>
-        </p:style>
-        <p:txBody>
-          <a:bodyPr rtlCol="0" anchor="ctr"/>
+        <p:txBody>
+          <a:bodyPr wrap="square">
+            <a:spAutoFit/>
+          </a:bodyPr>
           <a:lstStyle/>
           <a:p>
             <a:pPr algn="ctr"/>
             <a:r>
-              <a:rPr lang="en-US" dirty="0">
+              <a:rPr lang="en-US" sz="1600" b="1" dirty="0">
                 <a:solidFill>
-                  <a:srgbClr val="2929C4"/>
+                  <a:schemeClr val="tx1">
+                    <a:lumMod val="75000"/>
+                    <a:lumOff val="25000"/>
+                  </a:schemeClr>
                 </a:solidFill>
                 <a:latin typeface="Dotum" panose="020B0600000101010101" pitchFamily="34" charset="-127"/>
                 <a:ea typeface="Dotum" panose="020B0600000101010101" pitchFamily="34" charset="-127"/>
+                <a:cs typeface="Al Bayan Plain" pitchFamily="2" charset="-78"/>
               </a:rPr>
-              <a:t>Spot Detection &amp; Tracking</a:t>
-            </a:r>
-          </a:p>
-        </p:txBody>
-      </p:sp>
-      <p:sp>
-        <p:nvSpPr>
-          <p:cNvPr id="26" name="Rounded Rectangle 25">
-            <a:extLst>
-              <a:ext uri="{FF2B5EF4-FFF2-40B4-BE49-F238E27FC236}">
-                <a16:creationId xmlns:a16="http://schemas.microsoft.com/office/drawing/2014/main" id="{5FF0626E-F2F4-7F4C-9E32-B399898F2F15}"/>
-              </a:ext>
-            </a:extLst>
-          </p:cNvPr>
-          <p:cNvSpPr/>
+              <a:t>Data Analysis</a:t>
+            </a:r>
+          </a:p>
+        </p:txBody>
+      </p:sp>
+      <p:sp>
+        <p:nvSpPr>
+          <p:cNvPr id="46" name="TextBox 45">
+            <a:extLst>
+              <a:ext uri="{FF2B5EF4-FFF2-40B4-BE49-F238E27FC236}">
+                <a16:creationId xmlns:a16="http://schemas.microsoft.com/office/drawing/2014/main" id="{2C89C8DF-6CC8-214D-AC98-581EFC67A060}"/>
+              </a:ext>
+            </a:extLst>
+          </p:cNvPr>
+          <p:cNvSpPr txBox="1"/>
           <p:nvPr/>
         </p:nvSpPr>
         <p:spPr>
           <a:xfrm>
-            <a:off x="883161" y="4238972"/>
-            <a:ext cx="3158376" cy="432487"/>
-          </a:xfrm>
-          <a:prstGeom prst="roundRect">
+            <a:off x="1777794" y="5719152"/>
+            <a:ext cx="2607364" cy="738664"/>
+          </a:xfrm>
+          <a:prstGeom prst="rect">
             <a:avLst/>
           </a:prstGeom>
           <a:solidFill>
-            <a:schemeClr val="bg1"/>
+            <a:schemeClr val="bg1">
+              <a:lumMod val="95000"/>
+            </a:schemeClr>
           </a:solidFill>
           <a:effectLst>
-            <a:outerShdw blurRad="63500" sx="102000" sy="102000" algn="ctr" rotWithShape="0">
+            <a:outerShdw blurRad="50800" dist="38100" dir="10800000" algn="r" rotWithShape="0">
               <a:prstClr val="black">
                 <a:alpha val="40000"/>
               </a:prstClr>
             </a:outerShdw>
           </a:effectLst>
         </p:spPr>
-        <p:style>
-          <a:lnRef idx="2">
-            <a:schemeClr val="accent1">
-              <a:shade val="50000"/>
-            </a:schemeClr>
-          </a:lnRef>
-          <a:fillRef idx="1">
-            <a:schemeClr val="accent1"/>
-          </a:fillRef>
-          <a:effectRef idx="0">
-            <a:schemeClr val="accent1"/>
-          </a:effectRef>
-          <a:fontRef idx="minor">
-            <a:schemeClr val="lt1"/>
-          </a:fontRef>
-        </p:style>
-        <p:txBody>
-          <a:bodyPr rtlCol="0" anchor="ctr"/>
+        <p:txBody>
+          <a:bodyPr wrap="square">
+            <a:spAutoFit/>
+          </a:bodyPr>
           <a:lstStyle/>
           <a:p>
-            <a:pPr algn="ctr"/>
-            <a:r>
-              <a:rPr lang="en-US" dirty="0">
+            <a:r>
+              <a:rPr lang="en-US" sz="1400" b="1" dirty="0">
                 <a:solidFill>
-                  <a:srgbClr val="2929C4"/>
+                  <a:schemeClr val="tx1">
+                    <a:lumMod val="65000"/>
+                    <a:lumOff val="35000"/>
+                  </a:schemeClr>
                 </a:solidFill>
                 <a:latin typeface="Dotum" panose="020B0600000101010101" pitchFamily="34" charset="-127"/>
                 <a:ea typeface="Dotum" panose="020B0600000101010101" pitchFamily="34" charset="-127"/>
+                <a:cs typeface="Al Bayan Plain" pitchFamily="2" charset="-78"/>
               </a:rPr>
-              <a:t>Cell Segmentation</a:t>
-            </a:r>
-          </a:p>
-        </p:txBody>
-      </p:sp>
-      <p:sp>
-        <p:nvSpPr>
-          <p:cNvPr id="27" name="Rounded Rectangle 26">
-            <a:extLst>
-              <a:ext uri="{FF2B5EF4-FFF2-40B4-BE49-F238E27FC236}">
-                <a16:creationId xmlns:a16="http://schemas.microsoft.com/office/drawing/2014/main" id="{C4D2F431-A430-9E43-9233-AA450FFA3E2F}"/>
-              </a:ext>
-            </a:extLst>
-          </p:cNvPr>
-          <p:cNvSpPr/>
+              <a:t>- Sorting by feature</a:t>
+            </a:r>
+          </a:p>
+          <a:p>
+            <a:r>
+              <a:rPr lang="en-US" sz="1400" b="1" dirty="0">
+                <a:solidFill>
+                  <a:schemeClr val="tx1">
+                    <a:lumMod val="65000"/>
+                    <a:lumOff val="35000"/>
+                  </a:schemeClr>
+                </a:solidFill>
+                <a:latin typeface="Dotum" panose="020B0600000101010101" pitchFamily="34" charset="-127"/>
+                <a:ea typeface="Dotum" panose="020B0600000101010101" pitchFamily="34" charset="-127"/>
+                <a:cs typeface="Al Bayan Plain" pitchFamily="2" charset="-78"/>
+              </a:rPr>
+              <a:t>- Grouping by layer</a:t>
+            </a:r>
+          </a:p>
+          <a:p>
+            <a:pPr marL="285750" indent="-285750">
+              <a:buFontTx/>
+              <a:buChar char="-"/>
+            </a:pPr>
+            <a:endParaRPr lang="en-US" sz="1400" b="1" dirty="0">
+              <a:solidFill>
+                <a:schemeClr val="tx1">
+                  <a:lumMod val="65000"/>
+                  <a:lumOff val="35000"/>
+                </a:schemeClr>
+              </a:solidFill>
+              <a:latin typeface="Dotum" panose="020B0600000101010101" pitchFamily="34" charset="-127"/>
+              <a:ea typeface="Dotum" panose="020B0600000101010101" pitchFamily="34" charset="-127"/>
+              <a:cs typeface="Al Bayan Plain" pitchFamily="2" charset="-78"/>
+            </a:endParaRPr>
+          </a:p>
+        </p:txBody>
+      </p:sp>
+      <p:sp>
+        <p:nvSpPr>
+          <p:cNvPr id="47" name="TextBox 46">
+            <a:extLst>
+              <a:ext uri="{FF2B5EF4-FFF2-40B4-BE49-F238E27FC236}">
+                <a16:creationId xmlns:a16="http://schemas.microsoft.com/office/drawing/2014/main" id="{BBDEA8C8-D6DC-F14F-AEFA-59E755EF44A4}"/>
+              </a:ext>
+            </a:extLst>
+          </p:cNvPr>
+          <p:cNvSpPr txBox="1"/>
           <p:nvPr/>
         </p:nvSpPr>
         <p:spPr>
           <a:xfrm>
-            <a:off x="4851475" y="3026262"/>
-            <a:ext cx="3158376" cy="432487"/>
+            <a:off x="1777794" y="5358376"/>
+            <a:ext cx="2607364" cy="374571"/>
           </a:xfrm>
           <a:prstGeom prst="roundRect">
-            <a:avLst/>
+            <a:avLst>
+              <a:gd name="adj" fmla="val 13714"/>
+            </a:avLst>
           </a:prstGeom>
           <a:solidFill>
             <a:schemeClr val="bg1"/>
           </a:solidFill>
+          <a:ln>
+            <a:solidFill>
+              <a:schemeClr val="tx1">
+                <a:lumMod val="85000"/>
+                <a:lumOff val="15000"/>
+              </a:schemeClr>
+            </a:solidFill>
+          </a:ln>
           <a:effectLst>
-            <a:outerShdw blurRad="63500" sx="102000" sy="102000" algn="ctr" rotWithShape="0">
+            <a:outerShdw blurRad="50800" dist="38100" dir="10800000" algn="r" rotWithShape="0">
               <a:prstClr val="black">
                 <a:alpha val="40000"/>
               </a:prstClr>
             </a:outerShdw>
           </a:effectLst>
         </p:spPr>
-        <p:style>
-          <a:lnRef idx="2">
-            <a:schemeClr val="accent1">
-              <a:shade val="50000"/>
-            </a:schemeClr>
-          </a:lnRef>
-          <a:fillRef idx="1">
-            <a:schemeClr val="accent1"/>
-          </a:fillRef>
-          <a:effectRef idx="0">
-            <a:schemeClr val="accent1"/>
-          </a:effectRef>
-          <a:fontRef idx="minor">
-            <a:schemeClr val="lt1"/>
-          </a:fontRef>
-        </p:style>
-        <p:txBody>
-          <a:bodyPr rtlCol="0" anchor="ctr"/>
+        <p:txBody>
+          <a:bodyPr wrap="square">
+            <a:spAutoFit/>
+          </a:bodyPr>
           <a:lstStyle/>
           <a:p>
             <a:pPr algn="ctr"/>
             <a:r>
-              <a:rPr lang="en-US" dirty="0">
+              <a:rPr lang="en-US" sz="1600" b="1" dirty="0">
                 <a:solidFill>
-                  <a:srgbClr val="2929C4"/>
+                  <a:schemeClr val="tx1">
+                    <a:lumMod val="75000"/>
+                    <a:lumOff val="25000"/>
+                  </a:schemeClr>
                 </a:solidFill>
                 <a:latin typeface="Dotum" panose="020B0600000101010101" pitchFamily="34" charset="-127"/>
                 <a:ea typeface="Dotum" panose="020B0600000101010101" pitchFamily="34" charset="-127"/>
+                <a:cs typeface="Al Bayan Plain" pitchFamily="2" charset="-78"/>
               </a:rPr>
-              <a:t>X-array representation</a:t>
-            </a:r>
-          </a:p>
-        </p:txBody>
-      </p:sp>
-      <p:pic>
-        <p:nvPicPr>
-          <p:cNvPr id="29" name="Graphic 28" descr="Illustrator with solid fill">
-            <a:extLst>
-              <a:ext uri="{FF2B5EF4-FFF2-40B4-BE49-F238E27FC236}">
-                <a16:creationId xmlns:a16="http://schemas.microsoft.com/office/drawing/2014/main" id="{C74DC83B-BED1-5840-8C24-5E652AE5702A}"/>
-              </a:ext>
-            </a:extLst>
-          </p:cNvPr>
-          <p:cNvPicPr>
-            <a:picLocks noChangeAspect="1"/>
-          </p:cNvPicPr>
-          <p:nvPr/>
-        </p:nvPicPr>
-        <p:blipFill>
-          <a:blip r:embed="rId2">
-            <a:extLst>
-              <a:ext uri="{96DAC541-7B7A-43D3-8B79-37D633B846F1}">
-                <asvg:svgBlip xmlns:asvg="http://schemas.microsoft.com/office/drawing/2016/SVG/main" r:embed="rId3"/>
-              </a:ext>
-            </a:extLst>
-          </a:blip>
-          <a:stretch>
-            <a:fillRect/>
-          </a:stretch>
-        </p:blipFill>
-        <p:spPr>
-          <a:xfrm>
-            <a:off x="61785" y="161698"/>
-            <a:ext cx="457200" cy="457200"/>
-          </a:xfrm>
-          <a:prstGeom prst="rect">
-            <a:avLst/>
-          </a:prstGeom>
-        </p:spPr>
-      </p:pic>
-      <p:sp>
-        <p:nvSpPr>
-          <p:cNvPr id="30" name="Rounded Rectangle 29">
-            <a:extLst>
-              <a:ext uri="{FF2B5EF4-FFF2-40B4-BE49-F238E27FC236}">
-                <a16:creationId xmlns:a16="http://schemas.microsoft.com/office/drawing/2014/main" id="{00213D9D-2CC8-2144-B8BB-19C050866236}"/>
-              </a:ext>
-            </a:extLst>
-          </p:cNvPr>
-          <p:cNvSpPr/>
-          <p:nvPr/>
-        </p:nvSpPr>
-        <p:spPr>
-          <a:xfrm>
-            <a:off x="4840374" y="3641066"/>
-            <a:ext cx="3158376" cy="432487"/>
-          </a:xfrm>
-          <a:prstGeom prst="roundRect">
-            <a:avLst/>
-          </a:prstGeom>
-          <a:solidFill>
-            <a:schemeClr val="bg1"/>
-          </a:solidFill>
-          <a:effectLst>
-            <a:outerShdw blurRad="63500" sx="102000" sy="102000" algn="ctr" rotWithShape="0">
-              <a:prstClr val="black">
-                <a:alpha val="40000"/>
-              </a:prstClr>
-            </a:outerShdw>
-          </a:effectLst>
-        </p:spPr>
-        <p:style>
-          <a:lnRef idx="2">
-            <a:schemeClr val="accent1">
-              <a:shade val="50000"/>
-            </a:schemeClr>
-          </a:lnRef>
-          <a:fillRef idx="1">
-            <a:schemeClr val="accent1"/>
-          </a:fillRef>
-          <a:effectRef idx="0">
-            <a:schemeClr val="accent1"/>
-          </a:effectRef>
-          <a:fontRef idx="minor">
-            <a:schemeClr val="lt1"/>
-          </a:fontRef>
-        </p:style>
-        <p:txBody>
-          <a:bodyPr rtlCol="0" anchor="ctr"/>
-          <a:lstStyle/>
-          <a:p>
-            <a:pPr algn="ctr"/>
-            <a:r>
-              <a:rPr lang="en-US" dirty="0">
-                <a:solidFill>
-                  <a:srgbClr val="2929C4"/>
-                </a:solidFill>
-                <a:latin typeface="Dotum" panose="020B0600000101010101" pitchFamily="34" charset="-127"/>
-                <a:ea typeface="Dotum" panose="020B0600000101010101" pitchFamily="34" charset="-127"/>
-              </a:rPr>
-              <a:t>Metadata (units, attributes)</a:t>
-            </a:r>
-          </a:p>
-        </p:txBody>
-      </p:sp>
-      <p:sp>
-        <p:nvSpPr>
-          <p:cNvPr id="31" name="Rounded Rectangle 30">
-            <a:extLst>
-              <a:ext uri="{FF2B5EF4-FFF2-40B4-BE49-F238E27FC236}">
-                <a16:creationId xmlns:a16="http://schemas.microsoft.com/office/drawing/2014/main" id="{DEC5D8EC-7C63-0843-9BD2-8F9AB00B4E7E}"/>
-              </a:ext>
-            </a:extLst>
-          </p:cNvPr>
-          <p:cNvSpPr/>
-          <p:nvPr/>
-        </p:nvSpPr>
-        <p:spPr>
-          <a:xfrm>
-            <a:off x="4840374" y="4238971"/>
-            <a:ext cx="3158376" cy="432487"/>
-          </a:xfrm>
-          <a:prstGeom prst="roundRect">
-            <a:avLst/>
-          </a:prstGeom>
-          <a:solidFill>
-            <a:schemeClr val="bg1"/>
-          </a:solidFill>
-          <a:effectLst>
-            <a:outerShdw blurRad="63500" sx="102000" sy="102000" algn="ctr" rotWithShape="0">
-              <a:prstClr val="black">
-                <a:alpha val="40000"/>
-              </a:prstClr>
-            </a:outerShdw>
-          </a:effectLst>
-        </p:spPr>
-        <p:style>
-          <a:lnRef idx="2">
-            <a:schemeClr val="accent1">
-              <a:shade val="50000"/>
-            </a:schemeClr>
-          </a:lnRef>
-          <a:fillRef idx="1">
-            <a:schemeClr val="accent1"/>
-          </a:fillRef>
-          <a:effectRef idx="0">
-            <a:schemeClr val="accent1"/>
-          </a:effectRef>
-          <a:fontRef idx="minor">
-            <a:schemeClr val="lt1"/>
-          </a:fontRef>
-        </p:style>
-        <p:txBody>
-          <a:bodyPr rtlCol="0" anchor="ctr"/>
-          <a:lstStyle/>
-          <a:p>
-            <a:pPr algn="ctr"/>
-            <a:r>
-              <a:rPr lang="en-US" dirty="0">
-                <a:solidFill>
-                  <a:srgbClr val="2929C4"/>
-                </a:solidFill>
-                <a:latin typeface="Dotum" panose="020B0600000101010101" pitchFamily="34" charset="-127"/>
-                <a:ea typeface="Dotum" panose="020B0600000101010101" pitchFamily="34" charset="-127"/>
-              </a:rPr>
-              <a:t>Data sorting and grouping</a:t>
-            </a:r>
-          </a:p>
-        </p:txBody>
-      </p:sp>
-      <p:sp>
-        <p:nvSpPr>
-          <p:cNvPr id="32" name="Rounded Rectangle 31">
-            <a:extLst>
-              <a:ext uri="{FF2B5EF4-FFF2-40B4-BE49-F238E27FC236}">
-                <a16:creationId xmlns:a16="http://schemas.microsoft.com/office/drawing/2014/main" id="{9AF9F0E8-3E2D-AA4C-87BA-0BA9C80EFA40}"/>
-              </a:ext>
-            </a:extLst>
-          </p:cNvPr>
-          <p:cNvSpPr/>
-          <p:nvPr/>
-        </p:nvSpPr>
-        <p:spPr>
-          <a:xfrm>
-            <a:off x="8688549" y="3029033"/>
-            <a:ext cx="3158376" cy="432487"/>
-          </a:xfrm>
-          <a:prstGeom prst="roundRect">
-            <a:avLst/>
-          </a:prstGeom>
-          <a:solidFill>
-            <a:schemeClr val="bg1"/>
-          </a:solidFill>
-          <a:effectLst>
-            <a:outerShdw blurRad="63500" sx="102000" sy="102000" algn="ctr" rotWithShape="0">
-              <a:prstClr val="black">
-                <a:alpha val="40000"/>
-              </a:prstClr>
-            </a:outerShdw>
-          </a:effectLst>
-        </p:spPr>
-        <p:style>
-          <a:lnRef idx="2">
-            <a:schemeClr val="accent1">
-              <a:shade val="50000"/>
-            </a:schemeClr>
-          </a:lnRef>
-          <a:fillRef idx="1">
-            <a:schemeClr val="accent1"/>
-          </a:fillRef>
-          <a:effectRef idx="0">
-            <a:schemeClr val="accent1"/>
-          </a:effectRef>
-          <a:fontRef idx="minor">
-            <a:schemeClr val="lt1"/>
-          </a:fontRef>
-        </p:style>
-        <p:txBody>
-          <a:bodyPr rtlCol="0" anchor="ctr"/>
-          <a:lstStyle/>
-          <a:p>
-            <a:pPr algn="ctr"/>
-            <a:r>
-              <a:rPr lang="en-US" dirty="0" err="1">
-                <a:solidFill>
-                  <a:srgbClr val="2929C4"/>
-                </a:solidFill>
-                <a:latin typeface="Dotum" panose="020B0600000101010101" pitchFamily="34" charset="-127"/>
-                <a:ea typeface="Dotum" panose="020B0600000101010101" pitchFamily="34" charset="-127"/>
-              </a:rPr>
-              <a:t>Napari</a:t>
-            </a:r>
-            <a:r>
-              <a:rPr lang="en-US" dirty="0">
-                <a:solidFill>
-                  <a:srgbClr val="2929C4"/>
-                </a:solidFill>
-                <a:latin typeface="Dotum" panose="020B0600000101010101" pitchFamily="34" charset="-127"/>
-                <a:ea typeface="Dotum" panose="020B0600000101010101" pitchFamily="34" charset="-127"/>
-              </a:rPr>
-              <a:t> visualizations</a:t>
-            </a:r>
-          </a:p>
-        </p:txBody>
-      </p:sp>
-      <p:sp>
-        <p:nvSpPr>
-          <p:cNvPr id="33" name="Rounded Rectangle 32">
-            <a:extLst>
-              <a:ext uri="{FF2B5EF4-FFF2-40B4-BE49-F238E27FC236}">
-                <a16:creationId xmlns:a16="http://schemas.microsoft.com/office/drawing/2014/main" id="{A6113B97-DDDD-9542-A53A-CE4ADDB44942}"/>
-              </a:ext>
-            </a:extLst>
-          </p:cNvPr>
-          <p:cNvSpPr/>
-          <p:nvPr/>
-        </p:nvSpPr>
-        <p:spPr>
-          <a:xfrm>
-            <a:off x="8688549" y="3644807"/>
-            <a:ext cx="3158376" cy="432487"/>
-          </a:xfrm>
-          <a:prstGeom prst="roundRect">
-            <a:avLst/>
-          </a:prstGeom>
-          <a:solidFill>
-            <a:schemeClr val="bg1"/>
-          </a:solidFill>
-          <a:effectLst>
-            <a:outerShdw blurRad="63500" sx="102000" sy="102000" algn="ctr" rotWithShape="0">
-              <a:prstClr val="black">
-                <a:alpha val="40000"/>
-              </a:prstClr>
-            </a:outerShdw>
-          </a:effectLst>
-        </p:spPr>
-        <p:style>
-          <a:lnRef idx="2">
-            <a:schemeClr val="accent1">
-              <a:shade val="50000"/>
-            </a:schemeClr>
-          </a:lnRef>
-          <a:fillRef idx="1">
-            <a:schemeClr val="accent1"/>
-          </a:fillRef>
-          <a:effectRef idx="0">
-            <a:schemeClr val="accent1"/>
-          </a:effectRef>
-          <a:fontRef idx="minor">
-            <a:schemeClr val="lt1"/>
-          </a:fontRef>
-        </p:style>
-        <p:txBody>
-          <a:bodyPr rtlCol="0" anchor="ctr"/>
-          <a:lstStyle/>
-          <a:p>
-            <a:pPr algn="ctr"/>
-            <a:r>
-              <a:rPr lang="en-US" dirty="0">
-                <a:solidFill>
-                  <a:srgbClr val="2929C4"/>
-                </a:solidFill>
-                <a:latin typeface="Dotum" panose="020B0600000101010101" pitchFamily="34" charset="-127"/>
-                <a:ea typeface="Dotum" panose="020B0600000101010101" pitchFamily="34" charset="-127"/>
-              </a:rPr>
-              <a:t>Descriptive Statistics</a:t>
-            </a:r>
-          </a:p>
-        </p:txBody>
-      </p:sp>
-      <p:sp>
-        <p:nvSpPr>
-          <p:cNvPr id="34" name="Rounded Rectangle 33">
-            <a:extLst>
-              <a:ext uri="{FF2B5EF4-FFF2-40B4-BE49-F238E27FC236}">
-                <a16:creationId xmlns:a16="http://schemas.microsoft.com/office/drawing/2014/main" id="{83A6391E-DDEE-8742-BB0F-8ED482690DD3}"/>
-              </a:ext>
-            </a:extLst>
-          </p:cNvPr>
-          <p:cNvSpPr/>
-          <p:nvPr/>
-        </p:nvSpPr>
-        <p:spPr>
-          <a:xfrm>
-            <a:off x="8709819" y="4238971"/>
-            <a:ext cx="3158376" cy="432487"/>
-          </a:xfrm>
-          <a:prstGeom prst="roundRect">
-            <a:avLst/>
-          </a:prstGeom>
-          <a:solidFill>
-            <a:schemeClr val="bg1"/>
-          </a:solidFill>
-          <a:effectLst>
-            <a:outerShdw blurRad="63500" sx="102000" sy="102000" algn="ctr" rotWithShape="0">
-              <a:prstClr val="black">
-                <a:alpha val="40000"/>
-              </a:prstClr>
-            </a:outerShdw>
-          </a:effectLst>
-        </p:spPr>
-        <p:style>
-          <a:lnRef idx="2">
-            <a:schemeClr val="accent1">
-              <a:shade val="50000"/>
-            </a:schemeClr>
-          </a:lnRef>
-          <a:fillRef idx="1">
-            <a:schemeClr val="accent1"/>
-          </a:fillRef>
-          <a:effectRef idx="0">
-            <a:schemeClr val="accent1"/>
-          </a:effectRef>
-          <a:fontRef idx="minor">
-            <a:schemeClr val="lt1"/>
-          </a:fontRef>
-        </p:style>
-        <p:txBody>
-          <a:bodyPr rtlCol="0" anchor="ctr"/>
-          <a:lstStyle/>
-          <a:p>
-            <a:pPr algn="ctr"/>
-            <a:r>
-              <a:rPr lang="en-US" dirty="0">
-                <a:solidFill>
-                  <a:srgbClr val="2929C4"/>
-                </a:solidFill>
-                <a:latin typeface="Dotum" panose="020B0600000101010101" pitchFamily="34" charset="-127"/>
-                <a:ea typeface="Dotum" panose="020B0600000101010101" pitchFamily="34" charset="-127"/>
-              </a:rPr>
-              <a:t>Simulated Cell</a:t>
+              <a:t>Data Management</a:t>
             </a:r>
           </a:p>
         </p:txBody>
       </p:sp>
       <p:cxnSp>
         <p:nvCxnSpPr>
-          <p:cNvPr id="36" name="Curved Connector 35">
-            <a:extLst>
-              <a:ext uri="{FF2B5EF4-FFF2-40B4-BE49-F238E27FC236}">
-                <a16:creationId xmlns:a16="http://schemas.microsoft.com/office/drawing/2014/main" id="{FF8367BE-DF88-6249-ACB6-56C52EFE6E31}"/>
+          <p:cNvPr id="6" name="Straight Arrow Connector 5">
+            <a:extLst>
+              <a:ext uri="{FF2B5EF4-FFF2-40B4-BE49-F238E27FC236}">
+                <a16:creationId xmlns:a16="http://schemas.microsoft.com/office/drawing/2014/main" id="{E7A71B32-F9F2-B94C-9AAD-0579938FA551}"/>
               </a:ext>
             </a:extLst>
           </p:cNvPr>
           <p:cNvCxnSpPr>
-            <a:cxnSpLocks/>
-            <a:stCxn id="17" idx="0"/>
-            <a:endCxn id="19" idx="0"/>
+            <a:stCxn id="28" idx="2"/>
+            <a:endCxn id="35" idx="0"/>
           </p:cNvCxnSpPr>
           <p:nvPr/>
         </p:nvCxnSpPr>
         <p:spPr>
-          <a:xfrm rot="5400000" flipH="1" flipV="1">
-            <a:off x="4475999" y="462108"/>
-            <a:ext cx="12700" cy="3909330"/>
-          </a:xfrm>
-          <a:prstGeom prst="curvedConnector3">
-            <a:avLst>
-              <a:gd name="adj1" fmla="val 1800000"/>
-            </a:avLst>
+          <a:xfrm>
+            <a:off x="6227979" y="1256845"/>
+            <a:ext cx="0" cy="290244"/>
+          </a:xfrm>
+          <a:prstGeom prst="straightConnector1">
+            <a:avLst/>
           </a:prstGeom>
-          <a:ln w="38100">
+          <a:ln w="28575">
             <a:solidFill>
               <a:srgbClr val="FD2D6D"/>
             </a:solidFill>
-            <a:headEnd type="oval" w="med" len="med"/>
-            <a:tailEnd type="oval" w="med" len="med"/>
+            <a:headEnd type="none" w="med" len="med"/>
+            <a:tailEnd type="arrow" w="med" len="med"/>
           </a:ln>
-          <a:effectLst>
-            <a:outerShdw blurRad="63500" sx="102000" sy="102000" algn="ctr" rotWithShape="0">
-              <a:prstClr val="black">
-                <a:alpha val="40000"/>
-              </a:prstClr>
-            </a:outerShdw>
-          </a:effectLst>
         </p:spPr>
         <p:style>
           <a:lnRef idx="1">
@@ -5492,44 +5657,35 @@
       </p:cxnSp>
       <p:cxnSp>
         <p:nvCxnSpPr>
-          <p:cNvPr id="42" name="Curved Connector 41">
-            <a:extLst>
-              <a:ext uri="{FF2B5EF4-FFF2-40B4-BE49-F238E27FC236}">
-                <a16:creationId xmlns:a16="http://schemas.microsoft.com/office/drawing/2014/main" id="{ACD22F88-292A-0647-A1DB-D3E86E74E3E8}"/>
+          <p:cNvPr id="52" name="Straight Arrow Connector 51">
+            <a:extLst>
+              <a:ext uri="{FF2B5EF4-FFF2-40B4-BE49-F238E27FC236}">
+                <a16:creationId xmlns:a16="http://schemas.microsoft.com/office/drawing/2014/main" id="{7262D274-85D4-3642-9D87-2F4E14389954}"/>
               </a:ext>
             </a:extLst>
           </p:cNvPr>
           <p:cNvCxnSpPr>
             <a:cxnSpLocks/>
-            <a:stCxn id="19" idx="2"/>
-            <a:endCxn id="21" idx="2"/>
+            <a:stCxn id="37" idx="2"/>
+            <a:endCxn id="39" idx="0"/>
           </p:cNvCxnSpPr>
           <p:nvPr/>
         </p:nvCxnSpPr>
         <p:spPr>
-          <a:xfrm rot="16200000" flipH="1">
-            <a:off x="8347694" y="2978293"/>
-            <a:ext cx="4461" cy="3838521"/>
-          </a:xfrm>
-          <a:prstGeom prst="curvedConnector3">
-            <a:avLst>
-              <a:gd name="adj1" fmla="val 5224412"/>
-            </a:avLst>
+          <a:xfrm>
+            <a:off x="6227979" y="3292860"/>
+            <a:ext cx="0" cy="278403"/>
+          </a:xfrm>
+          <a:prstGeom prst="straightConnector1">
+            <a:avLst/>
           </a:prstGeom>
-          <a:ln w="38100">
+          <a:ln w="28575">
             <a:solidFill>
               <a:srgbClr val="FD2D6D"/>
             </a:solidFill>
-            <a:headEnd type="oval" w="med" len="med"/>
-            <a:tailEnd type="oval" w="med" len="med"/>
+            <a:headEnd type="none" w="med" len="med"/>
+            <a:tailEnd type="arrow" w="med" len="med"/>
           </a:ln>
-          <a:effectLst>
-            <a:outerShdw blurRad="63500" sx="102000" sy="102000" algn="ctr" rotWithShape="0">
-              <a:prstClr val="black">
-                <a:alpha val="40000"/>
-              </a:prstClr>
-            </a:outerShdw>
-          </a:effectLst>
         </p:spPr>
         <p:style>
           <a:lnRef idx="1">
@@ -5546,46 +5702,150 @@
           </a:fontRef>
         </p:style>
       </p:cxnSp>
-      <p:pic>
-        <p:nvPicPr>
-          <p:cNvPr id="3" name="Graphic 2" descr="Checklist with solid fill">
-            <a:extLst>
-              <a:ext uri="{FF2B5EF4-FFF2-40B4-BE49-F238E27FC236}">
-                <a16:creationId xmlns:a16="http://schemas.microsoft.com/office/drawing/2014/main" id="{9F50BC0E-B823-F040-9132-191F58BD5D7A}"/>
-              </a:ext>
-            </a:extLst>
-          </p:cNvPr>
-          <p:cNvPicPr>
-            <a:picLocks noChangeAspect="1"/>
-          </p:cNvPicPr>
+      <p:cxnSp>
+        <p:nvCxnSpPr>
+          <p:cNvPr id="53" name="Straight Arrow Connector 52">
+            <a:extLst>
+              <a:ext uri="{FF2B5EF4-FFF2-40B4-BE49-F238E27FC236}">
+                <a16:creationId xmlns:a16="http://schemas.microsoft.com/office/drawing/2014/main" id="{2044C0AE-5404-3E4F-BD10-49FA071E0D2A}"/>
+              </a:ext>
+            </a:extLst>
+          </p:cNvPr>
+          <p:cNvCxnSpPr>
+            <a:cxnSpLocks/>
+            <a:stCxn id="38" idx="2"/>
+            <a:endCxn id="44" idx="0"/>
+          </p:cNvCxnSpPr>
           <p:nvPr/>
-        </p:nvPicPr>
-        <p:blipFill>
-          <a:blip r:embed="rId4">
-            <a:extLst>
-              <a:ext uri="{96DAC541-7B7A-43D3-8B79-37D633B846F1}">
-                <asvg:svgBlip xmlns:asvg="http://schemas.microsoft.com/office/drawing/2016/SVG/main" r:embed="rId5"/>
-              </a:ext>
-            </a:extLst>
-          </a:blip>
-          <a:stretch>
-            <a:fillRect/>
-          </a:stretch>
-        </p:blipFill>
-        <p:spPr>
-          <a:xfrm>
-            <a:off x="-5738" y="1193979"/>
-            <a:ext cx="592246" cy="592246"/>
-          </a:xfrm>
-          <a:prstGeom prst="rect">
+        </p:nvCxnSpPr>
+        <p:spPr>
+          <a:xfrm>
+            <a:off x="6227979" y="5101590"/>
+            <a:ext cx="0" cy="271457"/>
+          </a:xfrm>
+          <a:prstGeom prst="straightConnector1">
             <a:avLst/>
           </a:prstGeom>
-        </p:spPr>
-      </p:pic>
+          <a:ln w="28575">
+            <a:solidFill>
+              <a:srgbClr val="FD2D6D"/>
+            </a:solidFill>
+            <a:headEnd type="none" w="med" len="med"/>
+            <a:tailEnd type="arrow" w="med" len="med"/>
+          </a:ln>
+        </p:spPr>
+        <p:style>
+          <a:lnRef idx="1">
+            <a:schemeClr val="accent1"/>
+          </a:lnRef>
+          <a:fillRef idx="0">
+            <a:schemeClr val="accent1"/>
+          </a:fillRef>
+          <a:effectRef idx="0">
+            <a:schemeClr val="accent1"/>
+          </a:effectRef>
+          <a:fontRef idx="minor">
+            <a:schemeClr val="tx1"/>
+          </a:fontRef>
+        </p:style>
+      </p:cxnSp>
+      <p:cxnSp>
+        <p:nvCxnSpPr>
+          <p:cNvPr id="12" name="Elbow Connector 11">
+            <a:extLst>
+              <a:ext uri="{FF2B5EF4-FFF2-40B4-BE49-F238E27FC236}">
+                <a16:creationId xmlns:a16="http://schemas.microsoft.com/office/drawing/2014/main" id="{B3153BE5-BCCF-5D40-A3C6-6A7B5874E375}"/>
+              </a:ext>
+            </a:extLst>
+          </p:cNvPr>
+          <p:cNvCxnSpPr>
+            <a:stCxn id="38" idx="1"/>
+            <a:endCxn id="47" idx="0"/>
+          </p:cNvCxnSpPr>
+          <p:nvPr/>
+        </p:nvCxnSpPr>
+        <p:spPr>
+          <a:xfrm rot="10800000" flipV="1">
+            <a:off x="3081477" y="4516814"/>
+            <a:ext cx="1842821" cy="841561"/>
+          </a:xfrm>
+          <a:prstGeom prst="bentConnector2">
+            <a:avLst/>
+          </a:prstGeom>
+          <a:ln w="28575">
+            <a:solidFill>
+              <a:srgbClr val="FD2D6D"/>
+            </a:solidFill>
+            <a:headEnd type="none" w="med" len="med"/>
+            <a:tailEnd type="arrow" w="med" len="med"/>
+          </a:ln>
+        </p:spPr>
+        <p:style>
+          <a:lnRef idx="1">
+            <a:schemeClr val="accent1"/>
+          </a:lnRef>
+          <a:fillRef idx="0">
+            <a:schemeClr val="accent1"/>
+          </a:fillRef>
+          <a:effectRef idx="0">
+            <a:schemeClr val="accent1"/>
+          </a:effectRef>
+          <a:fontRef idx="minor">
+            <a:schemeClr val="tx1"/>
+          </a:fontRef>
+        </p:style>
+      </p:cxnSp>
+      <p:cxnSp>
+        <p:nvCxnSpPr>
+          <p:cNvPr id="54" name="Elbow Connector 53">
+            <a:extLst>
+              <a:ext uri="{FF2B5EF4-FFF2-40B4-BE49-F238E27FC236}">
+                <a16:creationId xmlns:a16="http://schemas.microsoft.com/office/drawing/2014/main" id="{07BC7738-8B34-924E-9518-7285CF0579C9}"/>
+              </a:ext>
+            </a:extLst>
+          </p:cNvPr>
+          <p:cNvCxnSpPr>
+            <a:cxnSpLocks/>
+            <a:stCxn id="38" idx="3"/>
+            <a:endCxn id="41" idx="0"/>
+          </p:cNvCxnSpPr>
+          <p:nvPr/>
+        </p:nvCxnSpPr>
+        <p:spPr>
+          <a:xfrm>
+            <a:off x="7531661" y="4516815"/>
+            <a:ext cx="1925041" cy="841561"/>
+          </a:xfrm>
+          <a:prstGeom prst="bentConnector2">
+            <a:avLst/>
+          </a:prstGeom>
+          <a:ln w="28575">
+            <a:solidFill>
+              <a:srgbClr val="FD2D6D"/>
+            </a:solidFill>
+            <a:headEnd type="none" w="med" len="med"/>
+            <a:tailEnd type="arrow" w="med" len="med"/>
+          </a:ln>
+        </p:spPr>
+        <p:style>
+          <a:lnRef idx="1">
+            <a:schemeClr val="accent1"/>
+          </a:lnRef>
+          <a:fillRef idx="0">
+            <a:schemeClr val="accent1"/>
+          </a:fillRef>
+          <a:effectRef idx="0">
+            <a:schemeClr val="accent1"/>
+          </a:effectRef>
+          <a:fontRef idx="minor">
+            <a:schemeClr val="tx1"/>
+          </a:fontRef>
+        </p:style>
+      </p:cxnSp>
     </p:spTree>
     <p:extLst>
       <p:ext uri="{BB962C8B-B14F-4D97-AF65-F5344CB8AC3E}">
-        <p14:creationId xmlns:p14="http://schemas.microsoft.com/office/powerpoint/2010/main" val="1618199730"/>
+        <p14:creationId xmlns:p14="http://schemas.microsoft.com/office/powerpoint/2010/main" val="1806263919"/>
       </p:ext>
     </p:extLst>
   </p:cSld>
@@ -5755,7 +6015,7 @@
                 <a:ea typeface="Dotum" panose="020B0600000101010101" pitchFamily="34" charset="-127"/>
                 <a:cs typeface="Al Bayan Plain" pitchFamily="2" charset="-78"/>
               </a:rPr>
-              <a:t>Road Map to version 1.0</a:t>
+              <a:t>Roadmap to version 1.0</a:t>
             </a:r>
             <a:endParaRPr lang="en-US" sz="2400" dirty="0">
               <a:solidFill>
@@ -5880,7 +6140,7 @@
                 <a:ea typeface="Dotum" panose="020B0600000101010101" pitchFamily="34" charset="-127"/>
                 <a:cs typeface="Al Bayan Plain" pitchFamily="2" charset="-78"/>
               </a:rPr>
-              <a:t>API </a:t>
+              <a:t>CLI </a:t>
             </a:r>
           </a:p>
           <a:p>
@@ -6541,13 +6801,15 @@
         </p:nvSpPr>
         <p:spPr>
           <a:xfrm>
-            <a:off x="737999" y="944475"/>
-            <a:ext cx="6477309" cy="461665"/>
+            <a:off x="673499" y="1262163"/>
+            <a:ext cx="10233200" cy="461665"/>
           </a:xfrm>
           <a:prstGeom prst="rect">
             <a:avLst/>
           </a:prstGeom>
-          <a:noFill/>
+          <a:solidFill>
+            <a:schemeClr val="bg1"/>
+          </a:solidFill>
         </p:spPr>
         <p:txBody>
           <a:bodyPr wrap="square">
@@ -6566,7 +6828,7 @@
                 <a:ea typeface="Dotum" panose="020B0600000101010101" pitchFamily="34" charset="-127"/>
                 <a:cs typeface="Al Bayan Plain" pitchFamily="2" charset="-78"/>
               </a:rPr>
-              <a:t>Applications</a:t>
+              <a:t>CropArray – Command Line Interface (CLI) for data processing</a:t>
             </a:r>
             <a:endParaRPr lang="en-US" sz="2400" dirty="0">
               <a:solidFill>
@@ -6616,10 +6878,10 @@
       </p:pic>
       <p:pic>
         <p:nvPicPr>
-          <p:cNvPr id="3" name="Graphic 2" descr="Cursor with solid fill">
-            <a:extLst>
-              <a:ext uri="{FF2B5EF4-FFF2-40B4-BE49-F238E27FC236}">
-                <a16:creationId xmlns:a16="http://schemas.microsoft.com/office/drawing/2014/main" id="{73D7887D-BB50-7940-A266-9045F69F3F4C}"/>
+          <p:cNvPr id="5" name="Graphic 4" descr="Hold Gesture with solid fill">
+            <a:extLst>
+              <a:ext uri="{FF2B5EF4-FFF2-40B4-BE49-F238E27FC236}">
+                <a16:creationId xmlns:a16="http://schemas.microsoft.com/office/drawing/2014/main" id="{008F0702-3591-0340-8609-96345D5775F9}"/>
               </a:ext>
             </a:extLst>
           </p:cNvPr>
@@ -6642,20 +6904,92 @@
         </p:blipFill>
         <p:spPr>
           <a:xfrm>
-            <a:off x="0" y="948940"/>
-            <a:ext cx="535622" cy="535622"/>
+            <a:off x="68821" y="1251706"/>
+            <a:ext cx="472122" cy="472122"/>
           </a:xfrm>
           <a:prstGeom prst="rect">
             <a:avLst/>
           </a:prstGeom>
         </p:spPr>
       </p:pic>
-      <p:sp>
-        <p:nvSpPr>
-          <p:cNvPr id="30" name="TextBox 29">
-            <a:extLst>
-              <a:ext uri="{FF2B5EF4-FFF2-40B4-BE49-F238E27FC236}">
-                <a16:creationId xmlns:a16="http://schemas.microsoft.com/office/drawing/2014/main" id="{0DED46F8-0D97-6841-A74E-45969F481C0F}"/>
+      <p:pic>
+        <p:nvPicPr>
+          <p:cNvPr id="7" name="Graphic 6" descr="Programmer female with solid fill">
+            <a:extLst>
+              <a:ext uri="{FF2B5EF4-FFF2-40B4-BE49-F238E27FC236}">
+                <a16:creationId xmlns:a16="http://schemas.microsoft.com/office/drawing/2014/main" id="{2740BC12-E240-3849-B877-C7306FCB2729}"/>
+              </a:ext>
+            </a:extLst>
+          </p:cNvPr>
+          <p:cNvPicPr>
+            <a:picLocks noChangeAspect="1"/>
+          </p:cNvPicPr>
+          <p:nvPr/>
+        </p:nvPicPr>
+        <p:blipFill>
+          <a:blip r:embed="rId6">
+            <a:extLst>
+              <a:ext uri="{96DAC541-7B7A-43D3-8B79-37D633B846F1}">
+                <asvg:svgBlip xmlns:asvg="http://schemas.microsoft.com/office/drawing/2016/SVG/main" r:embed="rId7"/>
+              </a:ext>
+            </a:extLst>
+          </a:blip>
+          <a:stretch>
+            <a:fillRect/>
+          </a:stretch>
+        </p:blipFill>
+        <p:spPr>
+          <a:xfrm>
+            <a:off x="5339673" y="2155777"/>
+            <a:ext cx="914400" cy="914400"/>
+          </a:xfrm>
+          <a:prstGeom prst="rect">
+            <a:avLst/>
+          </a:prstGeom>
+        </p:spPr>
+      </p:pic>
+      <p:pic>
+        <p:nvPicPr>
+          <p:cNvPr id="3" name="Graphic 2" descr="Web design with solid fill">
+            <a:extLst>
+              <a:ext uri="{FF2B5EF4-FFF2-40B4-BE49-F238E27FC236}">
+                <a16:creationId xmlns:a16="http://schemas.microsoft.com/office/drawing/2014/main" id="{6589548F-DE46-F542-AAF3-4355B51C0B5D}"/>
+              </a:ext>
+            </a:extLst>
+          </p:cNvPr>
+          <p:cNvPicPr>
+            <a:picLocks noChangeAspect="1"/>
+          </p:cNvPicPr>
+          <p:nvPr/>
+        </p:nvPicPr>
+        <p:blipFill>
+          <a:blip r:embed="rId8">
+            <a:extLst>
+              <a:ext uri="{96DAC541-7B7A-43D3-8B79-37D633B846F1}">
+                <asvg:svgBlip xmlns:asvg="http://schemas.microsoft.com/office/drawing/2016/SVG/main" r:embed="rId9"/>
+              </a:ext>
+            </a:extLst>
+          </a:blip>
+          <a:stretch>
+            <a:fillRect/>
+          </a:stretch>
+        </p:blipFill>
+        <p:spPr>
+          <a:xfrm>
+            <a:off x="2311016" y="2262974"/>
+            <a:ext cx="914400" cy="914400"/>
+          </a:xfrm>
+          <a:prstGeom prst="rect">
+            <a:avLst/>
+          </a:prstGeom>
+        </p:spPr>
+      </p:pic>
+      <p:sp>
+        <p:nvSpPr>
+          <p:cNvPr id="9" name="TextBox 8">
+            <a:extLst>
+              <a:ext uri="{FF2B5EF4-FFF2-40B4-BE49-F238E27FC236}">
+                <a16:creationId xmlns:a16="http://schemas.microsoft.com/office/drawing/2014/main" id="{D2691B84-B0A7-5E46-AB62-053ED76D5172}"/>
               </a:ext>
             </a:extLst>
           </p:cNvPr>
@@ -6664,8 +6998,8 @@
         </p:nvSpPr>
         <p:spPr>
           <a:xfrm>
-            <a:off x="1041706" y="1406140"/>
-            <a:ext cx="10678961" cy="400110"/>
+            <a:off x="8444542" y="4290120"/>
+            <a:ext cx="1405808" cy="523220"/>
           </a:xfrm>
           <a:prstGeom prst="rect">
             <a:avLst/>
@@ -6673,25 +7007,1720 @@
           <a:noFill/>
         </p:spPr>
         <p:txBody>
-          <a:bodyPr wrap="square">
+          <a:bodyPr wrap="square" rtlCol="0">
             <a:spAutoFit/>
           </a:bodyPr>
           <a:lstStyle/>
           <a:p>
-            <a:r>
-              <a:rPr lang="en-US" sz="2000" dirty="0">
-                <a:latin typeface="Dotum" panose="020B0600000101010101" pitchFamily="34" charset="-127"/>
-                <a:ea typeface="Dotum" panose="020B0600000101010101" pitchFamily="34" charset="-127"/>
+            <a:pPr algn="ctr"/>
+            <a:r>
+              <a:rPr lang="en-US" sz="1400" dirty="0">
+                <a:solidFill>
+                  <a:srgbClr val="0070C0"/>
+                </a:solidFill>
+                <a:latin typeface=""/>
               </a:rPr>
-              <a:t>Working with FISH images</a:t>
-            </a:r>
+              <a:t>Processed data</a:t>
+            </a:r>
+          </a:p>
+        </p:txBody>
+      </p:sp>
+      <p:pic>
+        <p:nvPicPr>
+          <p:cNvPr id="10" name="Graphic 9" descr="Microscope with solid fill">
+            <a:extLst>
+              <a:ext uri="{FF2B5EF4-FFF2-40B4-BE49-F238E27FC236}">
+                <a16:creationId xmlns:a16="http://schemas.microsoft.com/office/drawing/2014/main" id="{84E72021-9571-6046-B4CE-F93C1DBD1543}"/>
+              </a:ext>
+            </a:extLst>
+          </p:cNvPr>
+          <p:cNvPicPr>
+            <a:picLocks noChangeAspect="1"/>
+          </p:cNvPicPr>
+          <p:nvPr/>
+        </p:nvPicPr>
+        <p:blipFill>
+          <a:blip r:embed="rId10">
+            <a:extLst>
+              <a:ext uri="{96DAC541-7B7A-43D3-8B79-37D633B846F1}">
+                <asvg:svgBlip xmlns:asvg="http://schemas.microsoft.com/office/drawing/2016/SVG/main" r:embed="rId11"/>
+              </a:ext>
+            </a:extLst>
+          </a:blip>
+          <a:stretch>
+            <a:fillRect/>
+          </a:stretch>
+        </p:blipFill>
+        <p:spPr>
+          <a:xfrm>
+            <a:off x="6096000" y="2232055"/>
+            <a:ext cx="914400" cy="914400"/>
+          </a:xfrm>
+          <a:prstGeom prst="rect">
+            <a:avLst/>
+          </a:prstGeom>
+        </p:spPr>
+      </p:pic>
+      <p:sp>
+        <p:nvSpPr>
+          <p:cNvPr id="11" name="TextBox 10">
+            <a:extLst>
+              <a:ext uri="{FF2B5EF4-FFF2-40B4-BE49-F238E27FC236}">
+                <a16:creationId xmlns:a16="http://schemas.microsoft.com/office/drawing/2014/main" id="{ADD818A4-2051-7249-A135-28C97D52E891}"/>
+              </a:ext>
+            </a:extLst>
+          </p:cNvPr>
+          <p:cNvSpPr txBox="1"/>
+          <p:nvPr/>
+        </p:nvSpPr>
+        <p:spPr>
+          <a:xfrm>
+            <a:off x="2081415" y="4107315"/>
+            <a:ext cx="1405808" cy="307777"/>
+          </a:xfrm>
+          <a:prstGeom prst="rect">
+            <a:avLst/>
+          </a:prstGeom>
+          <a:noFill/>
+        </p:spPr>
+        <p:txBody>
+          <a:bodyPr wrap="square" rtlCol="0">
+            <a:spAutoFit/>
+          </a:bodyPr>
+          <a:lstStyle/>
+          <a:p>
+            <a:pPr algn="ctr"/>
+            <a:r>
+              <a:rPr lang="en-US" sz="1400" dirty="0">
+                <a:solidFill>
+                  <a:srgbClr val="0070C0"/>
+                </a:solidFill>
+                <a:latin typeface=""/>
+              </a:rPr>
+              <a:t>Source code</a:t>
+            </a:r>
+          </a:p>
+        </p:txBody>
+      </p:sp>
+      <p:grpSp>
+        <p:nvGrpSpPr>
+          <p:cNvPr id="2" name="Group 1">
+            <a:extLst>
+              <a:ext uri="{FF2B5EF4-FFF2-40B4-BE49-F238E27FC236}">
+                <a16:creationId xmlns:a16="http://schemas.microsoft.com/office/drawing/2014/main" id="{A4548C7B-F4C9-7C44-8971-3CB6A7017182}"/>
+              </a:ext>
+            </a:extLst>
+          </p:cNvPr>
+          <p:cNvGrpSpPr/>
+          <p:nvPr/>
+        </p:nvGrpSpPr>
+        <p:grpSpPr>
+          <a:xfrm>
+            <a:off x="8856242" y="2391550"/>
+            <a:ext cx="825351" cy="926783"/>
+            <a:chOff x="7513081" y="3745579"/>
+            <a:chExt cx="825351" cy="926783"/>
+          </a:xfrm>
+        </p:grpSpPr>
+        <p:grpSp>
+          <p:nvGrpSpPr>
+            <p:cNvPr id="12" name="Group 11">
+              <a:extLst>
+                <a:ext uri="{FF2B5EF4-FFF2-40B4-BE49-F238E27FC236}">
+                  <a16:creationId xmlns:a16="http://schemas.microsoft.com/office/drawing/2014/main" id="{129E5A50-1210-5343-BF93-2C4E7ED34D52}"/>
+                </a:ext>
+              </a:extLst>
+            </p:cNvPr>
+            <p:cNvGrpSpPr/>
+            <p:nvPr/>
+          </p:nvGrpSpPr>
+          <p:grpSpPr>
+            <a:xfrm>
+              <a:off x="7720545" y="3745579"/>
+              <a:ext cx="467855" cy="444033"/>
+              <a:chOff x="1129599" y="3378021"/>
+              <a:chExt cx="467855" cy="444033"/>
+            </a:xfrm>
+            <a:effectLst>
+              <a:outerShdw blurRad="50800" dist="38100" algn="l" rotWithShape="0">
+                <a:prstClr val="black">
+                  <a:alpha val="40000"/>
+                </a:prstClr>
+              </a:outerShdw>
+            </a:effectLst>
+          </p:grpSpPr>
+          <p:sp>
+            <p:nvSpPr>
+              <p:cNvPr id="13" name="Rectangle 12">
+                <a:extLst>
+                  <a:ext uri="{FF2B5EF4-FFF2-40B4-BE49-F238E27FC236}">
+                    <a16:creationId xmlns:a16="http://schemas.microsoft.com/office/drawing/2014/main" id="{2CF69BCD-7196-8B4D-8ACB-E7C1D426496D}"/>
+                  </a:ext>
+                </a:extLst>
+              </p:cNvPr>
+              <p:cNvSpPr/>
+              <p:nvPr/>
+            </p:nvSpPr>
+            <p:spPr>
+              <a:xfrm>
+                <a:off x="1129599" y="3378021"/>
+                <a:ext cx="467855" cy="444033"/>
+              </a:xfrm>
+              <a:prstGeom prst="rect">
+                <a:avLst/>
+              </a:prstGeom>
+              <a:solidFill>
+                <a:sysClr val="window" lastClr="FFFFFF"/>
+              </a:solidFill>
+              <a:ln w="12700" cap="flat" cmpd="sng" algn="ctr">
+                <a:solidFill>
+                  <a:sysClr val="windowText" lastClr="000000">
+                    <a:lumMod val="75000"/>
+                    <a:lumOff val="25000"/>
+                  </a:sysClr>
+                </a:solidFill>
+                <a:prstDash val="solid"/>
+                <a:miter lim="800000"/>
+              </a:ln>
+              <a:effectLst/>
+            </p:spPr>
+            <p:txBody>
+              <a:bodyPr rtlCol="0" anchor="ctr"/>
+              <a:lstStyle/>
+              <a:p>
+                <a:pPr marL="0" marR="0" lvl="0" indent="0" algn="ctr" defTabSz="914400" eaLnBrk="1" fontAlgn="auto" latinLnBrk="0" hangingPunct="1">
+                  <a:lnSpc>
+                    <a:spcPct val="100000"/>
+                  </a:lnSpc>
+                  <a:spcBef>
+                    <a:spcPts val="0"/>
+                  </a:spcBef>
+                  <a:spcAft>
+                    <a:spcPts val="0"/>
+                  </a:spcAft>
+                  <a:buClrTx/>
+                  <a:buSzTx/>
+                  <a:buFontTx/>
+                  <a:buNone/>
+                  <a:tabLst/>
+                  <a:defRPr/>
+                </a:pPr>
+                <a:endParaRPr kumimoji="0" lang="en-US" sz="1800" b="0" i="0" u="none" strike="noStrike" kern="0" cap="none" spc="0" normalizeH="0" baseline="0" noProof="0">
+                  <a:ln>
+                    <a:noFill/>
+                  </a:ln>
+                  <a:solidFill>
+                    <a:prstClr val="white"/>
+                  </a:solidFill>
+                  <a:effectLst/>
+                  <a:uLnTx/>
+                  <a:uFillTx/>
+                  <a:latin typeface="Calibri" panose="020F0502020204030204"/>
+                  <a:ea typeface="+mn-ea"/>
+                  <a:cs typeface="+mn-cs"/>
+                </a:endParaRPr>
+              </a:p>
+            </p:txBody>
+          </p:sp>
+          <p:grpSp>
+            <p:nvGrpSpPr>
+              <p:cNvPr id="15" name="Group 14">
+                <a:extLst>
+                  <a:ext uri="{FF2B5EF4-FFF2-40B4-BE49-F238E27FC236}">
+                    <a16:creationId xmlns:a16="http://schemas.microsoft.com/office/drawing/2014/main" id="{FF64D8E8-0CFF-E645-9F80-27A78E70279E}"/>
+                  </a:ext>
+                </a:extLst>
+              </p:cNvPr>
+              <p:cNvGrpSpPr>
+                <a:grpSpLocks noChangeAspect="1"/>
+              </p:cNvGrpSpPr>
+              <p:nvPr/>
+            </p:nvGrpSpPr>
+            <p:grpSpPr>
+              <a:xfrm>
+                <a:off x="1167053" y="3418263"/>
+                <a:ext cx="392748" cy="383678"/>
+                <a:chOff x="1278675" y="2029522"/>
+                <a:chExt cx="1609491" cy="1572321"/>
+              </a:xfrm>
+            </p:grpSpPr>
+            <p:sp>
+              <p:nvSpPr>
+                <p:cNvPr id="17" name="Oval 16">
+                  <a:extLst>
+                    <a:ext uri="{FF2B5EF4-FFF2-40B4-BE49-F238E27FC236}">
+                      <a16:creationId xmlns:a16="http://schemas.microsoft.com/office/drawing/2014/main" id="{B32380DD-6B37-1D43-8A84-881A52E83005}"/>
+                    </a:ext>
+                  </a:extLst>
+                </p:cNvPr>
+                <p:cNvSpPr/>
+                <p:nvPr/>
+              </p:nvSpPr>
+              <p:spPr>
+                <a:xfrm>
+                  <a:off x="1278675" y="2029522"/>
+                  <a:ext cx="1609491" cy="1572321"/>
+                </a:xfrm>
+                <a:prstGeom prst="ellipse">
+                  <a:avLst/>
+                </a:prstGeom>
+                <a:noFill/>
+                <a:ln w="12700" cap="flat" cmpd="sng" algn="ctr">
+                  <a:solidFill>
+                    <a:sysClr val="windowText" lastClr="000000">
+                      <a:lumMod val="65000"/>
+                      <a:lumOff val="35000"/>
+                    </a:sysClr>
+                  </a:solidFill>
+                  <a:prstDash val="solid"/>
+                  <a:miter lim="800000"/>
+                </a:ln>
+                <a:effectLst/>
+              </p:spPr>
+              <p:txBody>
+                <a:bodyPr rtlCol="0" anchor="ctr"/>
+                <a:lstStyle/>
+                <a:p>
+                  <a:pPr marL="0" marR="0" lvl="0" indent="0" algn="ctr" defTabSz="914400" eaLnBrk="1" fontAlgn="auto" latinLnBrk="0" hangingPunct="1">
+                    <a:lnSpc>
+                      <a:spcPct val="100000"/>
+                    </a:lnSpc>
+                    <a:spcBef>
+                      <a:spcPts val="0"/>
+                    </a:spcBef>
+                    <a:spcAft>
+                      <a:spcPts val="0"/>
+                    </a:spcAft>
+                    <a:buClrTx/>
+                    <a:buSzTx/>
+                    <a:buFontTx/>
+                    <a:buNone/>
+                    <a:tabLst/>
+                    <a:defRPr/>
+                  </a:pPr>
+                  <a:endParaRPr kumimoji="0" lang="en-US" sz="1800" b="0" i="0" u="none" strike="noStrike" kern="0" cap="none" spc="0" normalizeH="0" baseline="0" noProof="0">
+                    <a:ln>
+                      <a:noFill/>
+                    </a:ln>
+                    <a:solidFill>
+                      <a:prstClr val="white"/>
+                    </a:solidFill>
+                    <a:effectLst/>
+                    <a:uLnTx/>
+                    <a:uFillTx/>
+                    <a:latin typeface="Calibri" panose="020F0502020204030204"/>
+                    <a:ea typeface="+mn-ea"/>
+                    <a:cs typeface="+mn-cs"/>
+                  </a:endParaRPr>
+                </a:p>
+              </p:txBody>
+            </p:sp>
+            <p:pic>
+              <p:nvPicPr>
+                <p:cNvPr id="18" name="Graphic 17" descr="Mitochondria with solid fill">
+                  <a:extLst>
+                    <a:ext uri="{FF2B5EF4-FFF2-40B4-BE49-F238E27FC236}">
+                      <a16:creationId xmlns:a16="http://schemas.microsoft.com/office/drawing/2014/main" id="{9EFDAED3-DE0E-5146-B47D-D68463747908}"/>
+                    </a:ext>
+                  </a:extLst>
+                </p:cNvPr>
+                <p:cNvPicPr>
+                  <a:picLocks noChangeAspect="1"/>
+                </p:cNvPicPr>
+                <p:nvPr/>
+              </p:nvPicPr>
+              <p:blipFill>
+                <a:blip r:embed="rId12">
+                  <a:extLst>
+                    <a:ext uri="{96DAC541-7B7A-43D3-8B79-37D633B846F1}">
+                      <asvg:svgBlip xmlns:asvg="http://schemas.microsoft.com/office/drawing/2016/SVG/main" r:embed="rId13"/>
+                    </a:ext>
+                  </a:extLst>
+                </a:blip>
+                <a:stretch>
+                  <a:fillRect/>
+                </a:stretch>
+              </p:blipFill>
+              <p:spPr>
+                <a:xfrm rot="21325333">
+                  <a:off x="1896233" y="2729956"/>
+                  <a:ext cx="833526" cy="833526"/>
+                </a:xfrm>
+                <a:prstGeom prst="rect">
+                  <a:avLst/>
+                </a:prstGeom>
+              </p:spPr>
+            </p:pic>
+            <p:grpSp>
+              <p:nvGrpSpPr>
+                <p:cNvPr id="19" name="Group 18">
+                  <a:extLst>
+                    <a:ext uri="{FF2B5EF4-FFF2-40B4-BE49-F238E27FC236}">
+                      <a16:creationId xmlns:a16="http://schemas.microsoft.com/office/drawing/2014/main" id="{825FBC7E-AD35-E447-8544-BBE9E3A59304}"/>
+                    </a:ext>
+                  </a:extLst>
+                </p:cNvPr>
+                <p:cNvGrpSpPr/>
+                <p:nvPr/>
+              </p:nvGrpSpPr>
+              <p:grpSpPr>
+                <a:xfrm>
+                  <a:off x="1447051" y="2230255"/>
+                  <a:ext cx="813673" cy="737170"/>
+                  <a:chOff x="1447051" y="2230255"/>
+                  <a:chExt cx="813673" cy="737170"/>
+                </a:xfrm>
+              </p:grpSpPr>
+              <p:sp>
+                <p:nvSpPr>
+                  <p:cNvPr id="20" name="Rounded Rectangle 19">
+                    <a:extLst>
+                      <a:ext uri="{FF2B5EF4-FFF2-40B4-BE49-F238E27FC236}">
+                        <a16:creationId xmlns:a16="http://schemas.microsoft.com/office/drawing/2014/main" id="{C93ED92F-2EDF-834F-A9FC-718D19F447AC}"/>
+                      </a:ext>
+                    </a:extLst>
+                  </p:cNvPr>
+                  <p:cNvSpPr/>
+                  <p:nvPr/>
+                </p:nvSpPr>
+                <p:spPr>
+                  <a:xfrm rot="18947416">
+                    <a:off x="1447051" y="2230255"/>
+                    <a:ext cx="813673" cy="737170"/>
+                  </a:xfrm>
+                  <a:prstGeom prst="roundRect">
+                    <a:avLst>
+                      <a:gd name="adj" fmla="val 38068"/>
+                    </a:avLst>
+                  </a:prstGeom>
+                  <a:solidFill>
+                    <a:srgbClr val="7E6EFC">
+                      <a:alpha val="77000"/>
+                    </a:srgbClr>
+                  </a:solidFill>
+                  <a:ln w="28575" cap="flat" cmpd="sng" algn="ctr">
+                    <a:noFill/>
+                    <a:prstDash val="solid"/>
+                    <a:miter lim="800000"/>
+                  </a:ln>
+                  <a:effectLst/>
+                </p:spPr>
+                <p:txBody>
+                  <a:bodyPr rtlCol="0" anchor="ctr"/>
+                  <a:lstStyle/>
+                  <a:p>
+                    <a:pPr marL="0" marR="0" lvl="0" indent="0" algn="ctr" defTabSz="914400" eaLnBrk="1" fontAlgn="auto" latinLnBrk="0" hangingPunct="1">
+                      <a:lnSpc>
+                        <a:spcPct val="100000"/>
+                      </a:lnSpc>
+                      <a:spcBef>
+                        <a:spcPts val="0"/>
+                      </a:spcBef>
+                      <a:spcAft>
+                        <a:spcPts val="0"/>
+                      </a:spcAft>
+                      <a:buClrTx/>
+                      <a:buSzTx/>
+                      <a:buFontTx/>
+                      <a:buNone/>
+                      <a:tabLst/>
+                      <a:defRPr/>
+                    </a:pPr>
+                    <a:endParaRPr kumimoji="0" lang="en-US" sz="1800" b="0" i="0" u="none" strike="noStrike" kern="0" cap="none" spc="0" normalizeH="0" baseline="0" noProof="0" dirty="0">
+                      <a:ln>
+                        <a:noFill/>
+                      </a:ln>
+                      <a:solidFill>
+                        <a:prstClr val="white"/>
+                      </a:solidFill>
+                      <a:effectLst/>
+                      <a:uLnTx/>
+                      <a:uFillTx/>
+                      <a:latin typeface="Calibri" panose="020F0502020204030204"/>
+                      <a:ea typeface="+mn-ea"/>
+                      <a:cs typeface="+mn-cs"/>
+                    </a:endParaRPr>
+                  </a:p>
+                </p:txBody>
+              </p:sp>
+              <p:sp>
+                <p:nvSpPr>
+                  <p:cNvPr id="21" name="Oval 20">
+                    <a:extLst>
+                      <a:ext uri="{FF2B5EF4-FFF2-40B4-BE49-F238E27FC236}">
+                        <a16:creationId xmlns:a16="http://schemas.microsoft.com/office/drawing/2014/main" id="{04DF5384-AB3D-0F47-AC76-F344F5B4A9E2}"/>
+                      </a:ext>
+                    </a:extLst>
+                  </p:cNvPr>
+                  <p:cNvSpPr/>
+                  <p:nvPr/>
+                </p:nvSpPr>
+                <p:spPr>
+                  <a:xfrm>
+                    <a:off x="1664438" y="2401167"/>
+                    <a:ext cx="378899" cy="395346"/>
+                  </a:xfrm>
+                  <a:prstGeom prst="ellipse">
+                    <a:avLst/>
+                  </a:prstGeom>
+                  <a:solidFill>
+                    <a:srgbClr val="4730FC"/>
+                  </a:solidFill>
+                  <a:ln w="28575" cap="flat" cmpd="sng" algn="ctr">
+                    <a:noFill/>
+                    <a:prstDash val="solid"/>
+                    <a:miter lim="800000"/>
+                  </a:ln>
+                  <a:effectLst/>
+                </p:spPr>
+                <p:txBody>
+                  <a:bodyPr rtlCol="0" anchor="ctr"/>
+                  <a:lstStyle/>
+                  <a:p>
+                    <a:pPr marL="0" marR="0" lvl="0" indent="0" algn="ctr" defTabSz="914400" eaLnBrk="1" fontAlgn="auto" latinLnBrk="0" hangingPunct="1">
+                      <a:lnSpc>
+                        <a:spcPct val="100000"/>
+                      </a:lnSpc>
+                      <a:spcBef>
+                        <a:spcPts val="0"/>
+                      </a:spcBef>
+                      <a:spcAft>
+                        <a:spcPts val="0"/>
+                      </a:spcAft>
+                      <a:buClrTx/>
+                      <a:buSzTx/>
+                      <a:buFontTx/>
+                      <a:buNone/>
+                      <a:tabLst/>
+                      <a:defRPr/>
+                    </a:pPr>
+                    <a:endParaRPr kumimoji="0" lang="en-US" sz="1800" b="0" i="0" u="none" strike="noStrike" kern="0" cap="none" spc="0" normalizeH="0" baseline="0" noProof="0">
+                      <a:ln>
+                        <a:noFill/>
+                      </a:ln>
+                      <a:solidFill>
+                        <a:prstClr val="white"/>
+                      </a:solidFill>
+                      <a:effectLst/>
+                      <a:uLnTx/>
+                      <a:uFillTx/>
+                      <a:latin typeface="Calibri" panose="020F0502020204030204"/>
+                      <a:ea typeface="+mn-ea"/>
+                      <a:cs typeface="+mn-cs"/>
+                    </a:endParaRPr>
+                  </a:p>
+                </p:txBody>
+              </p:sp>
+            </p:grpSp>
+          </p:grpSp>
+        </p:grpSp>
+        <p:grpSp>
+          <p:nvGrpSpPr>
+            <p:cNvPr id="22" name="Group 21">
+              <a:extLst>
+                <a:ext uri="{FF2B5EF4-FFF2-40B4-BE49-F238E27FC236}">
+                  <a16:creationId xmlns:a16="http://schemas.microsoft.com/office/drawing/2014/main" id="{39F425F7-D4FD-024E-AEC7-9B482497EC2A}"/>
+                </a:ext>
+              </a:extLst>
+            </p:cNvPr>
+            <p:cNvGrpSpPr/>
+            <p:nvPr/>
+          </p:nvGrpSpPr>
+          <p:grpSpPr>
+            <a:xfrm>
+              <a:off x="7625653" y="3870834"/>
+              <a:ext cx="467855" cy="444033"/>
+              <a:chOff x="1129599" y="3378021"/>
+              <a:chExt cx="467855" cy="444033"/>
+            </a:xfrm>
+            <a:effectLst>
+              <a:outerShdw blurRad="50800" dist="38100" algn="l" rotWithShape="0">
+                <a:prstClr val="black">
+                  <a:alpha val="40000"/>
+                </a:prstClr>
+              </a:outerShdw>
+            </a:effectLst>
+          </p:grpSpPr>
+          <p:sp>
+            <p:nvSpPr>
+              <p:cNvPr id="23" name="Rectangle 22">
+                <a:extLst>
+                  <a:ext uri="{FF2B5EF4-FFF2-40B4-BE49-F238E27FC236}">
+                    <a16:creationId xmlns:a16="http://schemas.microsoft.com/office/drawing/2014/main" id="{F288B1E1-5C7D-D24D-9E35-AC5F22AC0606}"/>
+                  </a:ext>
+                </a:extLst>
+              </p:cNvPr>
+              <p:cNvSpPr/>
+              <p:nvPr/>
+            </p:nvSpPr>
+            <p:spPr>
+              <a:xfrm>
+                <a:off x="1129599" y="3378021"/>
+                <a:ext cx="467855" cy="444033"/>
+              </a:xfrm>
+              <a:prstGeom prst="rect">
+                <a:avLst/>
+              </a:prstGeom>
+              <a:solidFill>
+                <a:sysClr val="window" lastClr="FFFFFF"/>
+              </a:solidFill>
+              <a:ln w="12700" cap="flat" cmpd="sng" algn="ctr">
+                <a:solidFill>
+                  <a:sysClr val="windowText" lastClr="000000">
+                    <a:lumMod val="75000"/>
+                    <a:lumOff val="25000"/>
+                  </a:sysClr>
+                </a:solidFill>
+                <a:prstDash val="solid"/>
+                <a:miter lim="800000"/>
+              </a:ln>
+              <a:effectLst/>
+            </p:spPr>
+            <p:txBody>
+              <a:bodyPr rtlCol="0" anchor="ctr"/>
+              <a:lstStyle/>
+              <a:p>
+                <a:pPr marL="0" marR="0" lvl="0" indent="0" algn="ctr" defTabSz="914400" eaLnBrk="1" fontAlgn="auto" latinLnBrk="0" hangingPunct="1">
+                  <a:lnSpc>
+                    <a:spcPct val="100000"/>
+                  </a:lnSpc>
+                  <a:spcBef>
+                    <a:spcPts val="0"/>
+                  </a:spcBef>
+                  <a:spcAft>
+                    <a:spcPts val="0"/>
+                  </a:spcAft>
+                  <a:buClrTx/>
+                  <a:buSzTx/>
+                  <a:buFontTx/>
+                  <a:buNone/>
+                  <a:tabLst/>
+                  <a:defRPr/>
+                </a:pPr>
+                <a:endParaRPr kumimoji="0" lang="en-US" sz="1800" b="0" i="0" u="none" strike="noStrike" kern="0" cap="none" spc="0" normalizeH="0" baseline="0" noProof="0">
+                  <a:ln>
+                    <a:noFill/>
+                  </a:ln>
+                  <a:solidFill>
+                    <a:prstClr val="white"/>
+                  </a:solidFill>
+                  <a:effectLst/>
+                  <a:uLnTx/>
+                  <a:uFillTx/>
+                  <a:latin typeface="Calibri" panose="020F0502020204030204"/>
+                  <a:ea typeface="+mn-ea"/>
+                  <a:cs typeface="+mn-cs"/>
+                </a:endParaRPr>
+              </a:p>
+            </p:txBody>
+          </p:sp>
+          <p:grpSp>
+            <p:nvGrpSpPr>
+              <p:cNvPr id="24" name="Group 23">
+                <a:extLst>
+                  <a:ext uri="{FF2B5EF4-FFF2-40B4-BE49-F238E27FC236}">
+                    <a16:creationId xmlns:a16="http://schemas.microsoft.com/office/drawing/2014/main" id="{7D324EA6-939E-1445-A8CA-CFEC8F41C7C9}"/>
+                  </a:ext>
+                </a:extLst>
+              </p:cNvPr>
+              <p:cNvGrpSpPr>
+                <a:grpSpLocks noChangeAspect="1"/>
+              </p:cNvGrpSpPr>
+              <p:nvPr/>
+            </p:nvGrpSpPr>
+            <p:grpSpPr>
+              <a:xfrm>
+                <a:off x="1167053" y="3418263"/>
+                <a:ext cx="392748" cy="383678"/>
+                <a:chOff x="1278675" y="2029522"/>
+                <a:chExt cx="1609491" cy="1572321"/>
+              </a:xfrm>
+            </p:grpSpPr>
+            <p:sp>
+              <p:nvSpPr>
+                <p:cNvPr id="25" name="Oval 24">
+                  <a:extLst>
+                    <a:ext uri="{FF2B5EF4-FFF2-40B4-BE49-F238E27FC236}">
+                      <a16:creationId xmlns:a16="http://schemas.microsoft.com/office/drawing/2014/main" id="{20196A2D-4976-5E47-8BC4-F03A810648D0}"/>
+                    </a:ext>
+                  </a:extLst>
+                </p:cNvPr>
+                <p:cNvSpPr/>
+                <p:nvPr/>
+              </p:nvSpPr>
+              <p:spPr>
+                <a:xfrm>
+                  <a:off x="1278675" y="2029522"/>
+                  <a:ext cx="1609491" cy="1572321"/>
+                </a:xfrm>
+                <a:prstGeom prst="ellipse">
+                  <a:avLst/>
+                </a:prstGeom>
+                <a:noFill/>
+                <a:ln w="12700" cap="flat" cmpd="sng" algn="ctr">
+                  <a:solidFill>
+                    <a:sysClr val="windowText" lastClr="000000">
+                      <a:lumMod val="65000"/>
+                      <a:lumOff val="35000"/>
+                    </a:sysClr>
+                  </a:solidFill>
+                  <a:prstDash val="solid"/>
+                  <a:miter lim="800000"/>
+                </a:ln>
+                <a:effectLst/>
+              </p:spPr>
+              <p:txBody>
+                <a:bodyPr rtlCol="0" anchor="ctr"/>
+                <a:lstStyle/>
+                <a:p>
+                  <a:pPr marL="0" marR="0" lvl="0" indent="0" algn="ctr" defTabSz="914400" eaLnBrk="1" fontAlgn="auto" latinLnBrk="0" hangingPunct="1">
+                    <a:lnSpc>
+                      <a:spcPct val="100000"/>
+                    </a:lnSpc>
+                    <a:spcBef>
+                      <a:spcPts val="0"/>
+                    </a:spcBef>
+                    <a:spcAft>
+                      <a:spcPts val="0"/>
+                    </a:spcAft>
+                    <a:buClrTx/>
+                    <a:buSzTx/>
+                    <a:buFontTx/>
+                    <a:buNone/>
+                    <a:tabLst/>
+                    <a:defRPr/>
+                  </a:pPr>
+                  <a:endParaRPr kumimoji="0" lang="en-US" sz="1800" b="0" i="0" u="none" strike="noStrike" kern="0" cap="none" spc="0" normalizeH="0" baseline="0" noProof="0">
+                    <a:ln>
+                      <a:noFill/>
+                    </a:ln>
+                    <a:solidFill>
+                      <a:prstClr val="white"/>
+                    </a:solidFill>
+                    <a:effectLst/>
+                    <a:uLnTx/>
+                    <a:uFillTx/>
+                    <a:latin typeface="Calibri" panose="020F0502020204030204"/>
+                    <a:ea typeface="+mn-ea"/>
+                    <a:cs typeface="+mn-cs"/>
+                  </a:endParaRPr>
+                </a:p>
+              </p:txBody>
+            </p:sp>
+            <p:pic>
+              <p:nvPicPr>
+                <p:cNvPr id="26" name="Graphic 25" descr="Mitochondria with solid fill">
+                  <a:extLst>
+                    <a:ext uri="{FF2B5EF4-FFF2-40B4-BE49-F238E27FC236}">
+                      <a16:creationId xmlns:a16="http://schemas.microsoft.com/office/drawing/2014/main" id="{37831332-C8F0-F048-9838-F73683A6198B}"/>
+                    </a:ext>
+                  </a:extLst>
+                </p:cNvPr>
+                <p:cNvPicPr>
+                  <a:picLocks noChangeAspect="1"/>
+                </p:cNvPicPr>
+                <p:nvPr/>
+              </p:nvPicPr>
+              <p:blipFill>
+                <a:blip r:embed="rId12">
+                  <a:extLst>
+                    <a:ext uri="{96DAC541-7B7A-43D3-8B79-37D633B846F1}">
+                      <asvg:svgBlip xmlns:asvg="http://schemas.microsoft.com/office/drawing/2016/SVG/main" r:embed="rId13"/>
+                    </a:ext>
+                  </a:extLst>
+                </a:blip>
+                <a:stretch>
+                  <a:fillRect/>
+                </a:stretch>
+              </p:blipFill>
+              <p:spPr>
+                <a:xfrm rot="21325333">
+                  <a:off x="1896233" y="2729956"/>
+                  <a:ext cx="833526" cy="833526"/>
+                </a:xfrm>
+                <a:prstGeom prst="rect">
+                  <a:avLst/>
+                </a:prstGeom>
+              </p:spPr>
+            </p:pic>
+            <p:grpSp>
+              <p:nvGrpSpPr>
+                <p:cNvPr id="27" name="Group 26">
+                  <a:extLst>
+                    <a:ext uri="{FF2B5EF4-FFF2-40B4-BE49-F238E27FC236}">
+                      <a16:creationId xmlns:a16="http://schemas.microsoft.com/office/drawing/2014/main" id="{4166B415-3931-7545-A1BC-BBF780D84097}"/>
+                    </a:ext>
+                  </a:extLst>
+                </p:cNvPr>
+                <p:cNvGrpSpPr/>
+                <p:nvPr/>
+              </p:nvGrpSpPr>
+              <p:grpSpPr>
+                <a:xfrm>
+                  <a:off x="1447051" y="2230255"/>
+                  <a:ext cx="813673" cy="737170"/>
+                  <a:chOff x="1447051" y="2230255"/>
+                  <a:chExt cx="813673" cy="737170"/>
+                </a:xfrm>
+              </p:grpSpPr>
+              <p:sp>
+                <p:nvSpPr>
+                  <p:cNvPr id="28" name="Rounded Rectangle 27">
+                    <a:extLst>
+                      <a:ext uri="{FF2B5EF4-FFF2-40B4-BE49-F238E27FC236}">
+                        <a16:creationId xmlns:a16="http://schemas.microsoft.com/office/drawing/2014/main" id="{5B190F87-E756-E542-88D9-536E6769BEDB}"/>
+                      </a:ext>
+                    </a:extLst>
+                  </p:cNvPr>
+                  <p:cNvSpPr/>
+                  <p:nvPr/>
+                </p:nvSpPr>
+                <p:spPr>
+                  <a:xfrm rot="18947416">
+                    <a:off x="1447051" y="2230255"/>
+                    <a:ext cx="813673" cy="737170"/>
+                  </a:xfrm>
+                  <a:prstGeom prst="roundRect">
+                    <a:avLst>
+                      <a:gd name="adj" fmla="val 38068"/>
+                    </a:avLst>
+                  </a:prstGeom>
+                  <a:solidFill>
+                    <a:srgbClr val="7E6EFC">
+                      <a:alpha val="77000"/>
+                    </a:srgbClr>
+                  </a:solidFill>
+                  <a:ln w="28575" cap="flat" cmpd="sng" algn="ctr">
+                    <a:noFill/>
+                    <a:prstDash val="solid"/>
+                    <a:miter lim="800000"/>
+                  </a:ln>
+                  <a:effectLst/>
+                </p:spPr>
+                <p:txBody>
+                  <a:bodyPr rtlCol="0" anchor="ctr"/>
+                  <a:lstStyle/>
+                  <a:p>
+                    <a:pPr marL="0" marR="0" lvl="0" indent="0" algn="ctr" defTabSz="914400" eaLnBrk="1" fontAlgn="auto" latinLnBrk="0" hangingPunct="1">
+                      <a:lnSpc>
+                        <a:spcPct val="100000"/>
+                      </a:lnSpc>
+                      <a:spcBef>
+                        <a:spcPts val="0"/>
+                      </a:spcBef>
+                      <a:spcAft>
+                        <a:spcPts val="0"/>
+                      </a:spcAft>
+                      <a:buClrTx/>
+                      <a:buSzTx/>
+                      <a:buFontTx/>
+                      <a:buNone/>
+                      <a:tabLst/>
+                      <a:defRPr/>
+                    </a:pPr>
+                    <a:endParaRPr kumimoji="0" lang="en-US" sz="1800" b="0" i="0" u="none" strike="noStrike" kern="0" cap="none" spc="0" normalizeH="0" baseline="0" noProof="0" dirty="0">
+                      <a:ln>
+                        <a:noFill/>
+                      </a:ln>
+                      <a:solidFill>
+                        <a:prstClr val="white"/>
+                      </a:solidFill>
+                      <a:effectLst/>
+                      <a:uLnTx/>
+                      <a:uFillTx/>
+                      <a:latin typeface="Calibri" panose="020F0502020204030204"/>
+                      <a:ea typeface="+mn-ea"/>
+                      <a:cs typeface="+mn-cs"/>
+                    </a:endParaRPr>
+                  </a:p>
+                </p:txBody>
+              </p:sp>
+              <p:sp>
+                <p:nvSpPr>
+                  <p:cNvPr id="30" name="Oval 29">
+                    <a:extLst>
+                      <a:ext uri="{FF2B5EF4-FFF2-40B4-BE49-F238E27FC236}">
+                        <a16:creationId xmlns:a16="http://schemas.microsoft.com/office/drawing/2014/main" id="{9227BCA7-0DCC-C24A-BF15-8A847212AAAE}"/>
+                      </a:ext>
+                    </a:extLst>
+                  </p:cNvPr>
+                  <p:cNvSpPr/>
+                  <p:nvPr/>
+                </p:nvSpPr>
+                <p:spPr>
+                  <a:xfrm>
+                    <a:off x="1664438" y="2401167"/>
+                    <a:ext cx="378899" cy="395346"/>
+                  </a:xfrm>
+                  <a:prstGeom prst="ellipse">
+                    <a:avLst/>
+                  </a:prstGeom>
+                  <a:solidFill>
+                    <a:srgbClr val="4730FC"/>
+                  </a:solidFill>
+                  <a:ln w="28575" cap="flat" cmpd="sng" algn="ctr">
+                    <a:noFill/>
+                    <a:prstDash val="solid"/>
+                    <a:miter lim="800000"/>
+                  </a:ln>
+                  <a:effectLst/>
+                </p:spPr>
+                <p:txBody>
+                  <a:bodyPr rtlCol="0" anchor="ctr"/>
+                  <a:lstStyle/>
+                  <a:p>
+                    <a:pPr marL="0" marR="0" lvl="0" indent="0" algn="ctr" defTabSz="914400" eaLnBrk="1" fontAlgn="auto" latinLnBrk="0" hangingPunct="1">
+                      <a:lnSpc>
+                        <a:spcPct val="100000"/>
+                      </a:lnSpc>
+                      <a:spcBef>
+                        <a:spcPts val="0"/>
+                      </a:spcBef>
+                      <a:spcAft>
+                        <a:spcPts val="0"/>
+                      </a:spcAft>
+                      <a:buClrTx/>
+                      <a:buSzTx/>
+                      <a:buFontTx/>
+                      <a:buNone/>
+                      <a:tabLst/>
+                      <a:defRPr/>
+                    </a:pPr>
+                    <a:endParaRPr kumimoji="0" lang="en-US" sz="1800" b="0" i="0" u="none" strike="noStrike" kern="0" cap="none" spc="0" normalizeH="0" baseline="0" noProof="0">
+                      <a:ln>
+                        <a:noFill/>
+                      </a:ln>
+                      <a:solidFill>
+                        <a:prstClr val="white"/>
+                      </a:solidFill>
+                      <a:effectLst/>
+                      <a:uLnTx/>
+                      <a:uFillTx/>
+                      <a:latin typeface="Calibri" panose="020F0502020204030204"/>
+                      <a:ea typeface="+mn-ea"/>
+                      <a:cs typeface="+mn-cs"/>
+                    </a:endParaRPr>
+                  </a:p>
+                </p:txBody>
+              </p:sp>
+            </p:grpSp>
+          </p:grpSp>
+        </p:grpSp>
+        <p:grpSp>
+          <p:nvGrpSpPr>
+            <p:cNvPr id="31" name="Group 30">
+              <a:extLst>
+                <a:ext uri="{FF2B5EF4-FFF2-40B4-BE49-F238E27FC236}">
+                  <a16:creationId xmlns:a16="http://schemas.microsoft.com/office/drawing/2014/main" id="{1F224A0B-094B-1246-92FE-60AEC43A5CC3}"/>
+                </a:ext>
+              </a:extLst>
+            </p:cNvPr>
+            <p:cNvGrpSpPr/>
+            <p:nvPr/>
+          </p:nvGrpSpPr>
+          <p:grpSpPr>
+            <a:xfrm>
+              <a:off x="7513081" y="3988504"/>
+              <a:ext cx="467855" cy="444033"/>
+              <a:chOff x="1129599" y="3378021"/>
+              <a:chExt cx="467855" cy="444033"/>
+            </a:xfrm>
+            <a:effectLst>
+              <a:outerShdw blurRad="50800" dist="38100" algn="l" rotWithShape="0">
+                <a:prstClr val="black">
+                  <a:alpha val="40000"/>
+                </a:prstClr>
+              </a:outerShdw>
+            </a:effectLst>
+          </p:grpSpPr>
+          <p:sp>
+            <p:nvSpPr>
+              <p:cNvPr id="32" name="Rectangle 31">
+                <a:extLst>
+                  <a:ext uri="{FF2B5EF4-FFF2-40B4-BE49-F238E27FC236}">
+                    <a16:creationId xmlns:a16="http://schemas.microsoft.com/office/drawing/2014/main" id="{143755A1-EA1F-4548-8241-820E168B1D6E}"/>
+                  </a:ext>
+                </a:extLst>
+              </p:cNvPr>
+              <p:cNvSpPr/>
+              <p:nvPr/>
+            </p:nvSpPr>
+            <p:spPr>
+              <a:xfrm>
+                <a:off x="1129599" y="3378021"/>
+                <a:ext cx="467855" cy="444033"/>
+              </a:xfrm>
+              <a:prstGeom prst="rect">
+                <a:avLst/>
+              </a:prstGeom>
+              <a:solidFill>
+                <a:sysClr val="window" lastClr="FFFFFF"/>
+              </a:solidFill>
+              <a:ln w="12700" cap="flat" cmpd="sng" algn="ctr">
+                <a:solidFill>
+                  <a:sysClr val="windowText" lastClr="000000">
+                    <a:lumMod val="75000"/>
+                    <a:lumOff val="25000"/>
+                  </a:sysClr>
+                </a:solidFill>
+                <a:prstDash val="solid"/>
+                <a:miter lim="800000"/>
+              </a:ln>
+              <a:effectLst/>
+            </p:spPr>
+            <p:txBody>
+              <a:bodyPr rtlCol="0" anchor="ctr"/>
+              <a:lstStyle/>
+              <a:p>
+                <a:pPr marL="0" marR="0" lvl="0" indent="0" algn="ctr" defTabSz="914400" eaLnBrk="1" fontAlgn="auto" latinLnBrk="0" hangingPunct="1">
+                  <a:lnSpc>
+                    <a:spcPct val="100000"/>
+                  </a:lnSpc>
+                  <a:spcBef>
+                    <a:spcPts val="0"/>
+                  </a:spcBef>
+                  <a:spcAft>
+                    <a:spcPts val="0"/>
+                  </a:spcAft>
+                  <a:buClrTx/>
+                  <a:buSzTx/>
+                  <a:buFontTx/>
+                  <a:buNone/>
+                  <a:tabLst/>
+                  <a:defRPr/>
+                </a:pPr>
+                <a:endParaRPr kumimoji="0" lang="en-US" sz="1800" b="0" i="0" u="none" strike="noStrike" kern="0" cap="none" spc="0" normalizeH="0" baseline="0" noProof="0">
+                  <a:ln>
+                    <a:noFill/>
+                  </a:ln>
+                  <a:solidFill>
+                    <a:prstClr val="white"/>
+                  </a:solidFill>
+                  <a:effectLst/>
+                  <a:uLnTx/>
+                  <a:uFillTx/>
+                  <a:latin typeface="Calibri" panose="020F0502020204030204"/>
+                  <a:ea typeface="+mn-ea"/>
+                  <a:cs typeface="+mn-cs"/>
+                </a:endParaRPr>
+              </a:p>
+            </p:txBody>
+          </p:sp>
+          <p:grpSp>
+            <p:nvGrpSpPr>
+              <p:cNvPr id="33" name="Group 32">
+                <a:extLst>
+                  <a:ext uri="{FF2B5EF4-FFF2-40B4-BE49-F238E27FC236}">
+                    <a16:creationId xmlns:a16="http://schemas.microsoft.com/office/drawing/2014/main" id="{B713B6FB-A51B-284C-A01F-08E1407121F1}"/>
+                  </a:ext>
+                </a:extLst>
+              </p:cNvPr>
+              <p:cNvGrpSpPr>
+                <a:grpSpLocks noChangeAspect="1"/>
+              </p:cNvGrpSpPr>
+              <p:nvPr/>
+            </p:nvGrpSpPr>
+            <p:grpSpPr>
+              <a:xfrm>
+                <a:off x="1167053" y="3418263"/>
+                <a:ext cx="392748" cy="383678"/>
+                <a:chOff x="1278675" y="2029522"/>
+                <a:chExt cx="1609491" cy="1572321"/>
+              </a:xfrm>
+            </p:grpSpPr>
+            <p:sp>
+              <p:nvSpPr>
+                <p:cNvPr id="34" name="Oval 33">
+                  <a:extLst>
+                    <a:ext uri="{FF2B5EF4-FFF2-40B4-BE49-F238E27FC236}">
+                      <a16:creationId xmlns:a16="http://schemas.microsoft.com/office/drawing/2014/main" id="{91B75AD1-C707-5F4C-9116-0A08CA4E47BF}"/>
+                    </a:ext>
+                  </a:extLst>
+                </p:cNvPr>
+                <p:cNvSpPr/>
+                <p:nvPr/>
+              </p:nvSpPr>
+              <p:spPr>
+                <a:xfrm>
+                  <a:off x="1278675" y="2029522"/>
+                  <a:ext cx="1609491" cy="1572321"/>
+                </a:xfrm>
+                <a:prstGeom prst="ellipse">
+                  <a:avLst/>
+                </a:prstGeom>
+                <a:noFill/>
+                <a:ln w="12700" cap="flat" cmpd="sng" algn="ctr">
+                  <a:solidFill>
+                    <a:sysClr val="windowText" lastClr="000000">
+                      <a:lumMod val="65000"/>
+                      <a:lumOff val="35000"/>
+                    </a:sysClr>
+                  </a:solidFill>
+                  <a:prstDash val="solid"/>
+                  <a:miter lim="800000"/>
+                </a:ln>
+                <a:effectLst/>
+              </p:spPr>
+              <p:txBody>
+                <a:bodyPr rtlCol="0" anchor="ctr"/>
+                <a:lstStyle/>
+                <a:p>
+                  <a:pPr marL="0" marR="0" lvl="0" indent="0" algn="ctr" defTabSz="914400" eaLnBrk="1" fontAlgn="auto" latinLnBrk="0" hangingPunct="1">
+                    <a:lnSpc>
+                      <a:spcPct val="100000"/>
+                    </a:lnSpc>
+                    <a:spcBef>
+                      <a:spcPts val="0"/>
+                    </a:spcBef>
+                    <a:spcAft>
+                      <a:spcPts val="0"/>
+                    </a:spcAft>
+                    <a:buClrTx/>
+                    <a:buSzTx/>
+                    <a:buFontTx/>
+                    <a:buNone/>
+                    <a:tabLst/>
+                    <a:defRPr/>
+                  </a:pPr>
+                  <a:endParaRPr kumimoji="0" lang="en-US" sz="1800" b="0" i="0" u="none" strike="noStrike" kern="0" cap="none" spc="0" normalizeH="0" baseline="0" noProof="0">
+                    <a:ln>
+                      <a:noFill/>
+                    </a:ln>
+                    <a:solidFill>
+                      <a:prstClr val="white"/>
+                    </a:solidFill>
+                    <a:effectLst/>
+                    <a:uLnTx/>
+                    <a:uFillTx/>
+                    <a:latin typeface="Calibri" panose="020F0502020204030204"/>
+                    <a:ea typeface="+mn-ea"/>
+                    <a:cs typeface="+mn-cs"/>
+                  </a:endParaRPr>
+                </a:p>
+              </p:txBody>
+            </p:sp>
+            <p:pic>
+              <p:nvPicPr>
+                <p:cNvPr id="35" name="Graphic 34" descr="Mitochondria with solid fill">
+                  <a:extLst>
+                    <a:ext uri="{FF2B5EF4-FFF2-40B4-BE49-F238E27FC236}">
+                      <a16:creationId xmlns:a16="http://schemas.microsoft.com/office/drawing/2014/main" id="{6018003C-8CC0-BA45-96C8-59891AF405DA}"/>
+                    </a:ext>
+                  </a:extLst>
+                </p:cNvPr>
+                <p:cNvPicPr>
+                  <a:picLocks noChangeAspect="1"/>
+                </p:cNvPicPr>
+                <p:nvPr/>
+              </p:nvPicPr>
+              <p:blipFill>
+                <a:blip r:embed="rId12">
+                  <a:extLst>
+                    <a:ext uri="{96DAC541-7B7A-43D3-8B79-37D633B846F1}">
+                      <asvg:svgBlip xmlns:asvg="http://schemas.microsoft.com/office/drawing/2016/SVG/main" r:embed="rId13"/>
+                    </a:ext>
+                  </a:extLst>
+                </a:blip>
+                <a:stretch>
+                  <a:fillRect/>
+                </a:stretch>
+              </p:blipFill>
+              <p:spPr>
+                <a:xfrm rot="21325333">
+                  <a:off x="1896233" y="2729956"/>
+                  <a:ext cx="833526" cy="833526"/>
+                </a:xfrm>
+                <a:prstGeom prst="rect">
+                  <a:avLst/>
+                </a:prstGeom>
+              </p:spPr>
+            </p:pic>
+            <p:grpSp>
+              <p:nvGrpSpPr>
+                <p:cNvPr id="36" name="Group 35">
+                  <a:extLst>
+                    <a:ext uri="{FF2B5EF4-FFF2-40B4-BE49-F238E27FC236}">
+                      <a16:creationId xmlns:a16="http://schemas.microsoft.com/office/drawing/2014/main" id="{F86BC609-F488-2B45-8241-6BBAFFA722C7}"/>
+                    </a:ext>
+                  </a:extLst>
+                </p:cNvPr>
+                <p:cNvGrpSpPr/>
+                <p:nvPr/>
+              </p:nvGrpSpPr>
+              <p:grpSpPr>
+                <a:xfrm>
+                  <a:off x="1447051" y="2230255"/>
+                  <a:ext cx="813673" cy="737170"/>
+                  <a:chOff x="1447051" y="2230255"/>
+                  <a:chExt cx="813673" cy="737170"/>
+                </a:xfrm>
+              </p:grpSpPr>
+              <p:sp>
+                <p:nvSpPr>
+                  <p:cNvPr id="37" name="Rounded Rectangle 36">
+                    <a:extLst>
+                      <a:ext uri="{FF2B5EF4-FFF2-40B4-BE49-F238E27FC236}">
+                        <a16:creationId xmlns:a16="http://schemas.microsoft.com/office/drawing/2014/main" id="{A63A817B-0B69-EE45-8B43-8F19BBB0A2BC}"/>
+                      </a:ext>
+                    </a:extLst>
+                  </p:cNvPr>
+                  <p:cNvSpPr/>
+                  <p:nvPr/>
+                </p:nvSpPr>
+                <p:spPr>
+                  <a:xfrm rot="18947416">
+                    <a:off x="1447051" y="2230255"/>
+                    <a:ext cx="813673" cy="737170"/>
+                  </a:xfrm>
+                  <a:prstGeom prst="roundRect">
+                    <a:avLst>
+                      <a:gd name="adj" fmla="val 38068"/>
+                    </a:avLst>
+                  </a:prstGeom>
+                  <a:solidFill>
+                    <a:srgbClr val="7E6EFC">
+                      <a:alpha val="77000"/>
+                    </a:srgbClr>
+                  </a:solidFill>
+                  <a:ln w="28575" cap="flat" cmpd="sng" algn="ctr">
+                    <a:noFill/>
+                    <a:prstDash val="solid"/>
+                    <a:miter lim="800000"/>
+                  </a:ln>
+                  <a:effectLst/>
+                </p:spPr>
+                <p:txBody>
+                  <a:bodyPr rtlCol="0" anchor="ctr"/>
+                  <a:lstStyle/>
+                  <a:p>
+                    <a:pPr marL="0" marR="0" lvl="0" indent="0" algn="ctr" defTabSz="914400" eaLnBrk="1" fontAlgn="auto" latinLnBrk="0" hangingPunct="1">
+                      <a:lnSpc>
+                        <a:spcPct val="100000"/>
+                      </a:lnSpc>
+                      <a:spcBef>
+                        <a:spcPts val="0"/>
+                      </a:spcBef>
+                      <a:spcAft>
+                        <a:spcPts val="0"/>
+                      </a:spcAft>
+                      <a:buClrTx/>
+                      <a:buSzTx/>
+                      <a:buFontTx/>
+                      <a:buNone/>
+                      <a:tabLst/>
+                      <a:defRPr/>
+                    </a:pPr>
+                    <a:endParaRPr kumimoji="0" lang="en-US" sz="1800" b="0" i="0" u="none" strike="noStrike" kern="0" cap="none" spc="0" normalizeH="0" baseline="0" noProof="0" dirty="0">
+                      <a:ln>
+                        <a:noFill/>
+                      </a:ln>
+                      <a:solidFill>
+                        <a:prstClr val="white"/>
+                      </a:solidFill>
+                      <a:effectLst/>
+                      <a:uLnTx/>
+                      <a:uFillTx/>
+                      <a:latin typeface="Calibri" panose="020F0502020204030204"/>
+                      <a:ea typeface="+mn-ea"/>
+                      <a:cs typeface="+mn-cs"/>
+                    </a:endParaRPr>
+                  </a:p>
+                </p:txBody>
+              </p:sp>
+              <p:sp>
+                <p:nvSpPr>
+                  <p:cNvPr id="38" name="Oval 37">
+                    <a:extLst>
+                      <a:ext uri="{FF2B5EF4-FFF2-40B4-BE49-F238E27FC236}">
+                        <a16:creationId xmlns:a16="http://schemas.microsoft.com/office/drawing/2014/main" id="{DA4EEAFA-9F6B-6045-BF11-BD02A0914AE1}"/>
+                      </a:ext>
+                    </a:extLst>
+                  </p:cNvPr>
+                  <p:cNvSpPr/>
+                  <p:nvPr/>
+                </p:nvSpPr>
+                <p:spPr>
+                  <a:xfrm>
+                    <a:off x="1664438" y="2401167"/>
+                    <a:ext cx="378899" cy="395346"/>
+                  </a:xfrm>
+                  <a:prstGeom prst="ellipse">
+                    <a:avLst/>
+                  </a:prstGeom>
+                  <a:solidFill>
+                    <a:srgbClr val="4730FC"/>
+                  </a:solidFill>
+                  <a:ln w="28575" cap="flat" cmpd="sng" algn="ctr">
+                    <a:noFill/>
+                    <a:prstDash val="solid"/>
+                    <a:miter lim="800000"/>
+                  </a:ln>
+                  <a:effectLst/>
+                </p:spPr>
+                <p:txBody>
+                  <a:bodyPr rtlCol="0" anchor="ctr"/>
+                  <a:lstStyle/>
+                  <a:p>
+                    <a:pPr marL="0" marR="0" lvl="0" indent="0" algn="ctr" defTabSz="914400" eaLnBrk="1" fontAlgn="auto" latinLnBrk="0" hangingPunct="1">
+                      <a:lnSpc>
+                        <a:spcPct val="100000"/>
+                      </a:lnSpc>
+                      <a:spcBef>
+                        <a:spcPts val="0"/>
+                      </a:spcBef>
+                      <a:spcAft>
+                        <a:spcPts val="0"/>
+                      </a:spcAft>
+                      <a:buClrTx/>
+                      <a:buSzTx/>
+                      <a:buFontTx/>
+                      <a:buNone/>
+                      <a:tabLst/>
+                      <a:defRPr/>
+                    </a:pPr>
+                    <a:endParaRPr kumimoji="0" lang="en-US" sz="1800" b="0" i="0" u="none" strike="noStrike" kern="0" cap="none" spc="0" normalizeH="0" baseline="0" noProof="0">
+                      <a:ln>
+                        <a:noFill/>
+                      </a:ln>
+                      <a:solidFill>
+                        <a:prstClr val="white"/>
+                      </a:solidFill>
+                      <a:effectLst/>
+                      <a:uLnTx/>
+                      <a:uFillTx/>
+                      <a:latin typeface="Calibri" panose="020F0502020204030204"/>
+                      <a:ea typeface="+mn-ea"/>
+                      <a:cs typeface="+mn-cs"/>
+                    </a:endParaRPr>
+                  </a:p>
+                </p:txBody>
+              </p:sp>
+            </p:grpSp>
+          </p:grpSp>
+        </p:grpSp>
+        <p:pic>
+          <p:nvPicPr>
+            <p:cNvPr id="39" name="Graphic 38" descr="Research with solid fill">
+              <a:extLst>
+                <a:ext uri="{FF2B5EF4-FFF2-40B4-BE49-F238E27FC236}">
+                  <a16:creationId xmlns:a16="http://schemas.microsoft.com/office/drawing/2014/main" id="{ECB1BD1E-69CB-FA49-A5D2-89161DD82057}"/>
+                </a:ext>
+              </a:extLst>
+            </p:cNvPr>
+            <p:cNvPicPr>
+              <a:picLocks noChangeAspect="1"/>
+            </p:cNvPicPr>
+            <p:nvPr/>
+          </p:nvPicPr>
+          <p:blipFill>
+            <a:blip r:embed="rId14">
+              <a:extLst>
+                <a:ext uri="{96DAC541-7B7A-43D3-8B79-37D633B846F1}">
+                  <asvg:svgBlip xmlns:asvg="http://schemas.microsoft.com/office/drawing/2016/SVG/main" r:embed="rId15"/>
+                </a:ext>
+              </a:extLst>
+            </a:blip>
+            <a:stretch>
+              <a:fillRect/>
+            </a:stretch>
+          </p:blipFill>
+          <p:spPr>
+            <a:xfrm>
+              <a:off x="7937402" y="4271332"/>
+              <a:ext cx="401030" cy="401030"/>
+            </a:xfrm>
+            <a:prstGeom prst="rect">
+              <a:avLst/>
+            </a:prstGeom>
+          </p:spPr>
+        </p:pic>
+      </p:grpSp>
+      <p:pic>
+        <p:nvPicPr>
+          <p:cNvPr id="1026" name="Picture 2">
+            <a:extLst>
+              <a:ext uri="{FF2B5EF4-FFF2-40B4-BE49-F238E27FC236}">
+                <a16:creationId xmlns:a16="http://schemas.microsoft.com/office/drawing/2014/main" id="{4B7080C5-D305-D047-89B2-474B99E9F9FB}"/>
+              </a:ext>
+            </a:extLst>
+          </p:cNvPr>
+          <p:cNvPicPr>
+            <a:picLocks noChangeAspect="1" noChangeArrowheads="1"/>
+          </p:cNvPicPr>
+          <p:nvPr/>
+        </p:nvPicPr>
+        <p:blipFill>
+          <a:blip r:embed="rId16">
+            <a:extLst>
+              <a:ext uri="{28A0092B-C50C-407E-A947-70E740481C1C}">
+                <a14:useLocalDpi xmlns:a14="http://schemas.microsoft.com/office/drawing/2010/main" val="0"/>
+              </a:ext>
+            </a:extLst>
+          </a:blip>
+          <a:srcRect/>
+          <a:stretch>
+            <a:fillRect/>
+          </a:stretch>
+        </p:blipFill>
+        <p:spPr bwMode="auto">
+          <a:xfrm>
+            <a:off x="5343454" y="3264196"/>
+            <a:ext cx="669504" cy="776028"/>
+          </a:xfrm>
+          <a:prstGeom prst="rect">
+            <a:avLst/>
+          </a:prstGeom>
+          <a:noFill/>
+          <a:extLst>
+            <a:ext uri="{909E8E84-426E-40DD-AFC4-6F175D3DCCD1}">
+              <a14:hiddenFill xmlns:a14="http://schemas.microsoft.com/office/drawing/2010/main">
+                <a:solidFill>
+                  <a:srgbClr val="FFFFFF"/>
+                </a:solidFill>
+              </a14:hiddenFill>
+            </a:ext>
+          </a:extLst>
+        </p:spPr>
+      </p:pic>
+      <p:pic>
+        <p:nvPicPr>
+          <p:cNvPr id="1028" name="Picture 4">
+            <a:extLst>
+              <a:ext uri="{FF2B5EF4-FFF2-40B4-BE49-F238E27FC236}">
+                <a16:creationId xmlns:a16="http://schemas.microsoft.com/office/drawing/2014/main" id="{DA7E7556-EFC7-EA41-8666-45EBC95972AE}"/>
+              </a:ext>
+            </a:extLst>
+          </p:cNvPr>
+          <p:cNvPicPr>
+            <a:picLocks noChangeAspect="1" noChangeArrowheads="1"/>
+          </p:cNvPicPr>
+          <p:nvPr/>
+        </p:nvPicPr>
+        <p:blipFill>
+          <a:blip r:embed="rId17">
+            <a:extLst>
+              <a:ext uri="{28A0092B-C50C-407E-A947-70E740481C1C}">
+                <a14:useLocalDpi xmlns:a14="http://schemas.microsoft.com/office/drawing/2010/main" val="0"/>
+              </a:ext>
+            </a:extLst>
+          </a:blip>
+          <a:srcRect/>
+          <a:stretch>
+            <a:fillRect/>
+          </a:stretch>
+        </p:blipFill>
+        <p:spPr bwMode="auto">
+          <a:xfrm>
+            <a:off x="6169009" y="3322914"/>
+            <a:ext cx="669504" cy="669504"/>
+          </a:xfrm>
+          <a:prstGeom prst="rect">
+            <a:avLst/>
+          </a:prstGeom>
+          <a:noFill/>
+          <a:extLst>
+            <a:ext uri="{909E8E84-426E-40DD-AFC4-6F175D3DCCD1}">
+              <a14:hiddenFill xmlns:a14="http://schemas.microsoft.com/office/drawing/2010/main">
+                <a:solidFill>
+                  <a:srgbClr val="FFFFFF"/>
+                </a:solidFill>
+              </a14:hiddenFill>
+            </a:ext>
+          </a:extLst>
+        </p:spPr>
+      </p:pic>
+      <p:sp>
+        <p:nvSpPr>
+          <p:cNvPr id="40" name="TextBox 39">
+            <a:extLst>
+              <a:ext uri="{FF2B5EF4-FFF2-40B4-BE49-F238E27FC236}">
+                <a16:creationId xmlns:a16="http://schemas.microsoft.com/office/drawing/2014/main" id="{157CBBBF-97A8-B843-B3F7-D9EDE9A9A9D2}"/>
+              </a:ext>
+            </a:extLst>
+          </p:cNvPr>
+          <p:cNvSpPr txBox="1"/>
+          <p:nvPr/>
+        </p:nvSpPr>
+        <p:spPr>
+          <a:xfrm>
+            <a:off x="4995945" y="4261204"/>
+            <a:ext cx="2200110" cy="307777"/>
+          </a:xfrm>
+          <a:prstGeom prst="rect">
+            <a:avLst/>
+          </a:prstGeom>
+          <a:noFill/>
+        </p:spPr>
+        <p:txBody>
+          <a:bodyPr wrap="square" rtlCol="0">
+            <a:spAutoFit/>
+          </a:bodyPr>
+          <a:lstStyle/>
+          <a:p>
+            <a:pPr algn="ctr"/>
+            <a:r>
+              <a:rPr lang="en-US" sz="1400" dirty="0">
+                <a:solidFill>
+                  <a:srgbClr val="0070C0"/>
+                </a:solidFill>
+                <a:latin typeface=""/>
+              </a:rPr>
+              <a:t>User interacts with a CLI</a:t>
+            </a:r>
+          </a:p>
+        </p:txBody>
+      </p:sp>
+      <p:pic>
+        <p:nvPicPr>
+          <p:cNvPr id="41" name="Graphic 40" descr="Table with solid fill">
+            <a:extLst>
+              <a:ext uri="{FF2B5EF4-FFF2-40B4-BE49-F238E27FC236}">
+                <a16:creationId xmlns:a16="http://schemas.microsoft.com/office/drawing/2014/main" id="{D1A815DF-5C6F-074B-BF14-241E14150C7A}"/>
+              </a:ext>
+            </a:extLst>
+          </p:cNvPr>
+          <p:cNvPicPr>
+            <a:picLocks noChangeAspect="1"/>
+          </p:cNvPicPr>
+          <p:nvPr/>
+        </p:nvPicPr>
+        <p:blipFill>
+          <a:blip r:embed="rId18">
+            <a:extLst>
+              <a:ext uri="{96DAC541-7B7A-43D3-8B79-37D633B846F1}">
+                <asvg:svgBlip xmlns:asvg="http://schemas.microsoft.com/office/drawing/2016/SVG/main" r:embed="rId19"/>
+              </a:ext>
+            </a:extLst>
+          </a:blip>
+          <a:stretch>
+            <a:fillRect/>
+          </a:stretch>
+        </p:blipFill>
+        <p:spPr>
+          <a:xfrm>
+            <a:off x="8901001" y="3329807"/>
+            <a:ext cx="592907" cy="592907"/>
+          </a:xfrm>
+          <a:prstGeom prst="rect">
+            <a:avLst/>
+          </a:prstGeom>
+        </p:spPr>
+      </p:pic>
+      <p:sp>
+        <p:nvSpPr>
+          <p:cNvPr id="42" name="TextBox 41">
+            <a:extLst>
+              <a:ext uri="{FF2B5EF4-FFF2-40B4-BE49-F238E27FC236}">
+                <a16:creationId xmlns:a16="http://schemas.microsoft.com/office/drawing/2014/main" id="{84E89A23-439D-B545-B290-CAC9397DEB30}"/>
+              </a:ext>
+            </a:extLst>
+          </p:cNvPr>
+          <p:cNvSpPr txBox="1"/>
+          <p:nvPr/>
+        </p:nvSpPr>
+        <p:spPr>
+          <a:xfrm>
+            <a:off x="8763005" y="3806561"/>
+            <a:ext cx="944489" cy="276999"/>
+          </a:xfrm>
+          <a:prstGeom prst="rect">
+            <a:avLst/>
+          </a:prstGeom>
+          <a:noFill/>
+        </p:spPr>
+        <p:txBody>
+          <a:bodyPr wrap="none" rtlCol="0">
+            <a:spAutoFit/>
+          </a:bodyPr>
+          <a:lstStyle/>
+          <a:p>
+            <a:pPr algn="ctr"/>
+            <a:r>
+              <a:rPr lang="en-US" sz="1200" dirty="0">
+                <a:solidFill>
+                  <a:schemeClr val="tx1">
+                    <a:lumMod val="65000"/>
+                    <a:lumOff val="35000"/>
+                  </a:schemeClr>
+                </a:solidFill>
+                <a:latin typeface=""/>
+              </a:rPr>
+              <a:t>Data frame</a:t>
+            </a:r>
+          </a:p>
+        </p:txBody>
+      </p:sp>
+      <p:pic>
+        <p:nvPicPr>
+          <p:cNvPr id="1030" name="Picture 6">
+            <a:extLst>
+              <a:ext uri="{FF2B5EF4-FFF2-40B4-BE49-F238E27FC236}">
+                <a16:creationId xmlns:a16="http://schemas.microsoft.com/office/drawing/2014/main" id="{503BB0CB-E400-9049-8039-ABA6DC8D108A}"/>
+              </a:ext>
+            </a:extLst>
+          </p:cNvPr>
+          <p:cNvPicPr>
+            <a:picLocks noChangeAspect="1" noChangeArrowheads="1"/>
+          </p:cNvPicPr>
+          <p:nvPr/>
+        </p:nvPicPr>
+        <p:blipFill>
+          <a:blip r:embed="rId20">
+            <a:extLst>
+              <a:ext uri="{28A0092B-C50C-407E-A947-70E740481C1C}">
+                <a14:useLocalDpi xmlns:a14="http://schemas.microsoft.com/office/drawing/2010/main" val="0"/>
+              </a:ext>
+            </a:extLst>
+          </a:blip>
+          <a:srcRect/>
+          <a:stretch>
+            <a:fillRect/>
+          </a:stretch>
+        </p:blipFill>
+        <p:spPr bwMode="auto">
+          <a:xfrm>
+            <a:off x="2423582" y="3264195"/>
+            <a:ext cx="739705" cy="739705"/>
+          </a:xfrm>
+          <a:prstGeom prst="rect">
+            <a:avLst/>
+          </a:prstGeom>
+          <a:noFill/>
+          <a:extLst>
+            <a:ext uri="{909E8E84-426E-40DD-AFC4-6F175D3DCCD1}">
+              <a14:hiddenFill xmlns:a14="http://schemas.microsoft.com/office/drawing/2010/main">
+                <a:solidFill>
+                  <a:srgbClr val="FFFFFF"/>
+                </a:solidFill>
+              </a14:hiddenFill>
+            </a:ext>
+          </a:extLst>
+        </p:spPr>
+      </p:pic>
+      <p:sp>
+        <p:nvSpPr>
+          <p:cNvPr id="6" name="Right Arrow 5">
+            <a:extLst>
+              <a:ext uri="{FF2B5EF4-FFF2-40B4-BE49-F238E27FC236}">
+                <a16:creationId xmlns:a16="http://schemas.microsoft.com/office/drawing/2014/main" id="{5EB10879-4816-9A45-9EC9-747416568AB5}"/>
+              </a:ext>
+            </a:extLst>
+          </p:cNvPr>
+          <p:cNvSpPr/>
+          <p:nvPr/>
+        </p:nvSpPr>
+        <p:spPr>
+          <a:xfrm>
+            <a:off x="3712684" y="3056827"/>
+            <a:ext cx="1002535" cy="545689"/>
+          </a:xfrm>
+          <a:prstGeom prst="rightArrow">
+            <a:avLst/>
+          </a:prstGeom>
+          <a:solidFill>
+            <a:schemeClr val="tx1">
+              <a:lumMod val="50000"/>
+              <a:lumOff val="50000"/>
+            </a:schemeClr>
+          </a:solidFill>
+          <a:ln>
+            <a:solidFill>
+              <a:schemeClr val="tx1">
+                <a:lumMod val="50000"/>
+                <a:lumOff val="50000"/>
+              </a:schemeClr>
+            </a:solidFill>
+          </a:ln>
+        </p:spPr>
+        <p:style>
+          <a:lnRef idx="2">
+            <a:schemeClr val="accent1">
+              <a:shade val="50000"/>
+            </a:schemeClr>
+          </a:lnRef>
+          <a:fillRef idx="1">
+            <a:schemeClr val="accent1"/>
+          </a:fillRef>
+          <a:effectRef idx="0">
+            <a:schemeClr val="accent1"/>
+          </a:effectRef>
+          <a:fontRef idx="minor">
+            <a:schemeClr val="lt1"/>
+          </a:fontRef>
+        </p:style>
+        <p:txBody>
+          <a:bodyPr rtlCol="0" anchor="ctr"/>
+          <a:lstStyle/>
+          <a:p>
+            <a:pPr algn="ctr"/>
+            <a:endParaRPr lang="en-US"/>
+          </a:p>
+        </p:txBody>
+      </p:sp>
+      <p:sp>
+        <p:nvSpPr>
+          <p:cNvPr id="45" name="Right Arrow 44">
+            <a:extLst>
+              <a:ext uri="{FF2B5EF4-FFF2-40B4-BE49-F238E27FC236}">
+                <a16:creationId xmlns:a16="http://schemas.microsoft.com/office/drawing/2014/main" id="{8F87EE1E-D66B-CB4C-A185-DD7E20878A5F}"/>
+              </a:ext>
+            </a:extLst>
+          </p:cNvPr>
+          <p:cNvSpPr/>
+          <p:nvPr/>
+        </p:nvSpPr>
+        <p:spPr>
+          <a:xfrm>
+            <a:off x="7442007" y="3056826"/>
+            <a:ext cx="1002535" cy="545689"/>
+          </a:xfrm>
+          <a:prstGeom prst="rightArrow">
+            <a:avLst/>
+          </a:prstGeom>
+          <a:solidFill>
+            <a:schemeClr val="tx1">
+              <a:lumMod val="50000"/>
+              <a:lumOff val="50000"/>
+            </a:schemeClr>
+          </a:solidFill>
+          <a:ln>
+            <a:solidFill>
+              <a:schemeClr val="tx1">
+                <a:lumMod val="50000"/>
+                <a:lumOff val="50000"/>
+              </a:schemeClr>
+            </a:solidFill>
+          </a:ln>
+        </p:spPr>
+        <p:style>
+          <a:lnRef idx="2">
+            <a:schemeClr val="accent1">
+              <a:shade val="50000"/>
+            </a:schemeClr>
+          </a:lnRef>
+          <a:fillRef idx="1">
+            <a:schemeClr val="accent1"/>
+          </a:fillRef>
+          <a:effectRef idx="0">
+            <a:schemeClr val="accent1"/>
+          </a:effectRef>
+          <a:fontRef idx="minor">
+            <a:schemeClr val="lt1"/>
+          </a:fontRef>
+        </p:style>
+        <p:txBody>
+          <a:bodyPr rtlCol="0" anchor="ctr"/>
+          <a:lstStyle/>
+          <a:p>
+            <a:pPr algn="ctr"/>
+            <a:endParaRPr lang="en-US"/>
           </a:p>
         </p:txBody>
       </p:sp>
     </p:spTree>
     <p:extLst>
       <p:ext uri="{BB962C8B-B14F-4D97-AF65-F5344CB8AC3E}">
-        <p14:creationId xmlns:p14="http://schemas.microsoft.com/office/powerpoint/2010/main" val="3169448365"/>
+        <p14:creationId xmlns:p14="http://schemas.microsoft.com/office/powerpoint/2010/main" val="4089279228"/>
       </p:ext>
     </p:extLst>
   </p:cSld>
@@ -6978,6 +9007,428 @@
                 <a:latin typeface="Dotum" panose="020B0600000101010101" pitchFamily="34" charset="-127"/>
                 <a:ea typeface="Dotum" panose="020B0600000101010101" pitchFamily="34" charset="-127"/>
               </a:rPr>
+              <a:t>Working with FISH images</a:t>
+            </a:r>
+          </a:p>
+        </p:txBody>
+      </p:sp>
+      <p:sp>
+        <p:nvSpPr>
+          <p:cNvPr id="44" name="TextBox 43">
+            <a:extLst>
+              <a:ext uri="{FF2B5EF4-FFF2-40B4-BE49-F238E27FC236}">
+                <a16:creationId xmlns:a16="http://schemas.microsoft.com/office/drawing/2014/main" id="{7CC2D5B3-1BEA-3E4C-8C94-8A83994AE78A}"/>
+              </a:ext>
+            </a:extLst>
+          </p:cNvPr>
+          <p:cNvSpPr txBox="1"/>
+          <p:nvPr/>
+        </p:nvSpPr>
+        <p:spPr>
+          <a:xfrm>
+            <a:off x="6482645" y="2631218"/>
+            <a:ext cx="2106481" cy="523220"/>
+          </a:xfrm>
+          <a:prstGeom prst="rect">
+            <a:avLst/>
+          </a:prstGeom>
+          <a:noFill/>
+        </p:spPr>
+        <p:txBody>
+          <a:bodyPr wrap="square" rtlCol="0">
+            <a:spAutoFit/>
+          </a:bodyPr>
+          <a:lstStyle/>
+          <a:p>
+            <a:pPr marL="0" marR="0" lvl="0" indent="0" algn="ctr" defTabSz="914400" eaLnBrk="1" fontAlgn="auto" latinLnBrk="0" hangingPunct="1">
+              <a:lnSpc>
+                <a:spcPct val="100000"/>
+              </a:lnSpc>
+              <a:spcBef>
+                <a:spcPts val="0"/>
+              </a:spcBef>
+              <a:spcAft>
+                <a:spcPts val="0"/>
+              </a:spcAft>
+              <a:buClrTx/>
+              <a:buSzTx/>
+              <a:buFontTx/>
+              <a:buNone/>
+              <a:tabLst/>
+              <a:defRPr/>
+            </a:pPr>
+            <a:r>
+              <a:rPr kumimoji="0" lang="en-US" sz="1400" b="0" i="0" u="none" strike="noStrike" kern="0" cap="none" spc="0" normalizeH="0" baseline="0" noProof="0" dirty="0">
+                <a:ln>
+                  <a:noFill/>
+                </a:ln>
+                <a:solidFill>
+                  <a:schemeClr val="bg1">
+                    <a:lumMod val="95000"/>
+                    <a:lumOff val="5000"/>
+                  </a:schemeClr>
+                </a:solidFill>
+                <a:effectLst/>
+                <a:uLnTx/>
+                <a:uFillTx/>
+                <a:latin typeface="Arial" panose="020B0604020202020204" pitchFamily="34" charset="0"/>
+                <a:cs typeface="Arial" panose="020B0604020202020204" pitchFamily="34" charset="0"/>
+              </a:rPr>
+              <a:t>Visualization and Interpretation</a:t>
+            </a:r>
+          </a:p>
+        </p:txBody>
+      </p:sp>
+      <p:pic>
+        <p:nvPicPr>
+          <p:cNvPr id="5" name="Picture 4">
+            <a:extLst>
+              <a:ext uri="{FF2B5EF4-FFF2-40B4-BE49-F238E27FC236}">
+                <a16:creationId xmlns:a16="http://schemas.microsoft.com/office/drawing/2014/main" id="{75B7BE83-773E-9C45-B251-DCBB6B57030E}"/>
+              </a:ext>
+            </a:extLst>
+          </p:cNvPr>
+          <p:cNvPicPr>
+            <a:picLocks noChangeAspect="1"/>
+          </p:cNvPicPr>
+          <p:nvPr/>
+        </p:nvPicPr>
+        <p:blipFill>
+          <a:blip r:embed="rId6"/>
+          <a:stretch>
+            <a:fillRect/>
+          </a:stretch>
+        </p:blipFill>
+        <p:spPr>
+          <a:xfrm>
+            <a:off x="1041706" y="2631218"/>
+            <a:ext cx="1409700" cy="1879600"/>
+          </a:xfrm>
+          <a:prstGeom prst="rect">
+            <a:avLst/>
+          </a:prstGeom>
+        </p:spPr>
+      </p:pic>
+      <p:pic>
+        <p:nvPicPr>
+          <p:cNvPr id="6" name="Picture 5">
+            <a:extLst>
+              <a:ext uri="{FF2B5EF4-FFF2-40B4-BE49-F238E27FC236}">
+                <a16:creationId xmlns:a16="http://schemas.microsoft.com/office/drawing/2014/main" id="{DBAF8EFF-8D29-1040-AD45-B1F93BB290D8}"/>
+              </a:ext>
+            </a:extLst>
+          </p:cNvPr>
+          <p:cNvPicPr>
+            <a:picLocks noChangeAspect="1"/>
+          </p:cNvPicPr>
+          <p:nvPr/>
+        </p:nvPicPr>
+        <p:blipFill>
+          <a:blip r:embed="rId7"/>
+          <a:stretch>
+            <a:fillRect/>
+          </a:stretch>
+        </p:blipFill>
+        <p:spPr>
+          <a:xfrm>
+            <a:off x="2918069" y="2549525"/>
+            <a:ext cx="1219200" cy="1758950"/>
+          </a:xfrm>
+          <a:prstGeom prst="rect">
+            <a:avLst/>
+          </a:prstGeom>
+        </p:spPr>
+      </p:pic>
+    </p:spTree>
+    <p:extLst>
+      <p:ext uri="{BB962C8B-B14F-4D97-AF65-F5344CB8AC3E}">
+        <p14:creationId xmlns:p14="http://schemas.microsoft.com/office/powerpoint/2010/main" val="3169448365"/>
+      </p:ext>
+    </p:extLst>
+  </p:cSld>
+  <p:clrMapOvr>
+    <a:masterClrMapping/>
+  </p:clrMapOvr>
+</p:sld>
+</file>
+
+<file path=ppt/slides/slide7.xml><?xml version="1.0" encoding="utf-8"?>
+<p:sld xmlns:a="http://schemas.openxmlformats.org/drawingml/2006/main" xmlns:r="http://schemas.openxmlformats.org/officeDocument/2006/relationships" xmlns:p="http://schemas.openxmlformats.org/presentationml/2006/main">
+  <p:cSld>
+    <p:spTree>
+      <p:nvGrpSpPr>
+        <p:cNvPr id="1" name=""/>
+        <p:cNvGrpSpPr/>
+        <p:nvPr/>
+      </p:nvGrpSpPr>
+      <p:grpSpPr>
+        <a:xfrm>
+          <a:off x="0" y="0"/>
+          <a:ext cx="0" cy="0"/>
+          <a:chOff x="0" y="0"/>
+          <a:chExt cx="0" cy="0"/>
+        </a:xfrm>
+      </p:grpSpPr>
+      <p:sp>
+        <p:nvSpPr>
+          <p:cNvPr id="4" name="TextBox 3">
+            <a:extLst>
+              <a:ext uri="{FF2B5EF4-FFF2-40B4-BE49-F238E27FC236}">
+                <a16:creationId xmlns:a16="http://schemas.microsoft.com/office/drawing/2014/main" id="{B99285A4-A033-C74F-9499-E545F95BE0AA}"/>
+              </a:ext>
+            </a:extLst>
+          </p:cNvPr>
+          <p:cNvSpPr txBox="1"/>
+          <p:nvPr/>
+        </p:nvSpPr>
+        <p:spPr>
+          <a:xfrm>
+            <a:off x="737999" y="127407"/>
+            <a:ext cx="1967205" cy="523220"/>
+          </a:xfrm>
+          <a:prstGeom prst="rect">
+            <a:avLst/>
+          </a:prstGeom>
+          <a:noFill/>
+        </p:spPr>
+        <p:txBody>
+          <a:bodyPr wrap="none" rtlCol="0">
+            <a:spAutoFit/>
+          </a:bodyPr>
+          <a:lstStyle/>
+          <a:p>
+            <a:r>
+              <a:rPr lang="en-US" sz="2800" b="1" dirty="0">
+                <a:solidFill>
+                  <a:srgbClr val="2929C4"/>
+                </a:solidFill>
+                <a:latin typeface="Dotum" panose="020B0600000101010101" pitchFamily="34" charset="-127"/>
+                <a:ea typeface="Dotum" panose="020B0600000101010101" pitchFamily="34" charset="-127"/>
+                <a:cs typeface="Al Bayan Plain" pitchFamily="2" charset="-78"/>
+              </a:rPr>
+              <a:t>CropArray</a:t>
+            </a:r>
+            <a:r>
+              <a:rPr lang="en-US" sz="2800" b="1" dirty="0">
+                <a:latin typeface="Dotum" panose="020B0600000101010101" pitchFamily="34" charset="-127"/>
+                <a:ea typeface="Dotum" panose="020B0600000101010101" pitchFamily="34" charset="-127"/>
+                <a:cs typeface="Al Bayan Plain" pitchFamily="2" charset="-78"/>
+              </a:rPr>
+              <a:t> </a:t>
+            </a:r>
+          </a:p>
+        </p:txBody>
+      </p:sp>
+      <p:sp>
+        <p:nvSpPr>
+          <p:cNvPr id="14" name="Rounded Rectangle 13">
+            <a:extLst>
+              <a:ext uri="{FF2B5EF4-FFF2-40B4-BE49-F238E27FC236}">
+                <a16:creationId xmlns:a16="http://schemas.microsoft.com/office/drawing/2014/main" id="{2CD7946B-362F-0549-8A7B-BFB2BEEDC5F5}"/>
+              </a:ext>
+            </a:extLst>
+          </p:cNvPr>
+          <p:cNvSpPr/>
+          <p:nvPr/>
+        </p:nvSpPr>
+        <p:spPr>
+          <a:xfrm>
+            <a:off x="37071" y="0"/>
+            <a:ext cx="535622" cy="6858000"/>
+          </a:xfrm>
+          <a:prstGeom prst="roundRect">
+            <a:avLst>
+              <a:gd name="adj" fmla="val 5997"/>
+            </a:avLst>
+          </a:prstGeom>
+          <a:solidFill>
+            <a:srgbClr val="2929C4"/>
+          </a:solidFill>
+          <a:ln>
+            <a:noFill/>
+          </a:ln>
+        </p:spPr>
+        <p:style>
+          <a:lnRef idx="2">
+            <a:schemeClr val="accent1">
+              <a:shade val="50000"/>
+            </a:schemeClr>
+          </a:lnRef>
+          <a:fillRef idx="1">
+            <a:schemeClr val="accent1"/>
+          </a:fillRef>
+          <a:effectRef idx="0">
+            <a:schemeClr val="accent1"/>
+          </a:effectRef>
+          <a:fontRef idx="minor">
+            <a:schemeClr val="lt1"/>
+          </a:fontRef>
+        </p:style>
+        <p:txBody>
+          <a:bodyPr rtlCol="0" anchor="ctr"/>
+          <a:lstStyle/>
+          <a:p>
+            <a:pPr algn="ctr"/>
+            <a:endParaRPr lang="en-US"/>
+          </a:p>
+        </p:txBody>
+      </p:sp>
+      <p:sp>
+        <p:nvSpPr>
+          <p:cNvPr id="16" name="TextBox 15">
+            <a:extLst>
+              <a:ext uri="{FF2B5EF4-FFF2-40B4-BE49-F238E27FC236}">
+                <a16:creationId xmlns:a16="http://schemas.microsoft.com/office/drawing/2014/main" id="{B917ED39-3451-E74C-8D70-A5B9F5DF3DCB}"/>
+              </a:ext>
+            </a:extLst>
+          </p:cNvPr>
+          <p:cNvSpPr txBox="1"/>
+          <p:nvPr/>
+        </p:nvSpPr>
+        <p:spPr>
+          <a:xfrm>
+            <a:off x="737999" y="944475"/>
+            <a:ext cx="6477309" cy="461665"/>
+          </a:xfrm>
+          <a:prstGeom prst="rect">
+            <a:avLst/>
+          </a:prstGeom>
+          <a:noFill/>
+        </p:spPr>
+        <p:txBody>
+          <a:bodyPr wrap="square">
+            <a:spAutoFit/>
+          </a:bodyPr>
+          <a:lstStyle/>
+          <a:p>
+            <a:r>
+              <a:rPr lang="en-US" sz="2400" b="1" dirty="0">
+                <a:solidFill>
+                  <a:schemeClr val="accent4">
+                    <a:lumMod val="75000"/>
+                  </a:schemeClr>
+                </a:solidFill>
+                <a:latin typeface="Dotum" panose="020B0600000101010101" pitchFamily="34" charset="-127"/>
+                <a:ea typeface="Dotum" panose="020B0600000101010101" pitchFamily="34" charset="-127"/>
+                <a:cs typeface="Al Bayan Plain" pitchFamily="2" charset="-78"/>
+              </a:rPr>
+              <a:t>Applications</a:t>
+            </a:r>
+            <a:endParaRPr lang="en-US" sz="2400" dirty="0">
+              <a:solidFill>
+                <a:schemeClr val="accent4">
+                  <a:lumMod val="75000"/>
+                </a:schemeClr>
+              </a:solidFill>
+            </a:endParaRPr>
+          </a:p>
+        </p:txBody>
+      </p:sp>
+      <p:pic>
+        <p:nvPicPr>
+          <p:cNvPr id="29" name="Graphic 28" descr="Illustrator with solid fill">
+            <a:extLst>
+              <a:ext uri="{FF2B5EF4-FFF2-40B4-BE49-F238E27FC236}">
+                <a16:creationId xmlns:a16="http://schemas.microsoft.com/office/drawing/2014/main" id="{C74DC83B-BED1-5840-8C24-5E652AE5702A}"/>
+              </a:ext>
+            </a:extLst>
+          </p:cNvPr>
+          <p:cNvPicPr>
+            <a:picLocks noChangeAspect="1"/>
+          </p:cNvPicPr>
+          <p:nvPr/>
+        </p:nvPicPr>
+        <p:blipFill>
+          <a:blip r:embed="rId2">
+            <a:extLst>
+              <a:ext uri="{96DAC541-7B7A-43D3-8B79-37D633B846F1}">
+                <asvg:svgBlip xmlns:asvg="http://schemas.microsoft.com/office/drawing/2016/SVG/main" r:embed="rId3"/>
+              </a:ext>
+            </a:extLst>
+          </a:blip>
+          <a:stretch>
+            <a:fillRect/>
+          </a:stretch>
+        </p:blipFill>
+        <p:spPr>
+          <a:xfrm>
+            <a:off x="61785" y="161698"/>
+            <a:ext cx="457200" cy="457200"/>
+          </a:xfrm>
+          <a:prstGeom prst="rect">
+            <a:avLst/>
+          </a:prstGeom>
+        </p:spPr>
+      </p:pic>
+      <p:pic>
+        <p:nvPicPr>
+          <p:cNvPr id="3" name="Graphic 2" descr="Cursor with solid fill">
+            <a:extLst>
+              <a:ext uri="{FF2B5EF4-FFF2-40B4-BE49-F238E27FC236}">
+                <a16:creationId xmlns:a16="http://schemas.microsoft.com/office/drawing/2014/main" id="{73D7887D-BB50-7940-A266-9045F69F3F4C}"/>
+              </a:ext>
+            </a:extLst>
+          </p:cNvPr>
+          <p:cNvPicPr>
+            <a:picLocks noChangeAspect="1"/>
+          </p:cNvPicPr>
+          <p:nvPr/>
+        </p:nvPicPr>
+        <p:blipFill>
+          <a:blip r:embed="rId4">
+            <a:extLst>
+              <a:ext uri="{96DAC541-7B7A-43D3-8B79-37D633B846F1}">
+                <asvg:svgBlip xmlns:asvg="http://schemas.microsoft.com/office/drawing/2016/SVG/main" r:embed="rId5"/>
+              </a:ext>
+            </a:extLst>
+          </a:blip>
+          <a:stretch>
+            <a:fillRect/>
+          </a:stretch>
+        </p:blipFill>
+        <p:spPr>
+          <a:xfrm>
+            <a:off x="0" y="948940"/>
+            <a:ext cx="535622" cy="535622"/>
+          </a:xfrm>
+          <a:prstGeom prst="rect">
+            <a:avLst/>
+          </a:prstGeom>
+        </p:spPr>
+      </p:pic>
+      <p:sp>
+        <p:nvSpPr>
+          <p:cNvPr id="30" name="TextBox 29">
+            <a:extLst>
+              <a:ext uri="{FF2B5EF4-FFF2-40B4-BE49-F238E27FC236}">
+                <a16:creationId xmlns:a16="http://schemas.microsoft.com/office/drawing/2014/main" id="{0DED46F8-0D97-6841-A74E-45969F481C0F}"/>
+              </a:ext>
+            </a:extLst>
+          </p:cNvPr>
+          <p:cNvSpPr txBox="1"/>
+          <p:nvPr/>
+        </p:nvSpPr>
+        <p:spPr>
+          <a:xfrm>
+            <a:off x="1041706" y="1406140"/>
+            <a:ext cx="10678961" cy="400110"/>
+          </a:xfrm>
+          <a:prstGeom prst="rect">
+            <a:avLst/>
+          </a:prstGeom>
+          <a:noFill/>
+        </p:spPr>
+        <p:txBody>
+          <a:bodyPr wrap="square">
+            <a:spAutoFit/>
+          </a:bodyPr>
+          <a:lstStyle/>
+          <a:p>
+            <a:r>
+              <a:rPr lang="en-US" sz="2000" dirty="0">
+                <a:latin typeface="Dotum" panose="020B0600000101010101" pitchFamily="34" charset="-127"/>
+                <a:ea typeface="Dotum" panose="020B0600000101010101" pitchFamily="34" charset="-127"/>
+              </a:rPr>
               <a:t>Working with live-cell images</a:t>
             </a:r>
           </a:p>
@@ -6996,7 +9447,7 @@
 </p:sld>
 </file>
 
-<file path=ppt/slides/slide7.xml><?xml version="1.0" encoding="utf-8"?>
+<file path=ppt/slides/slide8.xml><?xml version="1.0" encoding="utf-8"?>
 <p:sld xmlns:a="http://schemas.openxmlformats.org/drawingml/2006/main" xmlns:r="http://schemas.openxmlformats.org/officeDocument/2006/relationships" xmlns:p="http://schemas.openxmlformats.org/presentationml/2006/main">
   <p:cSld>
     <p:spTree>
@@ -8098,7 +10549,7 @@
 </p:sld>
 </file>
 
-<file path=ppt/slides/slide8.xml><?xml version="1.0" encoding="utf-8"?>
+<file path=ppt/slides/slide9.xml><?xml version="1.0" encoding="utf-8"?>
 <p:sld xmlns:a="http://schemas.openxmlformats.org/drawingml/2006/main" xmlns:r="http://schemas.openxmlformats.org/officeDocument/2006/relationships" xmlns:p="http://schemas.openxmlformats.org/presentationml/2006/main">
   <p:cSld>
     <p:spTree>
@@ -8335,7 +10786,7 @@
         </p:blipFill>
         <p:spPr bwMode="auto">
           <a:xfrm>
-            <a:off x="1974489" y="2968073"/>
+            <a:off x="1189944" y="2825104"/>
             <a:ext cx="2458277" cy="921854"/>
           </a:xfrm>
           <a:prstGeom prst="rect">
@@ -8382,7 +10833,7 @@
         </p:blipFill>
         <p:spPr bwMode="auto">
           <a:xfrm>
-            <a:off x="4736411" y="2680759"/>
+            <a:off x="3692893" y="2512593"/>
             <a:ext cx="1507987" cy="1507987"/>
           </a:xfrm>
           <a:prstGeom prst="rect">
@@ -8429,7 +10880,7 @@
         </p:blipFill>
         <p:spPr bwMode="auto">
           <a:xfrm>
-            <a:off x="7008621" y="2970972"/>
+            <a:off x="5490026" y="2828003"/>
             <a:ext cx="1152802" cy="1151469"/>
           </a:xfrm>
           <a:prstGeom prst="rect">
@@ -8461,7 +10912,7 @@
         </p:nvSpPr>
         <p:spPr>
           <a:xfrm>
-            <a:off x="2461943" y="4188746"/>
+            <a:off x="1677398" y="4045777"/>
             <a:ext cx="958917" cy="369332"/>
           </a:xfrm>
           <a:prstGeom prst="rect">
@@ -8504,7 +10955,7 @@
         </p:nvSpPr>
         <p:spPr>
           <a:xfrm>
-            <a:off x="5005335" y="4217422"/>
+            <a:off x="3961817" y="4049256"/>
             <a:ext cx="970137" cy="369332"/>
           </a:xfrm>
           <a:prstGeom prst="rect">
@@ -8547,7 +10998,7 @@
         </p:nvSpPr>
         <p:spPr>
           <a:xfrm>
-            <a:off x="7172266" y="4192225"/>
+            <a:off x="5653671" y="4049256"/>
             <a:ext cx="880369" cy="369332"/>
           </a:xfrm>
           <a:prstGeom prst="rect">
@@ -8590,7 +11041,7 @@
         </p:nvSpPr>
         <p:spPr>
           <a:xfrm>
-            <a:off x="9148994" y="4188746"/>
+            <a:off x="7273050" y="4045777"/>
             <a:ext cx="1109599" cy="369332"/>
           </a:xfrm>
           <a:prstGeom prst="rect">
@@ -8648,7 +11099,7 @@
         </p:blipFill>
         <p:spPr bwMode="auto">
           <a:xfrm>
-            <a:off x="9027167" y="2750367"/>
+            <a:off x="7151223" y="2607398"/>
             <a:ext cx="1353252" cy="1353252"/>
           </a:xfrm>
           <a:prstGeom prst="rect">
@@ -8696,6 +11147,169 @@
           <a:xfrm>
             <a:off x="37071" y="1188151"/>
             <a:ext cx="481914" cy="481914"/>
+          </a:xfrm>
+          <a:prstGeom prst="rect">
+            <a:avLst/>
+          </a:prstGeom>
+        </p:spPr>
+      </p:pic>
+      <p:sp>
+        <p:nvSpPr>
+          <p:cNvPr id="17" name="TextBox 16">
+            <a:extLst>
+              <a:ext uri="{FF2B5EF4-FFF2-40B4-BE49-F238E27FC236}">
+                <a16:creationId xmlns:a16="http://schemas.microsoft.com/office/drawing/2014/main" id="{4812A5DB-29A6-7C40-8A55-561807FAE311}"/>
+              </a:ext>
+            </a:extLst>
+          </p:cNvPr>
+          <p:cNvSpPr txBox="1"/>
+          <p:nvPr/>
+        </p:nvSpPr>
+        <p:spPr>
+          <a:xfrm>
+            <a:off x="8769534" y="4045777"/>
+            <a:ext cx="1335622" cy="369332"/>
+          </a:xfrm>
+          <a:prstGeom prst="rect">
+            <a:avLst/>
+          </a:prstGeom>
+          <a:noFill/>
+        </p:spPr>
+        <p:txBody>
+          <a:bodyPr wrap="none" rtlCol="0">
+            <a:spAutoFit/>
+          </a:bodyPr>
+          <a:lstStyle/>
+          <a:p>
+            <a:pPr algn="ctr"/>
+            <a:r>
+              <a:rPr lang="en-US" dirty="0" err="1">
+                <a:latin typeface="Dotum" panose="020B0600000101010101" pitchFamily="34" charset="-127"/>
+                <a:ea typeface="Dotum" panose="020B0600000101010101" pitchFamily="34" charset="-127"/>
+              </a:rPr>
+              <a:t>FISHQuant</a:t>
+            </a:r>
+            <a:endParaRPr lang="en-US" sz="1400" dirty="0">
+              <a:latin typeface="Dotum" panose="020B0600000101010101" pitchFamily="34" charset="-127"/>
+              <a:ea typeface="Dotum" panose="020B0600000101010101" pitchFamily="34" charset="-127"/>
+            </a:endParaRPr>
+          </a:p>
+        </p:txBody>
+      </p:sp>
+      <p:pic>
+        <p:nvPicPr>
+          <p:cNvPr id="2" name="Picture 2" descr="@fish-quant">
+            <a:extLst>
+              <a:ext uri="{FF2B5EF4-FFF2-40B4-BE49-F238E27FC236}">
+                <a16:creationId xmlns:a16="http://schemas.microsoft.com/office/drawing/2014/main" id="{EB4CF63D-9019-6C45-B25C-78B7876C844B}"/>
+              </a:ext>
+            </a:extLst>
+          </p:cNvPr>
+          <p:cNvPicPr>
+            <a:picLocks noChangeAspect="1" noChangeArrowheads="1"/>
+          </p:cNvPicPr>
+          <p:nvPr/>
+        </p:nvPicPr>
+        <p:blipFill>
+          <a:blip r:embed="rId10">
+            <a:extLst>
+              <a:ext uri="{28A0092B-C50C-407E-A947-70E740481C1C}">
+                <a14:useLocalDpi xmlns:a14="http://schemas.microsoft.com/office/drawing/2010/main" val="0"/>
+              </a:ext>
+            </a:extLst>
+          </a:blip>
+          <a:srcRect/>
+          <a:stretch>
+            <a:fillRect/>
+          </a:stretch>
+        </p:blipFill>
+        <p:spPr bwMode="auto">
+          <a:xfrm>
+            <a:off x="8710975" y="2690650"/>
+            <a:ext cx="1270000" cy="1270000"/>
+          </a:xfrm>
+          <a:prstGeom prst="rect">
+            <a:avLst/>
+          </a:prstGeom>
+          <a:noFill/>
+          <a:extLst>
+            <a:ext uri="{909E8E84-426E-40DD-AFC4-6F175D3DCCD1}">
+              <a14:hiddenFill xmlns:a14="http://schemas.microsoft.com/office/drawing/2010/main">
+                <a:solidFill>
+                  <a:srgbClr val="FFFFFF"/>
+                </a:solidFill>
+              </a14:hiddenFill>
+            </a:ext>
+          </a:extLst>
+        </p:spPr>
+      </p:pic>
+      <p:sp>
+        <p:nvSpPr>
+          <p:cNvPr id="18" name="TextBox 17">
+            <a:extLst>
+              <a:ext uri="{FF2B5EF4-FFF2-40B4-BE49-F238E27FC236}">
+                <a16:creationId xmlns:a16="http://schemas.microsoft.com/office/drawing/2014/main" id="{41D31B8D-4B5C-A348-89CA-E5DD8998B6E1}"/>
+              </a:ext>
+            </a:extLst>
+          </p:cNvPr>
+          <p:cNvSpPr txBox="1"/>
+          <p:nvPr/>
+        </p:nvSpPr>
+        <p:spPr>
+          <a:xfrm>
+            <a:off x="10543657" y="4045777"/>
+            <a:ext cx="1050289" cy="369332"/>
+          </a:xfrm>
+          <a:prstGeom prst="rect">
+            <a:avLst/>
+          </a:prstGeom>
+          <a:noFill/>
+        </p:spPr>
+        <p:txBody>
+          <a:bodyPr wrap="none" rtlCol="0">
+            <a:spAutoFit/>
+          </a:bodyPr>
+          <a:lstStyle/>
+          <a:p>
+            <a:pPr algn="ctr"/>
+            <a:r>
+              <a:rPr lang="en-US" dirty="0" err="1">
+                <a:latin typeface="Dotum" panose="020B0600000101010101" pitchFamily="34" charset="-127"/>
+                <a:ea typeface="Dotum" panose="020B0600000101010101" pitchFamily="34" charset="-127"/>
+              </a:rPr>
+              <a:t>rsnaped</a:t>
+            </a:r>
+            <a:endParaRPr lang="en-US" sz="1400" dirty="0">
+              <a:latin typeface="Dotum" panose="020B0600000101010101" pitchFamily="34" charset="-127"/>
+              <a:ea typeface="Dotum" panose="020B0600000101010101" pitchFamily="34" charset="-127"/>
+            </a:endParaRPr>
+          </a:p>
+        </p:txBody>
+      </p:sp>
+      <p:pic>
+        <p:nvPicPr>
+          <p:cNvPr id="6" name="Picture 5">
+            <a:extLst>
+              <a:ext uri="{FF2B5EF4-FFF2-40B4-BE49-F238E27FC236}">
+                <a16:creationId xmlns:a16="http://schemas.microsoft.com/office/drawing/2014/main" id="{F482412E-7329-A843-B946-5A4A4B29C877}"/>
+              </a:ext>
+            </a:extLst>
+          </p:cNvPr>
+          <p:cNvPicPr>
+            <a:picLocks noChangeAspect="1"/>
+          </p:cNvPicPr>
+          <p:nvPr/>
+        </p:nvPicPr>
+        <p:blipFill>
+          <a:blip r:embed="rId11"/>
+          <a:stretch>
+            <a:fillRect/>
+          </a:stretch>
+        </p:blipFill>
+        <p:spPr>
+          <a:xfrm>
+            <a:off x="10367860" y="2607398"/>
+            <a:ext cx="1401882" cy="1401882"/>
           </a:xfrm>
           <a:prstGeom prst="rect">
             <a:avLst/>

--- a/planning/CropArray_Planning.pptx
+++ b/planning/CropArray_Planning.pptx
@@ -10,10 +10,10 @@
     <p:sldId id="264" r:id="rId4"/>
     <p:sldId id="258" r:id="rId5"/>
     <p:sldId id="265" r:id="rId6"/>
-    <p:sldId id="261" r:id="rId7"/>
-    <p:sldId id="262" r:id="rId8"/>
-    <p:sldId id="260" r:id="rId9"/>
-    <p:sldId id="259" r:id="rId10"/>
+    <p:sldId id="260" r:id="rId7"/>
+    <p:sldId id="259" r:id="rId8"/>
+    <p:sldId id="261" r:id="rId9"/>
+    <p:sldId id="262" r:id="rId10"/>
   </p:sldIdLst>
   <p:sldSz cx="12192000" cy="6858000"/>
   <p:notesSz cx="6858000" cy="9144000"/>
@@ -8865,723 +8865,6 @@
         </p:nvSpPr>
         <p:spPr>
           <a:xfrm>
-            <a:off x="737999" y="944475"/>
-            <a:ext cx="6477309" cy="461665"/>
-          </a:xfrm>
-          <a:prstGeom prst="rect">
-            <a:avLst/>
-          </a:prstGeom>
-          <a:noFill/>
-        </p:spPr>
-        <p:txBody>
-          <a:bodyPr wrap="square">
-            <a:spAutoFit/>
-          </a:bodyPr>
-          <a:lstStyle/>
-          <a:p>
-            <a:r>
-              <a:rPr lang="en-US" sz="2400" b="1" dirty="0">
-                <a:solidFill>
-                  <a:schemeClr val="accent4">
-                    <a:lumMod val="75000"/>
-                  </a:schemeClr>
-                </a:solidFill>
-                <a:latin typeface="Dotum" panose="020B0600000101010101" pitchFamily="34" charset="-127"/>
-                <a:ea typeface="Dotum" panose="020B0600000101010101" pitchFamily="34" charset="-127"/>
-                <a:cs typeface="Al Bayan Plain" pitchFamily="2" charset="-78"/>
-              </a:rPr>
-              <a:t>Applications</a:t>
-            </a:r>
-            <a:endParaRPr lang="en-US" sz="2400" dirty="0">
-              <a:solidFill>
-                <a:schemeClr val="accent4">
-                  <a:lumMod val="75000"/>
-                </a:schemeClr>
-              </a:solidFill>
-            </a:endParaRPr>
-          </a:p>
-        </p:txBody>
-      </p:sp>
-      <p:pic>
-        <p:nvPicPr>
-          <p:cNvPr id="29" name="Graphic 28" descr="Illustrator with solid fill">
-            <a:extLst>
-              <a:ext uri="{FF2B5EF4-FFF2-40B4-BE49-F238E27FC236}">
-                <a16:creationId xmlns:a16="http://schemas.microsoft.com/office/drawing/2014/main" id="{C74DC83B-BED1-5840-8C24-5E652AE5702A}"/>
-              </a:ext>
-            </a:extLst>
-          </p:cNvPr>
-          <p:cNvPicPr>
-            <a:picLocks noChangeAspect="1"/>
-          </p:cNvPicPr>
-          <p:nvPr/>
-        </p:nvPicPr>
-        <p:blipFill>
-          <a:blip r:embed="rId2">
-            <a:extLst>
-              <a:ext uri="{96DAC541-7B7A-43D3-8B79-37D633B846F1}">
-                <asvg:svgBlip xmlns:asvg="http://schemas.microsoft.com/office/drawing/2016/SVG/main" r:embed="rId3"/>
-              </a:ext>
-            </a:extLst>
-          </a:blip>
-          <a:stretch>
-            <a:fillRect/>
-          </a:stretch>
-        </p:blipFill>
-        <p:spPr>
-          <a:xfrm>
-            <a:off x="61785" y="161698"/>
-            <a:ext cx="457200" cy="457200"/>
-          </a:xfrm>
-          <a:prstGeom prst="rect">
-            <a:avLst/>
-          </a:prstGeom>
-        </p:spPr>
-      </p:pic>
-      <p:pic>
-        <p:nvPicPr>
-          <p:cNvPr id="3" name="Graphic 2" descr="Cursor with solid fill">
-            <a:extLst>
-              <a:ext uri="{FF2B5EF4-FFF2-40B4-BE49-F238E27FC236}">
-                <a16:creationId xmlns:a16="http://schemas.microsoft.com/office/drawing/2014/main" id="{73D7887D-BB50-7940-A266-9045F69F3F4C}"/>
-              </a:ext>
-            </a:extLst>
-          </p:cNvPr>
-          <p:cNvPicPr>
-            <a:picLocks noChangeAspect="1"/>
-          </p:cNvPicPr>
-          <p:nvPr/>
-        </p:nvPicPr>
-        <p:blipFill>
-          <a:blip r:embed="rId4">
-            <a:extLst>
-              <a:ext uri="{96DAC541-7B7A-43D3-8B79-37D633B846F1}">
-                <asvg:svgBlip xmlns:asvg="http://schemas.microsoft.com/office/drawing/2016/SVG/main" r:embed="rId5"/>
-              </a:ext>
-            </a:extLst>
-          </a:blip>
-          <a:stretch>
-            <a:fillRect/>
-          </a:stretch>
-        </p:blipFill>
-        <p:spPr>
-          <a:xfrm>
-            <a:off x="0" y="948940"/>
-            <a:ext cx="535622" cy="535622"/>
-          </a:xfrm>
-          <a:prstGeom prst="rect">
-            <a:avLst/>
-          </a:prstGeom>
-        </p:spPr>
-      </p:pic>
-      <p:sp>
-        <p:nvSpPr>
-          <p:cNvPr id="30" name="TextBox 29">
-            <a:extLst>
-              <a:ext uri="{FF2B5EF4-FFF2-40B4-BE49-F238E27FC236}">
-                <a16:creationId xmlns:a16="http://schemas.microsoft.com/office/drawing/2014/main" id="{0DED46F8-0D97-6841-A74E-45969F481C0F}"/>
-              </a:ext>
-            </a:extLst>
-          </p:cNvPr>
-          <p:cNvSpPr txBox="1"/>
-          <p:nvPr/>
-        </p:nvSpPr>
-        <p:spPr>
-          <a:xfrm>
-            <a:off x="1041706" y="1406140"/>
-            <a:ext cx="10678961" cy="400110"/>
-          </a:xfrm>
-          <a:prstGeom prst="rect">
-            <a:avLst/>
-          </a:prstGeom>
-          <a:noFill/>
-        </p:spPr>
-        <p:txBody>
-          <a:bodyPr wrap="square">
-            <a:spAutoFit/>
-          </a:bodyPr>
-          <a:lstStyle/>
-          <a:p>
-            <a:r>
-              <a:rPr lang="en-US" sz="2000" dirty="0">
-                <a:latin typeface="Dotum" panose="020B0600000101010101" pitchFamily="34" charset="-127"/>
-                <a:ea typeface="Dotum" panose="020B0600000101010101" pitchFamily="34" charset="-127"/>
-              </a:rPr>
-              <a:t>Working with FISH images</a:t>
-            </a:r>
-          </a:p>
-        </p:txBody>
-      </p:sp>
-      <p:sp>
-        <p:nvSpPr>
-          <p:cNvPr id="44" name="TextBox 43">
-            <a:extLst>
-              <a:ext uri="{FF2B5EF4-FFF2-40B4-BE49-F238E27FC236}">
-                <a16:creationId xmlns:a16="http://schemas.microsoft.com/office/drawing/2014/main" id="{7CC2D5B3-1BEA-3E4C-8C94-8A83994AE78A}"/>
-              </a:ext>
-            </a:extLst>
-          </p:cNvPr>
-          <p:cNvSpPr txBox="1"/>
-          <p:nvPr/>
-        </p:nvSpPr>
-        <p:spPr>
-          <a:xfrm>
-            <a:off x="6482645" y="2631218"/>
-            <a:ext cx="2106481" cy="523220"/>
-          </a:xfrm>
-          <a:prstGeom prst="rect">
-            <a:avLst/>
-          </a:prstGeom>
-          <a:noFill/>
-        </p:spPr>
-        <p:txBody>
-          <a:bodyPr wrap="square" rtlCol="0">
-            <a:spAutoFit/>
-          </a:bodyPr>
-          <a:lstStyle/>
-          <a:p>
-            <a:pPr marL="0" marR="0" lvl="0" indent="0" algn="ctr" defTabSz="914400" eaLnBrk="1" fontAlgn="auto" latinLnBrk="0" hangingPunct="1">
-              <a:lnSpc>
-                <a:spcPct val="100000"/>
-              </a:lnSpc>
-              <a:spcBef>
-                <a:spcPts val="0"/>
-              </a:spcBef>
-              <a:spcAft>
-                <a:spcPts val="0"/>
-              </a:spcAft>
-              <a:buClrTx/>
-              <a:buSzTx/>
-              <a:buFontTx/>
-              <a:buNone/>
-              <a:tabLst/>
-              <a:defRPr/>
-            </a:pPr>
-            <a:r>
-              <a:rPr kumimoji="0" lang="en-US" sz="1400" b="0" i="0" u="none" strike="noStrike" kern="0" cap="none" spc="0" normalizeH="0" baseline="0" noProof="0" dirty="0">
-                <a:ln>
-                  <a:noFill/>
-                </a:ln>
-                <a:solidFill>
-                  <a:schemeClr val="bg1">
-                    <a:lumMod val="95000"/>
-                    <a:lumOff val="5000"/>
-                  </a:schemeClr>
-                </a:solidFill>
-                <a:effectLst/>
-                <a:uLnTx/>
-                <a:uFillTx/>
-                <a:latin typeface="Arial" panose="020B0604020202020204" pitchFamily="34" charset="0"/>
-                <a:cs typeface="Arial" panose="020B0604020202020204" pitchFamily="34" charset="0"/>
-              </a:rPr>
-              <a:t>Visualization and Interpretation</a:t>
-            </a:r>
-          </a:p>
-        </p:txBody>
-      </p:sp>
-      <p:pic>
-        <p:nvPicPr>
-          <p:cNvPr id="5" name="Picture 4">
-            <a:extLst>
-              <a:ext uri="{FF2B5EF4-FFF2-40B4-BE49-F238E27FC236}">
-                <a16:creationId xmlns:a16="http://schemas.microsoft.com/office/drawing/2014/main" id="{75B7BE83-773E-9C45-B251-DCBB6B57030E}"/>
-              </a:ext>
-            </a:extLst>
-          </p:cNvPr>
-          <p:cNvPicPr>
-            <a:picLocks noChangeAspect="1"/>
-          </p:cNvPicPr>
-          <p:nvPr/>
-        </p:nvPicPr>
-        <p:blipFill>
-          <a:blip r:embed="rId6"/>
-          <a:stretch>
-            <a:fillRect/>
-          </a:stretch>
-        </p:blipFill>
-        <p:spPr>
-          <a:xfrm>
-            <a:off x="1041706" y="2631218"/>
-            <a:ext cx="1409700" cy="1879600"/>
-          </a:xfrm>
-          <a:prstGeom prst="rect">
-            <a:avLst/>
-          </a:prstGeom>
-        </p:spPr>
-      </p:pic>
-      <p:pic>
-        <p:nvPicPr>
-          <p:cNvPr id="6" name="Picture 5">
-            <a:extLst>
-              <a:ext uri="{FF2B5EF4-FFF2-40B4-BE49-F238E27FC236}">
-                <a16:creationId xmlns:a16="http://schemas.microsoft.com/office/drawing/2014/main" id="{DBAF8EFF-8D29-1040-AD45-B1F93BB290D8}"/>
-              </a:ext>
-            </a:extLst>
-          </p:cNvPr>
-          <p:cNvPicPr>
-            <a:picLocks noChangeAspect="1"/>
-          </p:cNvPicPr>
-          <p:nvPr/>
-        </p:nvPicPr>
-        <p:blipFill>
-          <a:blip r:embed="rId7"/>
-          <a:stretch>
-            <a:fillRect/>
-          </a:stretch>
-        </p:blipFill>
-        <p:spPr>
-          <a:xfrm>
-            <a:off x="2918069" y="2549525"/>
-            <a:ext cx="1219200" cy="1758950"/>
-          </a:xfrm>
-          <a:prstGeom prst="rect">
-            <a:avLst/>
-          </a:prstGeom>
-        </p:spPr>
-      </p:pic>
-    </p:spTree>
-    <p:extLst>
-      <p:ext uri="{BB962C8B-B14F-4D97-AF65-F5344CB8AC3E}">
-        <p14:creationId xmlns:p14="http://schemas.microsoft.com/office/powerpoint/2010/main" val="3169448365"/>
-      </p:ext>
-    </p:extLst>
-  </p:cSld>
-  <p:clrMapOvr>
-    <a:masterClrMapping/>
-  </p:clrMapOvr>
-</p:sld>
-</file>
-
-<file path=ppt/slides/slide7.xml><?xml version="1.0" encoding="utf-8"?>
-<p:sld xmlns:a="http://schemas.openxmlformats.org/drawingml/2006/main" xmlns:r="http://schemas.openxmlformats.org/officeDocument/2006/relationships" xmlns:p="http://schemas.openxmlformats.org/presentationml/2006/main">
-  <p:cSld>
-    <p:spTree>
-      <p:nvGrpSpPr>
-        <p:cNvPr id="1" name=""/>
-        <p:cNvGrpSpPr/>
-        <p:nvPr/>
-      </p:nvGrpSpPr>
-      <p:grpSpPr>
-        <a:xfrm>
-          <a:off x="0" y="0"/>
-          <a:ext cx="0" cy="0"/>
-          <a:chOff x="0" y="0"/>
-          <a:chExt cx="0" cy="0"/>
-        </a:xfrm>
-      </p:grpSpPr>
-      <p:sp>
-        <p:nvSpPr>
-          <p:cNvPr id="4" name="TextBox 3">
-            <a:extLst>
-              <a:ext uri="{FF2B5EF4-FFF2-40B4-BE49-F238E27FC236}">
-                <a16:creationId xmlns:a16="http://schemas.microsoft.com/office/drawing/2014/main" id="{B99285A4-A033-C74F-9499-E545F95BE0AA}"/>
-              </a:ext>
-            </a:extLst>
-          </p:cNvPr>
-          <p:cNvSpPr txBox="1"/>
-          <p:nvPr/>
-        </p:nvSpPr>
-        <p:spPr>
-          <a:xfrm>
-            <a:off x="737999" y="127407"/>
-            <a:ext cx="1967205" cy="523220"/>
-          </a:xfrm>
-          <a:prstGeom prst="rect">
-            <a:avLst/>
-          </a:prstGeom>
-          <a:noFill/>
-        </p:spPr>
-        <p:txBody>
-          <a:bodyPr wrap="none" rtlCol="0">
-            <a:spAutoFit/>
-          </a:bodyPr>
-          <a:lstStyle/>
-          <a:p>
-            <a:r>
-              <a:rPr lang="en-US" sz="2800" b="1" dirty="0">
-                <a:solidFill>
-                  <a:srgbClr val="2929C4"/>
-                </a:solidFill>
-                <a:latin typeface="Dotum" panose="020B0600000101010101" pitchFamily="34" charset="-127"/>
-                <a:ea typeface="Dotum" panose="020B0600000101010101" pitchFamily="34" charset="-127"/>
-                <a:cs typeface="Al Bayan Plain" pitchFamily="2" charset="-78"/>
-              </a:rPr>
-              <a:t>CropArray</a:t>
-            </a:r>
-            <a:r>
-              <a:rPr lang="en-US" sz="2800" b="1" dirty="0">
-                <a:latin typeface="Dotum" panose="020B0600000101010101" pitchFamily="34" charset="-127"/>
-                <a:ea typeface="Dotum" panose="020B0600000101010101" pitchFamily="34" charset="-127"/>
-                <a:cs typeface="Al Bayan Plain" pitchFamily="2" charset="-78"/>
-              </a:rPr>
-              <a:t> </a:t>
-            </a:r>
-          </a:p>
-        </p:txBody>
-      </p:sp>
-      <p:sp>
-        <p:nvSpPr>
-          <p:cNvPr id="14" name="Rounded Rectangle 13">
-            <a:extLst>
-              <a:ext uri="{FF2B5EF4-FFF2-40B4-BE49-F238E27FC236}">
-                <a16:creationId xmlns:a16="http://schemas.microsoft.com/office/drawing/2014/main" id="{2CD7946B-362F-0549-8A7B-BFB2BEEDC5F5}"/>
-              </a:ext>
-            </a:extLst>
-          </p:cNvPr>
-          <p:cNvSpPr/>
-          <p:nvPr/>
-        </p:nvSpPr>
-        <p:spPr>
-          <a:xfrm>
-            <a:off x="37071" y="0"/>
-            <a:ext cx="535622" cy="6858000"/>
-          </a:xfrm>
-          <a:prstGeom prst="roundRect">
-            <a:avLst>
-              <a:gd name="adj" fmla="val 5997"/>
-            </a:avLst>
-          </a:prstGeom>
-          <a:solidFill>
-            <a:srgbClr val="2929C4"/>
-          </a:solidFill>
-          <a:ln>
-            <a:noFill/>
-          </a:ln>
-        </p:spPr>
-        <p:style>
-          <a:lnRef idx="2">
-            <a:schemeClr val="accent1">
-              <a:shade val="50000"/>
-            </a:schemeClr>
-          </a:lnRef>
-          <a:fillRef idx="1">
-            <a:schemeClr val="accent1"/>
-          </a:fillRef>
-          <a:effectRef idx="0">
-            <a:schemeClr val="accent1"/>
-          </a:effectRef>
-          <a:fontRef idx="minor">
-            <a:schemeClr val="lt1"/>
-          </a:fontRef>
-        </p:style>
-        <p:txBody>
-          <a:bodyPr rtlCol="0" anchor="ctr"/>
-          <a:lstStyle/>
-          <a:p>
-            <a:pPr algn="ctr"/>
-            <a:endParaRPr lang="en-US"/>
-          </a:p>
-        </p:txBody>
-      </p:sp>
-      <p:sp>
-        <p:nvSpPr>
-          <p:cNvPr id="16" name="TextBox 15">
-            <a:extLst>
-              <a:ext uri="{FF2B5EF4-FFF2-40B4-BE49-F238E27FC236}">
-                <a16:creationId xmlns:a16="http://schemas.microsoft.com/office/drawing/2014/main" id="{B917ED39-3451-E74C-8D70-A5B9F5DF3DCB}"/>
-              </a:ext>
-            </a:extLst>
-          </p:cNvPr>
-          <p:cNvSpPr txBox="1"/>
-          <p:nvPr/>
-        </p:nvSpPr>
-        <p:spPr>
-          <a:xfrm>
-            <a:off x="737999" y="944475"/>
-            <a:ext cx="6477309" cy="461665"/>
-          </a:xfrm>
-          <a:prstGeom prst="rect">
-            <a:avLst/>
-          </a:prstGeom>
-          <a:noFill/>
-        </p:spPr>
-        <p:txBody>
-          <a:bodyPr wrap="square">
-            <a:spAutoFit/>
-          </a:bodyPr>
-          <a:lstStyle/>
-          <a:p>
-            <a:r>
-              <a:rPr lang="en-US" sz="2400" b="1" dirty="0">
-                <a:solidFill>
-                  <a:schemeClr val="accent4">
-                    <a:lumMod val="75000"/>
-                  </a:schemeClr>
-                </a:solidFill>
-                <a:latin typeface="Dotum" panose="020B0600000101010101" pitchFamily="34" charset="-127"/>
-                <a:ea typeface="Dotum" panose="020B0600000101010101" pitchFamily="34" charset="-127"/>
-                <a:cs typeface="Al Bayan Plain" pitchFamily="2" charset="-78"/>
-              </a:rPr>
-              <a:t>Applications</a:t>
-            </a:r>
-            <a:endParaRPr lang="en-US" sz="2400" dirty="0">
-              <a:solidFill>
-                <a:schemeClr val="accent4">
-                  <a:lumMod val="75000"/>
-                </a:schemeClr>
-              </a:solidFill>
-            </a:endParaRPr>
-          </a:p>
-        </p:txBody>
-      </p:sp>
-      <p:pic>
-        <p:nvPicPr>
-          <p:cNvPr id="29" name="Graphic 28" descr="Illustrator with solid fill">
-            <a:extLst>
-              <a:ext uri="{FF2B5EF4-FFF2-40B4-BE49-F238E27FC236}">
-                <a16:creationId xmlns:a16="http://schemas.microsoft.com/office/drawing/2014/main" id="{C74DC83B-BED1-5840-8C24-5E652AE5702A}"/>
-              </a:ext>
-            </a:extLst>
-          </p:cNvPr>
-          <p:cNvPicPr>
-            <a:picLocks noChangeAspect="1"/>
-          </p:cNvPicPr>
-          <p:nvPr/>
-        </p:nvPicPr>
-        <p:blipFill>
-          <a:blip r:embed="rId2">
-            <a:extLst>
-              <a:ext uri="{96DAC541-7B7A-43D3-8B79-37D633B846F1}">
-                <asvg:svgBlip xmlns:asvg="http://schemas.microsoft.com/office/drawing/2016/SVG/main" r:embed="rId3"/>
-              </a:ext>
-            </a:extLst>
-          </a:blip>
-          <a:stretch>
-            <a:fillRect/>
-          </a:stretch>
-        </p:blipFill>
-        <p:spPr>
-          <a:xfrm>
-            <a:off x="61785" y="161698"/>
-            <a:ext cx="457200" cy="457200"/>
-          </a:xfrm>
-          <a:prstGeom prst="rect">
-            <a:avLst/>
-          </a:prstGeom>
-        </p:spPr>
-      </p:pic>
-      <p:pic>
-        <p:nvPicPr>
-          <p:cNvPr id="3" name="Graphic 2" descr="Cursor with solid fill">
-            <a:extLst>
-              <a:ext uri="{FF2B5EF4-FFF2-40B4-BE49-F238E27FC236}">
-                <a16:creationId xmlns:a16="http://schemas.microsoft.com/office/drawing/2014/main" id="{73D7887D-BB50-7940-A266-9045F69F3F4C}"/>
-              </a:ext>
-            </a:extLst>
-          </p:cNvPr>
-          <p:cNvPicPr>
-            <a:picLocks noChangeAspect="1"/>
-          </p:cNvPicPr>
-          <p:nvPr/>
-        </p:nvPicPr>
-        <p:blipFill>
-          <a:blip r:embed="rId4">
-            <a:extLst>
-              <a:ext uri="{96DAC541-7B7A-43D3-8B79-37D633B846F1}">
-                <asvg:svgBlip xmlns:asvg="http://schemas.microsoft.com/office/drawing/2016/SVG/main" r:embed="rId5"/>
-              </a:ext>
-            </a:extLst>
-          </a:blip>
-          <a:stretch>
-            <a:fillRect/>
-          </a:stretch>
-        </p:blipFill>
-        <p:spPr>
-          <a:xfrm>
-            <a:off x="0" y="948940"/>
-            <a:ext cx="535622" cy="535622"/>
-          </a:xfrm>
-          <a:prstGeom prst="rect">
-            <a:avLst/>
-          </a:prstGeom>
-        </p:spPr>
-      </p:pic>
-      <p:sp>
-        <p:nvSpPr>
-          <p:cNvPr id="30" name="TextBox 29">
-            <a:extLst>
-              <a:ext uri="{FF2B5EF4-FFF2-40B4-BE49-F238E27FC236}">
-                <a16:creationId xmlns:a16="http://schemas.microsoft.com/office/drawing/2014/main" id="{0DED46F8-0D97-6841-A74E-45969F481C0F}"/>
-              </a:ext>
-            </a:extLst>
-          </p:cNvPr>
-          <p:cNvSpPr txBox="1"/>
-          <p:nvPr/>
-        </p:nvSpPr>
-        <p:spPr>
-          <a:xfrm>
-            <a:off x="1041706" y="1406140"/>
-            <a:ext cx="10678961" cy="400110"/>
-          </a:xfrm>
-          <a:prstGeom prst="rect">
-            <a:avLst/>
-          </a:prstGeom>
-          <a:noFill/>
-        </p:spPr>
-        <p:txBody>
-          <a:bodyPr wrap="square">
-            <a:spAutoFit/>
-          </a:bodyPr>
-          <a:lstStyle/>
-          <a:p>
-            <a:r>
-              <a:rPr lang="en-US" sz="2000" dirty="0">
-                <a:latin typeface="Dotum" panose="020B0600000101010101" pitchFamily="34" charset="-127"/>
-                <a:ea typeface="Dotum" panose="020B0600000101010101" pitchFamily="34" charset="-127"/>
-              </a:rPr>
-              <a:t>Working with live-cell images</a:t>
-            </a:r>
-          </a:p>
-        </p:txBody>
-      </p:sp>
-    </p:spTree>
-    <p:extLst>
-      <p:ext uri="{BB962C8B-B14F-4D97-AF65-F5344CB8AC3E}">
-        <p14:creationId xmlns:p14="http://schemas.microsoft.com/office/powerpoint/2010/main" val="714531849"/>
-      </p:ext>
-    </p:extLst>
-  </p:cSld>
-  <p:clrMapOvr>
-    <a:masterClrMapping/>
-  </p:clrMapOvr>
-</p:sld>
-</file>
-
-<file path=ppt/slides/slide8.xml><?xml version="1.0" encoding="utf-8"?>
-<p:sld xmlns:a="http://schemas.openxmlformats.org/drawingml/2006/main" xmlns:r="http://schemas.openxmlformats.org/officeDocument/2006/relationships" xmlns:p="http://schemas.openxmlformats.org/presentationml/2006/main">
-  <p:cSld>
-    <p:spTree>
-      <p:nvGrpSpPr>
-        <p:cNvPr id="1" name=""/>
-        <p:cNvGrpSpPr/>
-        <p:nvPr/>
-      </p:nvGrpSpPr>
-      <p:grpSpPr>
-        <a:xfrm>
-          <a:off x="0" y="0"/>
-          <a:ext cx="0" cy="0"/>
-          <a:chOff x="0" y="0"/>
-          <a:chExt cx="0" cy="0"/>
-        </a:xfrm>
-      </p:grpSpPr>
-      <p:sp>
-        <p:nvSpPr>
-          <p:cNvPr id="4" name="TextBox 3">
-            <a:extLst>
-              <a:ext uri="{FF2B5EF4-FFF2-40B4-BE49-F238E27FC236}">
-                <a16:creationId xmlns:a16="http://schemas.microsoft.com/office/drawing/2014/main" id="{B99285A4-A033-C74F-9499-E545F95BE0AA}"/>
-              </a:ext>
-            </a:extLst>
-          </p:cNvPr>
-          <p:cNvSpPr txBox="1"/>
-          <p:nvPr/>
-        </p:nvSpPr>
-        <p:spPr>
-          <a:xfrm>
-            <a:off x="737999" y="127407"/>
-            <a:ext cx="1967205" cy="523220"/>
-          </a:xfrm>
-          <a:prstGeom prst="rect">
-            <a:avLst/>
-          </a:prstGeom>
-          <a:noFill/>
-        </p:spPr>
-        <p:txBody>
-          <a:bodyPr wrap="none" rtlCol="0">
-            <a:spAutoFit/>
-          </a:bodyPr>
-          <a:lstStyle/>
-          <a:p>
-            <a:r>
-              <a:rPr lang="en-US" sz="2800" b="1" dirty="0">
-                <a:solidFill>
-                  <a:srgbClr val="2929C4"/>
-                </a:solidFill>
-                <a:latin typeface="Dotum" panose="020B0600000101010101" pitchFamily="34" charset="-127"/>
-                <a:ea typeface="Dotum" panose="020B0600000101010101" pitchFamily="34" charset="-127"/>
-                <a:cs typeface="Al Bayan Plain" pitchFamily="2" charset="-78"/>
-              </a:rPr>
-              <a:t>CropArray</a:t>
-            </a:r>
-            <a:r>
-              <a:rPr lang="en-US" sz="2800" b="1" dirty="0">
-                <a:latin typeface="Dotum" panose="020B0600000101010101" pitchFamily="34" charset="-127"/>
-                <a:ea typeface="Dotum" panose="020B0600000101010101" pitchFamily="34" charset="-127"/>
-                <a:cs typeface="Al Bayan Plain" pitchFamily="2" charset="-78"/>
-              </a:rPr>
-              <a:t> </a:t>
-            </a:r>
-          </a:p>
-        </p:txBody>
-      </p:sp>
-      <p:sp>
-        <p:nvSpPr>
-          <p:cNvPr id="14" name="Rounded Rectangle 13">
-            <a:extLst>
-              <a:ext uri="{FF2B5EF4-FFF2-40B4-BE49-F238E27FC236}">
-                <a16:creationId xmlns:a16="http://schemas.microsoft.com/office/drawing/2014/main" id="{2CD7946B-362F-0549-8A7B-BFB2BEEDC5F5}"/>
-              </a:ext>
-            </a:extLst>
-          </p:cNvPr>
-          <p:cNvSpPr/>
-          <p:nvPr/>
-        </p:nvSpPr>
-        <p:spPr>
-          <a:xfrm>
-            <a:off x="37071" y="0"/>
-            <a:ext cx="535622" cy="6858000"/>
-          </a:xfrm>
-          <a:prstGeom prst="roundRect">
-            <a:avLst>
-              <a:gd name="adj" fmla="val 5997"/>
-            </a:avLst>
-          </a:prstGeom>
-          <a:solidFill>
-            <a:srgbClr val="2929C4"/>
-          </a:solidFill>
-          <a:ln>
-            <a:noFill/>
-          </a:ln>
-        </p:spPr>
-        <p:style>
-          <a:lnRef idx="2">
-            <a:schemeClr val="accent1">
-              <a:shade val="50000"/>
-            </a:schemeClr>
-          </a:lnRef>
-          <a:fillRef idx="1">
-            <a:schemeClr val="accent1"/>
-          </a:fillRef>
-          <a:effectRef idx="0">
-            <a:schemeClr val="accent1"/>
-          </a:effectRef>
-          <a:fontRef idx="minor">
-            <a:schemeClr val="lt1"/>
-          </a:fontRef>
-        </p:style>
-        <p:txBody>
-          <a:bodyPr rtlCol="0" anchor="ctr"/>
-          <a:lstStyle/>
-          <a:p>
-            <a:pPr algn="ctr"/>
-            <a:endParaRPr lang="en-US"/>
-          </a:p>
-        </p:txBody>
-      </p:sp>
-      <p:sp>
-        <p:nvSpPr>
-          <p:cNvPr id="16" name="TextBox 15">
-            <a:extLst>
-              <a:ext uri="{FF2B5EF4-FFF2-40B4-BE49-F238E27FC236}">
-                <a16:creationId xmlns:a16="http://schemas.microsoft.com/office/drawing/2014/main" id="{B917ED39-3451-E74C-8D70-A5B9F5DF3DCB}"/>
-              </a:ext>
-            </a:extLst>
-          </p:cNvPr>
-          <p:cNvSpPr txBox="1"/>
-          <p:nvPr/>
-        </p:nvSpPr>
-        <p:spPr>
-          <a:xfrm>
             <a:off x="737999" y="1759614"/>
             <a:ext cx="6477309" cy="461665"/>
           </a:xfrm>
@@ -10549,6 +9832,1148 @@
 </p:sld>
 </file>
 
+<file path=ppt/slides/slide7.xml><?xml version="1.0" encoding="utf-8"?>
+<p:sld xmlns:a="http://schemas.openxmlformats.org/drawingml/2006/main" xmlns:r="http://schemas.openxmlformats.org/officeDocument/2006/relationships" xmlns:p="http://schemas.openxmlformats.org/presentationml/2006/main">
+  <p:cSld>
+    <p:spTree>
+      <p:nvGrpSpPr>
+        <p:cNvPr id="1" name=""/>
+        <p:cNvGrpSpPr/>
+        <p:nvPr/>
+      </p:nvGrpSpPr>
+      <p:grpSpPr>
+        <a:xfrm>
+          <a:off x="0" y="0"/>
+          <a:ext cx="0" cy="0"/>
+          <a:chOff x="0" y="0"/>
+          <a:chExt cx="0" cy="0"/>
+        </a:xfrm>
+      </p:grpSpPr>
+      <p:sp>
+        <p:nvSpPr>
+          <p:cNvPr id="4" name="TextBox 3">
+            <a:extLst>
+              <a:ext uri="{FF2B5EF4-FFF2-40B4-BE49-F238E27FC236}">
+                <a16:creationId xmlns:a16="http://schemas.microsoft.com/office/drawing/2014/main" id="{B99285A4-A033-C74F-9499-E545F95BE0AA}"/>
+              </a:ext>
+            </a:extLst>
+          </p:cNvPr>
+          <p:cNvSpPr txBox="1"/>
+          <p:nvPr/>
+        </p:nvSpPr>
+        <p:spPr>
+          <a:xfrm>
+            <a:off x="737999" y="127407"/>
+            <a:ext cx="1967205" cy="523220"/>
+          </a:xfrm>
+          <a:prstGeom prst="rect">
+            <a:avLst/>
+          </a:prstGeom>
+          <a:noFill/>
+        </p:spPr>
+        <p:txBody>
+          <a:bodyPr wrap="none" rtlCol="0">
+            <a:spAutoFit/>
+          </a:bodyPr>
+          <a:lstStyle/>
+          <a:p>
+            <a:r>
+              <a:rPr lang="en-US" sz="2800" b="1" dirty="0">
+                <a:solidFill>
+                  <a:srgbClr val="2929C4"/>
+                </a:solidFill>
+                <a:latin typeface="Dotum" panose="020B0600000101010101" pitchFamily="34" charset="-127"/>
+                <a:ea typeface="Dotum" panose="020B0600000101010101" pitchFamily="34" charset="-127"/>
+                <a:cs typeface="Al Bayan Plain" pitchFamily="2" charset="-78"/>
+              </a:rPr>
+              <a:t>CropArray</a:t>
+            </a:r>
+            <a:r>
+              <a:rPr lang="en-US" sz="2800" b="1" dirty="0">
+                <a:latin typeface="Dotum" panose="020B0600000101010101" pitchFamily="34" charset="-127"/>
+                <a:ea typeface="Dotum" panose="020B0600000101010101" pitchFamily="34" charset="-127"/>
+                <a:cs typeface="Al Bayan Plain" pitchFamily="2" charset="-78"/>
+              </a:rPr>
+              <a:t> </a:t>
+            </a:r>
+          </a:p>
+        </p:txBody>
+      </p:sp>
+      <p:sp>
+        <p:nvSpPr>
+          <p:cNvPr id="14" name="Rounded Rectangle 13">
+            <a:extLst>
+              <a:ext uri="{FF2B5EF4-FFF2-40B4-BE49-F238E27FC236}">
+                <a16:creationId xmlns:a16="http://schemas.microsoft.com/office/drawing/2014/main" id="{2CD7946B-362F-0549-8A7B-BFB2BEEDC5F5}"/>
+              </a:ext>
+            </a:extLst>
+          </p:cNvPr>
+          <p:cNvSpPr/>
+          <p:nvPr/>
+        </p:nvSpPr>
+        <p:spPr>
+          <a:xfrm>
+            <a:off x="37071" y="0"/>
+            <a:ext cx="535622" cy="6858000"/>
+          </a:xfrm>
+          <a:prstGeom prst="roundRect">
+            <a:avLst>
+              <a:gd name="adj" fmla="val 5997"/>
+            </a:avLst>
+          </a:prstGeom>
+          <a:solidFill>
+            <a:srgbClr val="2929C4"/>
+          </a:solidFill>
+          <a:ln>
+            <a:noFill/>
+          </a:ln>
+        </p:spPr>
+        <p:style>
+          <a:lnRef idx="2">
+            <a:schemeClr val="accent1">
+              <a:shade val="50000"/>
+            </a:schemeClr>
+          </a:lnRef>
+          <a:fillRef idx="1">
+            <a:schemeClr val="accent1"/>
+          </a:fillRef>
+          <a:effectRef idx="0">
+            <a:schemeClr val="accent1"/>
+          </a:effectRef>
+          <a:fontRef idx="minor">
+            <a:schemeClr val="lt1"/>
+          </a:fontRef>
+        </p:style>
+        <p:txBody>
+          <a:bodyPr rtlCol="0" anchor="ctr"/>
+          <a:lstStyle/>
+          <a:p>
+            <a:pPr algn="ctr"/>
+            <a:endParaRPr lang="en-US"/>
+          </a:p>
+        </p:txBody>
+      </p:sp>
+      <p:sp>
+        <p:nvSpPr>
+          <p:cNvPr id="16" name="TextBox 15">
+            <a:extLst>
+              <a:ext uri="{FF2B5EF4-FFF2-40B4-BE49-F238E27FC236}">
+                <a16:creationId xmlns:a16="http://schemas.microsoft.com/office/drawing/2014/main" id="{B917ED39-3451-E74C-8D70-A5B9F5DF3DCB}"/>
+              </a:ext>
+            </a:extLst>
+          </p:cNvPr>
+          <p:cNvSpPr txBox="1"/>
+          <p:nvPr/>
+        </p:nvSpPr>
+        <p:spPr>
+          <a:xfrm>
+            <a:off x="737999" y="1208400"/>
+            <a:ext cx="6477309" cy="461665"/>
+          </a:xfrm>
+          <a:prstGeom prst="rect">
+            <a:avLst/>
+          </a:prstGeom>
+          <a:noFill/>
+        </p:spPr>
+        <p:txBody>
+          <a:bodyPr wrap="square">
+            <a:spAutoFit/>
+          </a:bodyPr>
+          <a:lstStyle/>
+          <a:p>
+            <a:r>
+              <a:rPr lang="en-US" sz="2400" b="1" dirty="0">
+                <a:solidFill>
+                  <a:schemeClr val="accent4">
+                    <a:lumMod val="75000"/>
+                  </a:schemeClr>
+                </a:solidFill>
+                <a:latin typeface="Dotum" panose="020B0600000101010101" pitchFamily="34" charset="-127"/>
+                <a:ea typeface="Dotum" panose="020B0600000101010101" pitchFamily="34" charset="-127"/>
+                <a:cs typeface="Al Bayan Plain" pitchFamily="2" charset="-78"/>
+              </a:rPr>
+              <a:t>Module Dependencies</a:t>
+            </a:r>
+            <a:endParaRPr lang="en-US" sz="2400" dirty="0">
+              <a:solidFill>
+                <a:schemeClr val="accent4">
+                  <a:lumMod val="75000"/>
+                </a:schemeClr>
+              </a:solidFill>
+            </a:endParaRPr>
+          </a:p>
+        </p:txBody>
+      </p:sp>
+      <p:pic>
+        <p:nvPicPr>
+          <p:cNvPr id="29" name="Graphic 28" descr="Illustrator with solid fill">
+            <a:extLst>
+              <a:ext uri="{FF2B5EF4-FFF2-40B4-BE49-F238E27FC236}">
+                <a16:creationId xmlns:a16="http://schemas.microsoft.com/office/drawing/2014/main" id="{C74DC83B-BED1-5840-8C24-5E652AE5702A}"/>
+              </a:ext>
+            </a:extLst>
+          </p:cNvPr>
+          <p:cNvPicPr>
+            <a:picLocks noChangeAspect="1"/>
+          </p:cNvPicPr>
+          <p:nvPr/>
+        </p:nvPicPr>
+        <p:blipFill>
+          <a:blip r:embed="rId2">
+            <a:extLst>
+              <a:ext uri="{96DAC541-7B7A-43D3-8B79-37D633B846F1}">
+                <asvg:svgBlip xmlns:asvg="http://schemas.microsoft.com/office/drawing/2016/SVG/main" r:embed="rId3"/>
+              </a:ext>
+            </a:extLst>
+          </a:blip>
+          <a:stretch>
+            <a:fillRect/>
+          </a:stretch>
+        </p:blipFill>
+        <p:spPr>
+          <a:xfrm>
+            <a:off x="61785" y="161698"/>
+            <a:ext cx="457200" cy="457200"/>
+          </a:xfrm>
+          <a:prstGeom prst="rect">
+            <a:avLst/>
+          </a:prstGeom>
+        </p:spPr>
+      </p:pic>
+      <p:pic>
+        <p:nvPicPr>
+          <p:cNvPr id="1026" name="Picture 2" descr="xarray: N-D labeled arrays and datasets in Python">
+            <a:extLst>
+              <a:ext uri="{FF2B5EF4-FFF2-40B4-BE49-F238E27FC236}">
+                <a16:creationId xmlns:a16="http://schemas.microsoft.com/office/drawing/2014/main" id="{E36AC3C9-53C4-C04B-A0FE-9DB3F2E02ED5}"/>
+              </a:ext>
+            </a:extLst>
+          </p:cNvPr>
+          <p:cNvPicPr>
+            <a:picLocks noChangeAspect="1" noChangeArrowheads="1"/>
+          </p:cNvPicPr>
+          <p:nvPr/>
+        </p:nvPicPr>
+        <p:blipFill>
+          <a:blip r:embed="rId4">
+            <a:extLst>
+              <a:ext uri="{28A0092B-C50C-407E-A947-70E740481C1C}">
+                <a14:useLocalDpi xmlns:a14="http://schemas.microsoft.com/office/drawing/2010/main" val="0"/>
+              </a:ext>
+            </a:extLst>
+          </a:blip>
+          <a:srcRect/>
+          <a:stretch>
+            <a:fillRect/>
+          </a:stretch>
+        </p:blipFill>
+        <p:spPr bwMode="auto">
+          <a:xfrm>
+            <a:off x="1189944" y="2825104"/>
+            <a:ext cx="2458277" cy="921854"/>
+          </a:xfrm>
+          <a:prstGeom prst="rect">
+            <a:avLst/>
+          </a:prstGeom>
+          <a:noFill/>
+          <a:extLst>
+            <a:ext uri="{909E8E84-426E-40DD-AFC4-6F175D3DCCD1}">
+              <a14:hiddenFill xmlns:a14="http://schemas.microsoft.com/office/drawing/2010/main">
+                <a:solidFill>
+                  <a:srgbClr val="FFFFFF"/>
+                </a:solidFill>
+              </a14:hiddenFill>
+            </a:ext>
+          </a:extLst>
+        </p:spPr>
+      </p:pic>
+      <p:pic>
+        <p:nvPicPr>
+          <p:cNvPr id="1028" name="Picture 4" descr="Trackpy: Fast, Flexible Particle-Tracking Toolkit — trackpy 0.5.0  documentation">
+            <a:extLst>
+              <a:ext uri="{FF2B5EF4-FFF2-40B4-BE49-F238E27FC236}">
+                <a16:creationId xmlns:a16="http://schemas.microsoft.com/office/drawing/2014/main" id="{952A3096-5B28-AE40-AF28-7706290113BC}"/>
+              </a:ext>
+            </a:extLst>
+          </p:cNvPr>
+          <p:cNvPicPr>
+            <a:picLocks noChangeAspect="1" noChangeArrowheads="1"/>
+          </p:cNvPicPr>
+          <p:nvPr/>
+        </p:nvPicPr>
+        <p:blipFill>
+          <a:blip r:embed="rId5">
+            <a:extLst>
+              <a:ext uri="{28A0092B-C50C-407E-A947-70E740481C1C}">
+                <a14:useLocalDpi xmlns:a14="http://schemas.microsoft.com/office/drawing/2010/main" val="0"/>
+              </a:ext>
+            </a:extLst>
+          </a:blip>
+          <a:srcRect/>
+          <a:stretch>
+            <a:fillRect/>
+          </a:stretch>
+        </p:blipFill>
+        <p:spPr bwMode="auto">
+          <a:xfrm>
+            <a:off x="3692893" y="2512593"/>
+            <a:ext cx="1507987" cy="1507987"/>
+          </a:xfrm>
+          <a:prstGeom prst="rect">
+            <a:avLst/>
+          </a:prstGeom>
+          <a:noFill/>
+          <a:extLst>
+            <a:ext uri="{909E8E84-426E-40DD-AFC4-6F175D3DCCD1}">
+              <a14:hiddenFill xmlns:a14="http://schemas.microsoft.com/office/drawing/2010/main">
+                <a:solidFill>
+                  <a:srgbClr val="FFFFFF"/>
+                </a:solidFill>
+              </a14:hiddenFill>
+            </a:ext>
+          </a:extLst>
+        </p:spPr>
+      </p:pic>
+      <p:pic>
+        <p:nvPicPr>
+          <p:cNvPr id="1030" name="Picture 6" descr="napari">
+            <a:extLst>
+              <a:ext uri="{FF2B5EF4-FFF2-40B4-BE49-F238E27FC236}">
+                <a16:creationId xmlns:a16="http://schemas.microsoft.com/office/drawing/2014/main" id="{D4F61D88-8962-6C40-B280-B2206B598B4E}"/>
+              </a:ext>
+            </a:extLst>
+          </p:cNvPr>
+          <p:cNvPicPr>
+            <a:picLocks noChangeAspect="1" noChangeArrowheads="1"/>
+          </p:cNvPicPr>
+          <p:nvPr/>
+        </p:nvPicPr>
+        <p:blipFill>
+          <a:blip r:embed="rId6">
+            <a:extLst>
+              <a:ext uri="{28A0092B-C50C-407E-A947-70E740481C1C}">
+                <a14:useLocalDpi xmlns:a14="http://schemas.microsoft.com/office/drawing/2010/main" val="0"/>
+              </a:ext>
+            </a:extLst>
+          </a:blip>
+          <a:srcRect/>
+          <a:stretch>
+            <a:fillRect/>
+          </a:stretch>
+        </p:blipFill>
+        <p:spPr bwMode="auto">
+          <a:xfrm>
+            <a:off x="5490026" y="2828003"/>
+            <a:ext cx="1152802" cy="1151469"/>
+          </a:xfrm>
+          <a:prstGeom prst="rect">
+            <a:avLst/>
+          </a:prstGeom>
+          <a:noFill/>
+          <a:extLst>
+            <a:ext uri="{909E8E84-426E-40DD-AFC4-6F175D3DCCD1}">
+              <a14:hiddenFill xmlns:a14="http://schemas.microsoft.com/office/drawing/2010/main">
+                <a:solidFill>
+                  <a:srgbClr val="FFFFFF"/>
+                </a:solidFill>
+              </a14:hiddenFill>
+            </a:ext>
+          </a:extLst>
+        </p:spPr>
+      </p:pic>
+      <p:sp>
+        <p:nvSpPr>
+          <p:cNvPr id="9" name="TextBox 8">
+            <a:extLst>
+              <a:ext uri="{FF2B5EF4-FFF2-40B4-BE49-F238E27FC236}">
+                <a16:creationId xmlns:a16="http://schemas.microsoft.com/office/drawing/2014/main" id="{6F64C71A-99BC-434A-A1DA-14ECF7B7CF7A}"/>
+              </a:ext>
+            </a:extLst>
+          </p:cNvPr>
+          <p:cNvSpPr txBox="1"/>
+          <p:nvPr/>
+        </p:nvSpPr>
+        <p:spPr>
+          <a:xfrm>
+            <a:off x="1677398" y="4045777"/>
+            <a:ext cx="958917" cy="369332"/>
+          </a:xfrm>
+          <a:prstGeom prst="rect">
+            <a:avLst/>
+          </a:prstGeom>
+          <a:noFill/>
+        </p:spPr>
+        <p:txBody>
+          <a:bodyPr wrap="none" rtlCol="0">
+            <a:spAutoFit/>
+          </a:bodyPr>
+          <a:lstStyle/>
+          <a:p>
+            <a:pPr algn="ctr"/>
+            <a:r>
+              <a:rPr lang="en-US" dirty="0">
+                <a:latin typeface="Dotum" panose="020B0600000101010101" pitchFamily="34" charset="-127"/>
+                <a:ea typeface="Dotum" panose="020B0600000101010101" pitchFamily="34" charset="-127"/>
+              </a:rPr>
+              <a:t>x-array</a:t>
+            </a:r>
+            <a:endParaRPr lang="en-US" sz="1400" dirty="0">
+              <a:latin typeface="Dotum" panose="020B0600000101010101" pitchFamily="34" charset="-127"/>
+              <a:ea typeface="Dotum" panose="020B0600000101010101" pitchFamily="34" charset="-127"/>
+            </a:endParaRPr>
+          </a:p>
+        </p:txBody>
+      </p:sp>
+      <p:sp>
+        <p:nvSpPr>
+          <p:cNvPr id="10" name="TextBox 9">
+            <a:extLst>
+              <a:ext uri="{FF2B5EF4-FFF2-40B4-BE49-F238E27FC236}">
+                <a16:creationId xmlns:a16="http://schemas.microsoft.com/office/drawing/2014/main" id="{7543D5AC-6A9F-2E44-9968-EDB13BF7CE1C}"/>
+              </a:ext>
+            </a:extLst>
+          </p:cNvPr>
+          <p:cNvSpPr txBox="1"/>
+          <p:nvPr/>
+        </p:nvSpPr>
+        <p:spPr>
+          <a:xfrm>
+            <a:off x="3961817" y="4049256"/>
+            <a:ext cx="970137" cy="369332"/>
+          </a:xfrm>
+          <a:prstGeom prst="rect">
+            <a:avLst/>
+          </a:prstGeom>
+          <a:noFill/>
+        </p:spPr>
+        <p:txBody>
+          <a:bodyPr wrap="none" rtlCol="0">
+            <a:spAutoFit/>
+          </a:bodyPr>
+          <a:lstStyle/>
+          <a:p>
+            <a:pPr algn="ctr"/>
+            <a:r>
+              <a:rPr lang="en-US" dirty="0" err="1">
+                <a:latin typeface="Dotum" panose="020B0600000101010101" pitchFamily="34" charset="-127"/>
+                <a:ea typeface="Dotum" panose="020B0600000101010101" pitchFamily="34" charset="-127"/>
+              </a:rPr>
+              <a:t>trackPy</a:t>
+            </a:r>
+            <a:endParaRPr lang="en-US" sz="1400" dirty="0">
+              <a:latin typeface="Dotum" panose="020B0600000101010101" pitchFamily="34" charset="-127"/>
+              <a:ea typeface="Dotum" panose="020B0600000101010101" pitchFamily="34" charset="-127"/>
+            </a:endParaRPr>
+          </a:p>
+        </p:txBody>
+      </p:sp>
+      <p:sp>
+        <p:nvSpPr>
+          <p:cNvPr id="12" name="TextBox 11">
+            <a:extLst>
+              <a:ext uri="{FF2B5EF4-FFF2-40B4-BE49-F238E27FC236}">
+                <a16:creationId xmlns:a16="http://schemas.microsoft.com/office/drawing/2014/main" id="{73FB81C2-C0FE-5543-825E-E36C7D3E9263}"/>
+              </a:ext>
+            </a:extLst>
+          </p:cNvPr>
+          <p:cNvSpPr txBox="1"/>
+          <p:nvPr/>
+        </p:nvSpPr>
+        <p:spPr>
+          <a:xfrm>
+            <a:off x="5653671" y="4049256"/>
+            <a:ext cx="880369" cy="369332"/>
+          </a:xfrm>
+          <a:prstGeom prst="rect">
+            <a:avLst/>
+          </a:prstGeom>
+          <a:noFill/>
+        </p:spPr>
+        <p:txBody>
+          <a:bodyPr wrap="none" rtlCol="0">
+            <a:spAutoFit/>
+          </a:bodyPr>
+          <a:lstStyle/>
+          <a:p>
+            <a:pPr algn="ctr"/>
+            <a:r>
+              <a:rPr lang="en-US" dirty="0" err="1">
+                <a:latin typeface="Dotum" panose="020B0600000101010101" pitchFamily="34" charset="-127"/>
+                <a:ea typeface="Dotum" panose="020B0600000101010101" pitchFamily="34" charset="-127"/>
+              </a:rPr>
+              <a:t>Napari</a:t>
+            </a:r>
+            <a:endParaRPr lang="en-US" sz="1400" dirty="0">
+              <a:latin typeface="Dotum" panose="020B0600000101010101" pitchFamily="34" charset="-127"/>
+              <a:ea typeface="Dotum" panose="020B0600000101010101" pitchFamily="34" charset="-127"/>
+            </a:endParaRPr>
+          </a:p>
+        </p:txBody>
+      </p:sp>
+      <p:sp>
+        <p:nvSpPr>
+          <p:cNvPr id="15" name="TextBox 14">
+            <a:extLst>
+              <a:ext uri="{FF2B5EF4-FFF2-40B4-BE49-F238E27FC236}">
+                <a16:creationId xmlns:a16="http://schemas.microsoft.com/office/drawing/2014/main" id="{65D36003-6D19-3243-84D8-FFB360947412}"/>
+              </a:ext>
+            </a:extLst>
+          </p:cNvPr>
+          <p:cNvSpPr txBox="1"/>
+          <p:nvPr/>
+        </p:nvSpPr>
+        <p:spPr>
+          <a:xfrm>
+            <a:off x="7273050" y="4045777"/>
+            <a:ext cx="1109599" cy="369332"/>
+          </a:xfrm>
+          <a:prstGeom prst="rect">
+            <a:avLst/>
+          </a:prstGeom>
+          <a:noFill/>
+        </p:spPr>
+        <p:txBody>
+          <a:bodyPr wrap="none" rtlCol="0">
+            <a:spAutoFit/>
+          </a:bodyPr>
+          <a:lstStyle/>
+          <a:p>
+            <a:pPr algn="ctr"/>
+            <a:r>
+              <a:rPr lang="en-US" dirty="0">
+                <a:latin typeface="Dotum" panose="020B0600000101010101" pitchFamily="34" charset="-127"/>
+                <a:ea typeface="Dotum" panose="020B0600000101010101" pitchFamily="34" charset="-127"/>
+              </a:rPr>
+              <a:t>Cellpose</a:t>
+            </a:r>
+            <a:endParaRPr lang="en-US" sz="1400" dirty="0">
+              <a:latin typeface="Dotum" panose="020B0600000101010101" pitchFamily="34" charset="-127"/>
+              <a:ea typeface="Dotum" panose="020B0600000101010101" pitchFamily="34" charset="-127"/>
+            </a:endParaRPr>
+          </a:p>
+        </p:txBody>
+      </p:sp>
+      <p:pic>
+        <p:nvPicPr>
+          <p:cNvPr id="1032" name="Picture 8" descr="GitHub - MouseLand/cellpose: a generalist algorithm for cellular  segmentation">
+            <a:extLst>
+              <a:ext uri="{FF2B5EF4-FFF2-40B4-BE49-F238E27FC236}">
+                <a16:creationId xmlns:a16="http://schemas.microsoft.com/office/drawing/2014/main" id="{50C78037-450A-6941-8E25-D74A0C927C4E}"/>
+              </a:ext>
+            </a:extLst>
+          </p:cNvPr>
+          <p:cNvPicPr>
+            <a:picLocks noChangeAspect="1" noChangeArrowheads="1"/>
+          </p:cNvPicPr>
+          <p:nvPr/>
+        </p:nvPicPr>
+        <p:blipFill>
+          <a:blip r:embed="rId7">
+            <a:extLst>
+              <a:ext uri="{28A0092B-C50C-407E-A947-70E740481C1C}">
+                <a14:useLocalDpi xmlns:a14="http://schemas.microsoft.com/office/drawing/2010/main" val="0"/>
+              </a:ext>
+            </a:extLst>
+          </a:blip>
+          <a:srcRect/>
+          <a:stretch>
+            <a:fillRect/>
+          </a:stretch>
+        </p:blipFill>
+        <p:spPr bwMode="auto">
+          <a:xfrm>
+            <a:off x="7151223" y="2607398"/>
+            <a:ext cx="1353252" cy="1353252"/>
+          </a:xfrm>
+          <a:prstGeom prst="rect">
+            <a:avLst/>
+          </a:prstGeom>
+          <a:noFill/>
+          <a:extLst>
+            <a:ext uri="{909E8E84-426E-40DD-AFC4-6F175D3DCCD1}">
+              <a14:hiddenFill xmlns:a14="http://schemas.microsoft.com/office/drawing/2010/main">
+                <a:solidFill>
+                  <a:srgbClr val="FFFFFF"/>
+                </a:solidFill>
+              </a14:hiddenFill>
+            </a:ext>
+          </a:extLst>
+        </p:spPr>
+      </p:pic>
+      <p:pic>
+        <p:nvPicPr>
+          <p:cNvPr id="5" name="Graphic 4" descr="Web design with solid fill">
+            <a:extLst>
+              <a:ext uri="{FF2B5EF4-FFF2-40B4-BE49-F238E27FC236}">
+                <a16:creationId xmlns:a16="http://schemas.microsoft.com/office/drawing/2014/main" id="{40F5E4F8-C8DA-D948-BFBA-6FA945756532}"/>
+              </a:ext>
+            </a:extLst>
+          </p:cNvPr>
+          <p:cNvPicPr>
+            <a:picLocks noChangeAspect="1"/>
+          </p:cNvPicPr>
+          <p:nvPr/>
+        </p:nvPicPr>
+        <p:blipFill>
+          <a:blip r:embed="rId8">
+            <a:extLst>
+              <a:ext uri="{96DAC541-7B7A-43D3-8B79-37D633B846F1}">
+                <asvg:svgBlip xmlns:asvg="http://schemas.microsoft.com/office/drawing/2016/SVG/main" r:embed="rId9"/>
+              </a:ext>
+            </a:extLst>
+          </a:blip>
+          <a:stretch>
+            <a:fillRect/>
+          </a:stretch>
+        </p:blipFill>
+        <p:spPr>
+          <a:xfrm>
+            <a:off x="37071" y="1188151"/>
+            <a:ext cx="481914" cy="481914"/>
+          </a:xfrm>
+          <a:prstGeom prst="rect">
+            <a:avLst/>
+          </a:prstGeom>
+        </p:spPr>
+      </p:pic>
+      <p:sp>
+        <p:nvSpPr>
+          <p:cNvPr id="17" name="TextBox 16">
+            <a:extLst>
+              <a:ext uri="{FF2B5EF4-FFF2-40B4-BE49-F238E27FC236}">
+                <a16:creationId xmlns:a16="http://schemas.microsoft.com/office/drawing/2014/main" id="{4812A5DB-29A6-7C40-8A55-561807FAE311}"/>
+              </a:ext>
+            </a:extLst>
+          </p:cNvPr>
+          <p:cNvSpPr txBox="1"/>
+          <p:nvPr/>
+        </p:nvSpPr>
+        <p:spPr>
+          <a:xfrm>
+            <a:off x="8769534" y="4045777"/>
+            <a:ext cx="1335622" cy="369332"/>
+          </a:xfrm>
+          <a:prstGeom prst="rect">
+            <a:avLst/>
+          </a:prstGeom>
+          <a:noFill/>
+        </p:spPr>
+        <p:txBody>
+          <a:bodyPr wrap="none" rtlCol="0">
+            <a:spAutoFit/>
+          </a:bodyPr>
+          <a:lstStyle/>
+          <a:p>
+            <a:pPr algn="ctr"/>
+            <a:r>
+              <a:rPr lang="en-US" dirty="0" err="1">
+                <a:latin typeface="Dotum" panose="020B0600000101010101" pitchFamily="34" charset="-127"/>
+                <a:ea typeface="Dotum" panose="020B0600000101010101" pitchFamily="34" charset="-127"/>
+              </a:rPr>
+              <a:t>FISHQuant</a:t>
+            </a:r>
+            <a:endParaRPr lang="en-US" sz="1400" dirty="0">
+              <a:latin typeface="Dotum" panose="020B0600000101010101" pitchFamily="34" charset="-127"/>
+              <a:ea typeface="Dotum" panose="020B0600000101010101" pitchFamily="34" charset="-127"/>
+            </a:endParaRPr>
+          </a:p>
+        </p:txBody>
+      </p:sp>
+      <p:pic>
+        <p:nvPicPr>
+          <p:cNvPr id="2" name="Picture 2" descr="@fish-quant">
+            <a:extLst>
+              <a:ext uri="{FF2B5EF4-FFF2-40B4-BE49-F238E27FC236}">
+                <a16:creationId xmlns:a16="http://schemas.microsoft.com/office/drawing/2014/main" id="{EB4CF63D-9019-6C45-B25C-78B7876C844B}"/>
+              </a:ext>
+            </a:extLst>
+          </p:cNvPr>
+          <p:cNvPicPr>
+            <a:picLocks noChangeAspect="1" noChangeArrowheads="1"/>
+          </p:cNvPicPr>
+          <p:nvPr/>
+        </p:nvPicPr>
+        <p:blipFill>
+          <a:blip r:embed="rId10">
+            <a:extLst>
+              <a:ext uri="{28A0092B-C50C-407E-A947-70E740481C1C}">
+                <a14:useLocalDpi xmlns:a14="http://schemas.microsoft.com/office/drawing/2010/main" val="0"/>
+              </a:ext>
+            </a:extLst>
+          </a:blip>
+          <a:srcRect/>
+          <a:stretch>
+            <a:fillRect/>
+          </a:stretch>
+        </p:blipFill>
+        <p:spPr bwMode="auto">
+          <a:xfrm>
+            <a:off x="8710975" y="2690650"/>
+            <a:ext cx="1270000" cy="1270000"/>
+          </a:xfrm>
+          <a:prstGeom prst="rect">
+            <a:avLst/>
+          </a:prstGeom>
+          <a:noFill/>
+          <a:extLst>
+            <a:ext uri="{909E8E84-426E-40DD-AFC4-6F175D3DCCD1}">
+              <a14:hiddenFill xmlns:a14="http://schemas.microsoft.com/office/drawing/2010/main">
+                <a:solidFill>
+                  <a:srgbClr val="FFFFFF"/>
+                </a:solidFill>
+              </a14:hiddenFill>
+            </a:ext>
+          </a:extLst>
+        </p:spPr>
+      </p:pic>
+      <p:sp>
+        <p:nvSpPr>
+          <p:cNvPr id="18" name="TextBox 17">
+            <a:extLst>
+              <a:ext uri="{FF2B5EF4-FFF2-40B4-BE49-F238E27FC236}">
+                <a16:creationId xmlns:a16="http://schemas.microsoft.com/office/drawing/2014/main" id="{41D31B8D-4B5C-A348-89CA-E5DD8998B6E1}"/>
+              </a:ext>
+            </a:extLst>
+          </p:cNvPr>
+          <p:cNvSpPr txBox="1"/>
+          <p:nvPr/>
+        </p:nvSpPr>
+        <p:spPr>
+          <a:xfrm>
+            <a:off x="10543657" y="4045777"/>
+            <a:ext cx="1050289" cy="369332"/>
+          </a:xfrm>
+          <a:prstGeom prst="rect">
+            <a:avLst/>
+          </a:prstGeom>
+          <a:noFill/>
+        </p:spPr>
+        <p:txBody>
+          <a:bodyPr wrap="none" rtlCol="0">
+            <a:spAutoFit/>
+          </a:bodyPr>
+          <a:lstStyle/>
+          <a:p>
+            <a:pPr algn="ctr"/>
+            <a:r>
+              <a:rPr lang="en-US" dirty="0" err="1">
+                <a:latin typeface="Dotum" panose="020B0600000101010101" pitchFamily="34" charset="-127"/>
+                <a:ea typeface="Dotum" panose="020B0600000101010101" pitchFamily="34" charset="-127"/>
+              </a:rPr>
+              <a:t>rsnaped</a:t>
+            </a:r>
+            <a:endParaRPr lang="en-US" sz="1400" dirty="0">
+              <a:latin typeface="Dotum" panose="020B0600000101010101" pitchFamily="34" charset="-127"/>
+              <a:ea typeface="Dotum" panose="020B0600000101010101" pitchFamily="34" charset="-127"/>
+            </a:endParaRPr>
+          </a:p>
+        </p:txBody>
+      </p:sp>
+      <p:pic>
+        <p:nvPicPr>
+          <p:cNvPr id="6" name="Picture 5">
+            <a:extLst>
+              <a:ext uri="{FF2B5EF4-FFF2-40B4-BE49-F238E27FC236}">
+                <a16:creationId xmlns:a16="http://schemas.microsoft.com/office/drawing/2014/main" id="{F482412E-7329-A843-B946-5A4A4B29C877}"/>
+              </a:ext>
+            </a:extLst>
+          </p:cNvPr>
+          <p:cNvPicPr>
+            <a:picLocks noChangeAspect="1"/>
+          </p:cNvPicPr>
+          <p:nvPr/>
+        </p:nvPicPr>
+        <p:blipFill>
+          <a:blip r:embed="rId11"/>
+          <a:stretch>
+            <a:fillRect/>
+          </a:stretch>
+        </p:blipFill>
+        <p:spPr>
+          <a:xfrm>
+            <a:off x="10367860" y="2607398"/>
+            <a:ext cx="1401882" cy="1401882"/>
+          </a:xfrm>
+          <a:prstGeom prst="rect">
+            <a:avLst/>
+          </a:prstGeom>
+        </p:spPr>
+      </p:pic>
+    </p:spTree>
+    <p:extLst>
+      <p:ext uri="{BB962C8B-B14F-4D97-AF65-F5344CB8AC3E}">
+        <p14:creationId xmlns:p14="http://schemas.microsoft.com/office/powerpoint/2010/main" val="738947813"/>
+      </p:ext>
+    </p:extLst>
+  </p:cSld>
+  <p:clrMapOvr>
+    <a:masterClrMapping/>
+  </p:clrMapOvr>
+</p:sld>
+</file>
+
+<file path=ppt/slides/slide8.xml><?xml version="1.0" encoding="utf-8"?>
+<p:sld xmlns:a="http://schemas.openxmlformats.org/drawingml/2006/main" xmlns:r="http://schemas.openxmlformats.org/officeDocument/2006/relationships" xmlns:p="http://schemas.openxmlformats.org/presentationml/2006/main">
+  <p:cSld>
+    <p:spTree>
+      <p:nvGrpSpPr>
+        <p:cNvPr id="1" name=""/>
+        <p:cNvGrpSpPr/>
+        <p:nvPr/>
+      </p:nvGrpSpPr>
+      <p:grpSpPr>
+        <a:xfrm>
+          <a:off x="0" y="0"/>
+          <a:ext cx="0" cy="0"/>
+          <a:chOff x="0" y="0"/>
+          <a:chExt cx="0" cy="0"/>
+        </a:xfrm>
+      </p:grpSpPr>
+      <p:sp>
+        <p:nvSpPr>
+          <p:cNvPr id="4" name="TextBox 3">
+            <a:extLst>
+              <a:ext uri="{FF2B5EF4-FFF2-40B4-BE49-F238E27FC236}">
+                <a16:creationId xmlns:a16="http://schemas.microsoft.com/office/drawing/2014/main" id="{B99285A4-A033-C74F-9499-E545F95BE0AA}"/>
+              </a:ext>
+            </a:extLst>
+          </p:cNvPr>
+          <p:cNvSpPr txBox="1"/>
+          <p:nvPr/>
+        </p:nvSpPr>
+        <p:spPr>
+          <a:xfrm>
+            <a:off x="737999" y="127407"/>
+            <a:ext cx="1967205" cy="523220"/>
+          </a:xfrm>
+          <a:prstGeom prst="rect">
+            <a:avLst/>
+          </a:prstGeom>
+          <a:noFill/>
+        </p:spPr>
+        <p:txBody>
+          <a:bodyPr wrap="none" rtlCol="0">
+            <a:spAutoFit/>
+          </a:bodyPr>
+          <a:lstStyle/>
+          <a:p>
+            <a:r>
+              <a:rPr lang="en-US" sz="2800" b="1" dirty="0">
+                <a:solidFill>
+                  <a:srgbClr val="2929C4"/>
+                </a:solidFill>
+                <a:latin typeface="Dotum" panose="020B0600000101010101" pitchFamily="34" charset="-127"/>
+                <a:ea typeface="Dotum" panose="020B0600000101010101" pitchFamily="34" charset="-127"/>
+                <a:cs typeface="Al Bayan Plain" pitchFamily="2" charset="-78"/>
+              </a:rPr>
+              <a:t>CropArray</a:t>
+            </a:r>
+            <a:r>
+              <a:rPr lang="en-US" sz="2800" b="1" dirty="0">
+                <a:latin typeface="Dotum" panose="020B0600000101010101" pitchFamily="34" charset="-127"/>
+                <a:ea typeface="Dotum" panose="020B0600000101010101" pitchFamily="34" charset="-127"/>
+                <a:cs typeface="Al Bayan Plain" pitchFamily="2" charset="-78"/>
+              </a:rPr>
+              <a:t> </a:t>
+            </a:r>
+          </a:p>
+        </p:txBody>
+      </p:sp>
+      <p:sp>
+        <p:nvSpPr>
+          <p:cNvPr id="14" name="Rounded Rectangle 13">
+            <a:extLst>
+              <a:ext uri="{FF2B5EF4-FFF2-40B4-BE49-F238E27FC236}">
+                <a16:creationId xmlns:a16="http://schemas.microsoft.com/office/drawing/2014/main" id="{2CD7946B-362F-0549-8A7B-BFB2BEEDC5F5}"/>
+              </a:ext>
+            </a:extLst>
+          </p:cNvPr>
+          <p:cNvSpPr/>
+          <p:nvPr/>
+        </p:nvSpPr>
+        <p:spPr>
+          <a:xfrm>
+            <a:off x="37071" y="0"/>
+            <a:ext cx="535622" cy="6858000"/>
+          </a:xfrm>
+          <a:prstGeom prst="roundRect">
+            <a:avLst>
+              <a:gd name="adj" fmla="val 5997"/>
+            </a:avLst>
+          </a:prstGeom>
+          <a:solidFill>
+            <a:srgbClr val="2929C4"/>
+          </a:solidFill>
+          <a:ln>
+            <a:noFill/>
+          </a:ln>
+        </p:spPr>
+        <p:style>
+          <a:lnRef idx="2">
+            <a:schemeClr val="accent1">
+              <a:shade val="50000"/>
+            </a:schemeClr>
+          </a:lnRef>
+          <a:fillRef idx="1">
+            <a:schemeClr val="accent1"/>
+          </a:fillRef>
+          <a:effectRef idx="0">
+            <a:schemeClr val="accent1"/>
+          </a:effectRef>
+          <a:fontRef idx="minor">
+            <a:schemeClr val="lt1"/>
+          </a:fontRef>
+        </p:style>
+        <p:txBody>
+          <a:bodyPr rtlCol="0" anchor="ctr"/>
+          <a:lstStyle/>
+          <a:p>
+            <a:pPr algn="ctr"/>
+            <a:endParaRPr lang="en-US"/>
+          </a:p>
+        </p:txBody>
+      </p:sp>
+      <p:sp>
+        <p:nvSpPr>
+          <p:cNvPr id="16" name="TextBox 15">
+            <a:extLst>
+              <a:ext uri="{FF2B5EF4-FFF2-40B4-BE49-F238E27FC236}">
+                <a16:creationId xmlns:a16="http://schemas.microsoft.com/office/drawing/2014/main" id="{B917ED39-3451-E74C-8D70-A5B9F5DF3DCB}"/>
+              </a:ext>
+            </a:extLst>
+          </p:cNvPr>
+          <p:cNvSpPr txBox="1"/>
+          <p:nvPr/>
+        </p:nvSpPr>
+        <p:spPr>
+          <a:xfrm>
+            <a:off x="737999" y="944475"/>
+            <a:ext cx="6477309" cy="461665"/>
+          </a:xfrm>
+          <a:prstGeom prst="rect">
+            <a:avLst/>
+          </a:prstGeom>
+          <a:noFill/>
+        </p:spPr>
+        <p:txBody>
+          <a:bodyPr wrap="square">
+            <a:spAutoFit/>
+          </a:bodyPr>
+          <a:lstStyle/>
+          <a:p>
+            <a:r>
+              <a:rPr lang="en-US" sz="2400" b="1" dirty="0">
+                <a:solidFill>
+                  <a:schemeClr val="accent4">
+                    <a:lumMod val="75000"/>
+                  </a:schemeClr>
+                </a:solidFill>
+                <a:latin typeface="Dotum" panose="020B0600000101010101" pitchFamily="34" charset="-127"/>
+                <a:ea typeface="Dotum" panose="020B0600000101010101" pitchFamily="34" charset="-127"/>
+                <a:cs typeface="Al Bayan Plain" pitchFamily="2" charset="-78"/>
+              </a:rPr>
+              <a:t>Applications</a:t>
+            </a:r>
+            <a:endParaRPr lang="en-US" sz="2400" dirty="0">
+              <a:solidFill>
+                <a:schemeClr val="accent4">
+                  <a:lumMod val="75000"/>
+                </a:schemeClr>
+              </a:solidFill>
+            </a:endParaRPr>
+          </a:p>
+        </p:txBody>
+      </p:sp>
+      <p:pic>
+        <p:nvPicPr>
+          <p:cNvPr id="29" name="Graphic 28" descr="Illustrator with solid fill">
+            <a:extLst>
+              <a:ext uri="{FF2B5EF4-FFF2-40B4-BE49-F238E27FC236}">
+                <a16:creationId xmlns:a16="http://schemas.microsoft.com/office/drawing/2014/main" id="{C74DC83B-BED1-5840-8C24-5E652AE5702A}"/>
+              </a:ext>
+            </a:extLst>
+          </p:cNvPr>
+          <p:cNvPicPr>
+            <a:picLocks noChangeAspect="1"/>
+          </p:cNvPicPr>
+          <p:nvPr/>
+        </p:nvPicPr>
+        <p:blipFill>
+          <a:blip r:embed="rId2">
+            <a:extLst>
+              <a:ext uri="{96DAC541-7B7A-43D3-8B79-37D633B846F1}">
+                <asvg:svgBlip xmlns:asvg="http://schemas.microsoft.com/office/drawing/2016/SVG/main" r:embed="rId3"/>
+              </a:ext>
+            </a:extLst>
+          </a:blip>
+          <a:stretch>
+            <a:fillRect/>
+          </a:stretch>
+        </p:blipFill>
+        <p:spPr>
+          <a:xfrm>
+            <a:off x="61785" y="161698"/>
+            <a:ext cx="457200" cy="457200"/>
+          </a:xfrm>
+          <a:prstGeom prst="rect">
+            <a:avLst/>
+          </a:prstGeom>
+        </p:spPr>
+      </p:pic>
+      <p:pic>
+        <p:nvPicPr>
+          <p:cNvPr id="3" name="Graphic 2" descr="Cursor with solid fill">
+            <a:extLst>
+              <a:ext uri="{FF2B5EF4-FFF2-40B4-BE49-F238E27FC236}">
+                <a16:creationId xmlns:a16="http://schemas.microsoft.com/office/drawing/2014/main" id="{73D7887D-BB50-7940-A266-9045F69F3F4C}"/>
+              </a:ext>
+            </a:extLst>
+          </p:cNvPr>
+          <p:cNvPicPr>
+            <a:picLocks noChangeAspect="1"/>
+          </p:cNvPicPr>
+          <p:nvPr/>
+        </p:nvPicPr>
+        <p:blipFill>
+          <a:blip r:embed="rId4">
+            <a:extLst>
+              <a:ext uri="{96DAC541-7B7A-43D3-8B79-37D633B846F1}">
+                <asvg:svgBlip xmlns:asvg="http://schemas.microsoft.com/office/drawing/2016/SVG/main" r:embed="rId5"/>
+              </a:ext>
+            </a:extLst>
+          </a:blip>
+          <a:stretch>
+            <a:fillRect/>
+          </a:stretch>
+        </p:blipFill>
+        <p:spPr>
+          <a:xfrm>
+            <a:off x="0" y="948940"/>
+            <a:ext cx="535622" cy="535622"/>
+          </a:xfrm>
+          <a:prstGeom prst="rect">
+            <a:avLst/>
+          </a:prstGeom>
+        </p:spPr>
+      </p:pic>
+      <p:sp>
+        <p:nvSpPr>
+          <p:cNvPr id="30" name="TextBox 29">
+            <a:extLst>
+              <a:ext uri="{FF2B5EF4-FFF2-40B4-BE49-F238E27FC236}">
+                <a16:creationId xmlns:a16="http://schemas.microsoft.com/office/drawing/2014/main" id="{0DED46F8-0D97-6841-A74E-45969F481C0F}"/>
+              </a:ext>
+            </a:extLst>
+          </p:cNvPr>
+          <p:cNvSpPr txBox="1"/>
+          <p:nvPr/>
+        </p:nvSpPr>
+        <p:spPr>
+          <a:xfrm>
+            <a:off x="1041706" y="1406140"/>
+            <a:ext cx="10678961" cy="400110"/>
+          </a:xfrm>
+          <a:prstGeom prst="rect">
+            <a:avLst/>
+          </a:prstGeom>
+          <a:noFill/>
+        </p:spPr>
+        <p:txBody>
+          <a:bodyPr wrap="square">
+            <a:spAutoFit/>
+          </a:bodyPr>
+          <a:lstStyle/>
+          <a:p>
+            <a:r>
+              <a:rPr lang="en-US" sz="2000" dirty="0">
+                <a:latin typeface="Dotum" panose="020B0600000101010101" pitchFamily="34" charset="-127"/>
+                <a:ea typeface="Dotum" panose="020B0600000101010101" pitchFamily="34" charset="-127"/>
+              </a:rPr>
+              <a:t>Working with FISH images</a:t>
+            </a:r>
+          </a:p>
+        </p:txBody>
+      </p:sp>
+      <p:sp>
+        <p:nvSpPr>
+          <p:cNvPr id="44" name="TextBox 43">
+            <a:extLst>
+              <a:ext uri="{FF2B5EF4-FFF2-40B4-BE49-F238E27FC236}">
+                <a16:creationId xmlns:a16="http://schemas.microsoft.com/office/drawing/2014/main" id="{7CC2D5B3-1BEA-3E4C-8C94-8A83994AE78A}"/>
+              </a:ext>
+            </a:extLst>
+          </p:cNvPr>
+          <p:cNvSpPr txBox="1"/>
+          <p:nvPr/>
+        </p:nvSpPr>
+        <p:spPr>
+          <a:xfrm>
+            <a:off x="6482645" y="2631218"/>
+            <a:ext cx="2106481" cy="523220"/>
+          </a:xfrm>
+          <a:prstGeom prst="rect">
+            <a:avLst/>
+          </a:prstGeom>
+          <a:noFill/>
+        </p:spPr>
+        <p:txBody>
+          <a:bodyPr wrap="square" rtlCol="0">
+            <a:spAutoFit/>
+          </a:bodyPr>
+          <a:lstStyle/>
+          <a:p>
+            <a:pPr marL="0" marR="0" lvl="0" indent="0" algn="ctr" defTabSz="914400" eaLnBrk="1" fontAlgn="auto" latinLnBrk="0" hangingPunct="1">
+              <a:lnSpc>
+                <a:spcPct val="100000"/>
+              </a:lnSpc>
+              <a:spcBef>
+                <a:spcPts val="0"/>
+              </a:spcBef>
+              <a:spcAft>
+                <a:spcPts val="0"/>
+              </a:spcAft>
+              <a:buClrTx/>
+              <a:buSzTx/>
+              <a:buFontTx/>
+              <a:buNone/>
+              <a:tabLst/>
+              <a:defRPr/>
+            </a:pPr>
+            <a:r>
+              <a:rPr kumimoji="0" lang="en-US" sz="1400" b="0" i="0" u="none" strike="noStrike" kern="0" cap="none" spc="0" normalizeH="0" baseline="0" noProof="0" dirty="0">
+                <a:ln>
+                  <a:noFill/>
+                </a:ln>
+                <a:solidFill>
+                  <a:schemeClr val="bg1">
+                    <a:lumMod val="95000"/>
+                    <a:lumOff val="5000"/>
+                  </a:schemeClr>
+                </a:solidFill>
+                <a:effectLst/>
+                <a:uLnTx/>
+                <a:uFillTx/>
+                <a:latin typeface="Arial" panose="020B0604020202020204" pitchFamily="34" charset="0"/>
+                <a:cs typeface="Arial" panose="020B0604020202020204" pitchFamily="34" charset="0"/>
+              </a:rPr>
+              <a:t>Visualization and Interpretation</a:t>
+            </a:r>
+          </a:p>
+        </p:txBody>
+      </p:sp>
+    </p:spTree>
+    <p:extLst>
+      <p:ext uri="{BB962C8B-B14F-4D97-AF65-F5344CB8AC3E}">
+        <p14:creationId xmlns:p14="http://schemas.microsoft.com/office/powerpoint/2010/main" val="3169448365"/>
+      </p:ext>
+    </p:extLst>
+  </p:cSld>
+  <p:clrMapOvr>
+    <a:masterClrMapping/>
+  </p:clrMapOvr>
+</p:sld>
+</file>
+
 <file path=ppt/slides/slide9.xml><?xml version="1.0" encoding="utf-8"?>
 <p:sld xmlns:a="http://schemas.openxmlformats.org/drawingml/2006/main" xmlns:r="http://schemas.openxmlformats.org/officeDocument/2006/relationships" xmlns:p="http://schemas.openxmlformats.org/presentationml/2006/main">
   <p:cSld>
@@ -10684,7 +11109,7 @@
         </p:nvSpPr>
         <p:spPr>
           <a:xfrm>
-            <a:off x="737999" y="1208400"/>
+            <a:off x="737999" y="944475"/>
             <a:ext cx="6477309" cy="461665"/>
           </a:xfrm>
           <a:prstGeom prst="rect">
@@ -10709,7 +11134,7 @@
                 <a:ea typeface="Dotum" panose="020B0600000101010101" pitchFamily="34" charset="-127"/>
                 <a:cs typeface="Al Bayan Plain" pitchFamily="2" charset="-78"/>
               </a:rPr>
-              <a:t>Module Dependencies</a:t>
+              <a:t>Applications</a:t>
             </a:r>
             <a:endParaRPr lang="en-US" sz="2400" dirty="0">
               <a:solidFill>
@@ -10759,370 +11184,10 @@
       </p:pic>
       <p:pic>
         <p:nvPicPr>
-          <p:cNvPr id="1026" name="Picture 2" descr="xarray: N-D labeled arrays and datasets in Python">
-            <a:extLst>
-              <a:ext uri="{FF2B5EF4-FFF2-40B4-BE49-F238E27FC236}">
-                <a16:creationId xmlns:a16="http://schemas.microsoft.com/office/drawing/2014/main" id="{E36AC3C9-53C4-C04B-A0FE-9DB3F2E02ED5}"/>
-              </a:ext>
-            </a:extLst>
-          </p:cNvPr>
-          <p:cNvPicPr>
-            <a:picLocks noChangeAspect="1" noChangeArrowheads="1"/>
-          </p:cNvPicPr>
-          <p:nvPr/>
-        </p:nvPicPr>
-        <p:blipFill>
-          <a:blip r:embed="rId4">
-            <a:extLst>
-              <a:ext uri="{28A0092B-C50C-407E-A947-70E740481C1C}">
-                <a14:useLocalDpi xmlns:a14="http://schemas.microsoft.com/office/drawing/2010/main" val="0"/>
-              </a:ext>
-            </a:extLst>
-          </a:blip>
-          <a:srcRect/>
-          <a:stretch>
-            <a:fillRect/>
-          </a:stretch>
-        </p:blipFill>
-        <p:spPr bwMode="auto">
-          <a:xfrm>
-            <a:off x="1189944" y="2825104"/>
-            <a:ext cx="2458277" cy="921854"/>
-          </a:xfrm>
-          <a:prstGeom prst="rect">
-            <a:avLst/>
-          </a:prstGeom>
-          <a:noFill/>
-          <a:extLst>
-            <a:ext uri="{909E8E84-426E-40DD-AFC4-6F175D3DCCD1}">
-              <a14:hiddenFill xmlns:a14="http://schemas.microsoft.com/office/drawing/2010/main">
-                <a:solidFill>
-                  <a:srgbClr val="FFFFFF"/>
-                </a:solidFill>
-              </a14:hiddenFill>
-            </a:ext>
-          </a:extLst>
-        </p:spPr>
-      </p:pic>
-      <p:pic>
-        <p:nvPicPr>
-          <p:cNvPr id="1028" name="Picture 4" descr="Trackpy: Fast, Flexible Particle-Tracking Toolkit — trackpy 0.5.0  documentation">
-            <a:extLst>
-              <a:ext uri="{FF2B5EF4-FFF2-40B4-BE49-F238E27FC236}">
-                <a16:creationId xmlns:a16="http://schemas.microsoft.com/office/drawing/2014/main" id="{952A3096-5B28-AE40-AF28-7706290113BC}"/>
-              </a:ext>
-            </a:extLst>
-          </p:cNvPr>
-          <p:cNvPicPr>
-            <a:picLocks noChangeAspect="1" noChangeArrowheads="1"/>
-          </p:cNvPicPr>
-          <p:nvPr/>
-        </p:nvPicPr>
-        <p:blipFill>
-          <a:blip r:embed="rId5">
-            <a:extLst>
-              <a:ext uri="{28A0092B-C50C-407E-A947-70E740481C1C}">
-                <a14:useLocalDpi xmlns:a14="http://schemas.microsoft.com/office/drawing/2010/main" val="0"/>
-              </a:ext>
-            </a:extLst>
-          </a:blip>
-          <a:srcRect/>
-          <a:stretch>
-            <a:fillRect/>
-          </a:stretch>
-        </p:blipFill>
-        <p:spPr bwMode="auto">
-          <a:xfrm>
-            <a:off x="3692893" y="2512593"/>
-            <a:ext cx="1507987" cy="1507987"/>
-          </a:xfrm>
-          <a:prstGeom prst="rect">
-            <a:avLst/>
-          </a:prstGeom>
-          <a:noFill/>
-          <a:extLst>
-            <a:ext uri="{909E8E84-426E-40DD-AFC4-6F175D3DCCD1}">
-              <a14:hiddenFill xmlns:a14="http://schemas.microsoft.com/office/drawing/2010/main">
-                <a:solidFill>
-                  <a:srgbClr val="FFFFFF"/>
-                </a:solidFill>
-              </a14:hiddenFill>
-            </a:ext>
-          </a:extLst>
-        </p:spPr>
-      </p:pic>
-      <p:pic>
-        <p:nvPicPr>
-          <p:cNvPr id="1030" name="Picture 6" descr="napari">
-            <a:extLst>
-              <a:ext uri="{FF2B5EF4-FFF2-40B4-BE49-F238E27FC236}">
-                <a16:creationId xmlns:a16="http://schemas.microsoft.com/office/drawing/2014/main" id="{D4F61D88-8962-6C40-B280-B2206B598B4E}"/>
-              </a:ext>
-            </a:extLst>
-          </p:cNvPr>
-          <p:cNvPicPr>
-            <a:picLocks noChangeAspect="1" noChangeArrowheads="1"/>
-          </p:cNvPicPr>
-          <p:nvPr/>
-        </p:nvPicPr>
-        <p:blipFill>
-          <a:blip r:embed="rId6">
-            <a:extLst>
-              <a:ext uri="{28A0092B-C50C-407E-A947-70E740481C1C}">
-                <a14:useLocalDpi xmlns:a14="http://schemas.microsoft.com/office/drawing/2010/main" val="0"/>
-              </a:ext>
-            </a:extLst>
-          </a:blip>
-          <a:srcRect/>
-          <a:stretch>
-            <a:fillRect/>
-          </a:stretch>
-        </p:blipFill>
-        <p:spPr bwMode="auto">
-          <a:xfrm>
-            <a:off x="5490026" y="2828003"/>
-            <a:ext cx="1152802" cy="1151469"/>
-          </a:xfrm>
-          <a:prstGeom prst="rect">
-            <a:avLst/>
-          </a:prstGeom>
-          <a:noFill/>
-          <a:extLst>
-            <a:ext uri="{909E8E84-426E-40DD-AFC4-6F175D3DCCD1}">
-              <a14:hiddenFill xmlns:a14="http://schemas.microsoft.com/office/drawing/2010/main">
-                <a:solidFill>
-                  <a:srgbClr val="FFFFFF"/>
-                </a:solidFill>
-              </a14:hiddenFill>
-            </a:ext>
-          </a:extLst>
-        </p:spPr>
-      </p:pic>
-      <p:sp>
-        <p:nvSpPr>
-          <p:cNvPr id="9" name="TextBox 8">
-            <a:extLst>
-              <a:ext uri="{FF2B5EF4-FFF2-40B4-BE49-F238E27FC236}">
-                <a16:creationId xmlns:a16="http://schemas.microsoft.com/office/drawing/2014/main" id="{6F64C71A-99BC-434A-A1DA-14ECF7B7CF7A}"/>
-              </a:ext>
-            </a:extLst>
-          </p:cNvPr>
-          <p:cNvSpPr txBox="1"/>
-          <p:nvPr/>
-        </p:nvSpPr>
-        <p:spPr>
-          <a:xfrm>
-            <a:off x="1677398" y="4045777"/>
-            <a:ext cx="958917" cy="369332"/>
-          </a:xfrm>
-          <a:prstGeom prst="rect">
-            <a:avLst/>
-          </a:prstGeom>
-          <a:noFill/>
-        </p:spPr>
-        <p:txBody>
-          <a:bodyPr wrap="none" rtlCol="0">
-            <a:spAutoFit/>
-          </a:bodyPr>
-          <a:lstStyle/>
-          <a:p>
-            <a:pPr algn="ctr"/>
-            <a:r>
-              <a:rPr lang="en-US" dirty="0">
-                <a:latin typeface="Dotum" panose="020B0600000101010101" pitchFamily="34" charset="-127"/>
-                <a:ea typeface="Dotum" panose="020B0600000101010101" pitchFamily="34" charset="-127"/>
-              </a:rPr>
-              <a:t>x-array</a:t>
-            </a:r>
-            <a:endParaRPr lang="en-US" sz="1400" dirty="0">
-              <a:latin typeface="Dotum" panose="020B0600000101010101" pitchFamily="34" charset="-127"/>
-              <a:ea typeface="Dotum" panose="020B0600000101010101" pitchFamily="34" charset="-127"/>
-            </a:endParaRPr>
-          </a:p>
-        </p:txBody>
-      </p:sp>
-      <p:sp>
-        <p:nvSpPr>
-          <p:cNvPr id="10" name="TextBox 9">
-            <a:extLst>
-              <a:ext uri="{FF2B5EF4-FFF2-40B4-BE49-F238E27FC236}">
-                <a16:creationId xmlns:a16="http://schemas.microsoft.com/office/drawing/2014/main" id="{7543D5AC-6A9F-2E44-9968-EDB13BF7CE1C}"/>
-              </a:ext>
-            </a:extLst>
-          </p:cNvPr>
-          <p:cNvSpPr txBox="1"/>
-          <p:nvPr/>
-        </p:nvSpPr>
-        <p:spPr>
-          <a:xfrm>
-            <a:off x="3961817" y="4049256"/>
-            <a:ext cx="970137" cy="369332"/>
-          </a:xfrm>
-          <a:prstGeom prst="rect">
-            <a:avLst/>
-          </a:prstGeom>
-          <a:noFill/>
-        </p:spPr>
-        <p:txBody>
-          <a:bodyPr wrap="none" rtlCol="0">
-            <a:spAutoFit/>
-          </a:bodyPr>
-          <a:lstStyle/>
-          <a:p>
-            <a:pPr algn="ctr"/>
-            <a:r>
-              <a:rPr lang="en-US" dirty="0" err="1">
-                <a:latin typeface="Dotum" panose="020B0600000101010101" pitchFamily="34" charset="-127"/>
-                <a:ea typeface="Dotum" panose="020B0600000101010101" pitchFamily="34" charset="-127"/>
-              </a:rPr>
-              <a:t>trackPy</a:t>
-            </a:r>
-            <a:endParaRPr lang="en-US" sz="1400" dirty="0">
-              <a:latin typeface="Dotum" panose="020B0600000101010101" pitchFamily="34" charset="-127"/>
-              <a:ea typeface="Dotum" panose="020B0600000101010101" pitchFamily="34" charset="-127"/>
-            </a:endParaRPr>
-          </a:p>
-        </p:txBody>
-      </p:sp>
-      <p:sp>
-        <p:nvSpPr>
-          <p:cNvPr id="12" name="TextBox 11">
-            <a:extLst>
-              <a:ext uri="{FF2B5EF4-FFF2-40B4-BE49-F238E27FC236}">
-                <a16:creationId xmlns:a16="http://schemas.microsoft.com/office/drawing/2014/main" id="{73FB81C2-C0FE-5543-825E-E36C7D3E9263}"/>
-              </a:ext>
-            </a:extLst>
-          </p:cNvPr>
-          <p:cNvSpPr txBox="1"/>
-          <p:nvPr/>
-        </p:nvSpPr>
-        <p:spPr>
-          <a:xfrm>
-            <a:off x="5653671" y="4049256"/>
-            <a:ext cx="880369" cy="369332"/>
-          </a:xfrm>
-          <a:prstGeom prst="rect">
-            <a:avLst/>
-          </a:prstGeom>
-          <a:noFill/>
-        </p:spPr>
-        <p:txBody>
-          <a:bodyPr wrap="none" rtlCol="0">
-            <a:spAutoFit/>
-          </a:bodyPr>
-          <a:lstStyle/>
-          <a:p>
-            <a:pPr algn="ctr"/>
-            <a:r>
-              <a:rPr lang="en-US" dirty="0" err="1">
-                <a:latin typeface="Dotum" panose="020B0600000101010101" pitchFamily="34" charset="-127"/>
-                <a:ea typeface="Dotum" panose="020B0600000101010101" pitchFamily="34" charset="-127"/>
-              </a:rPr>
-              <a:t>Napari</a:t>
-            </a:r>
-            <a:endParaRPr lang="en-US" sz="1400" dirty="0">
-              <a:latin typeface="Dotum" panose="020B0600000101010101" pitchFamily="34" charset="-127"/>
-              <a:ea typeface="Dotum" panose="020B0600000101010101" pitchFamily="34" charset="-127"/>
-            </a:endParaRPr>
-          </a:p>
-        </p:txBody>
-      </p:sp>
-      <p:sp>
-        <p:nvSpPr>
-          <p:cNvPr id="15" name="TextBox 14">
-            <a:extLst>
-              <a:ext uri="{FF2B5EF4-FFF2-40B4-BE49-F238E27FC236}">
-                <a16:creationId xmlns:a16="http://schemas.microsoft.com/office/drawing/2014/main" id="{65D36003-6D19-3243-84D8-FFB360947412}"/>
-              </a:ext>
-            </a:extLst>
-          </p:cNvPr>
-          <p:cNvSpPr txBox="1"/>
-          <p:nvPr/>
-        </p:nvSpPr>
-        <p:spPr>
-          <a:xfrm>
-            <a:off x="7273050" y="4045777"/>
-            <a:ext cx="1109599" cy="369332"/>
-          </a:xfrm>
-          <a:prstGeom prst="rect">
-            <a:avLst/>
-          </a:prstGeom>
-          <a:noFill/>
-        </p:spPr>
-        <p:txBody>
-          <a:bodyPr wrap="none" rtlCol="0">
-            <a:spAutoFit/>
-          </a:bodyPr>
-          <a:lstStyle/>
-          <a:p>
-            <a:pPr algn="ctr"/>
-            <a:r>
-              <a:rPr lang="en-US" dirty="0">
-                <a:latin typeface="Dotum" panose="020B0600000101010101" pitchFamily="34" charset="-127"/>
-                <a:ea typeface="Dotum" panose="020B0600000101010101" pitchFamily="34" charset="-127"/>
-              </a:rPr>
-              <a:t>Cellpose</a:t>
-            </a:r>
-            <a:endParaRPr lang="en-US" sz="1400" dirty="0">
-              <a:latin typeface="Dotum" panose="020B0600000101010101" pitchFamily="34" charset="-127"/>
-              <a:ea typeface="Dotum" panose="020B0600000101010101" pitchFamily="34" charset="-127"/>
-            </a:endParaRPr>
-          </a:p>
-        </p:txBody>
-      </p:sp>
-      <p:pic>
-        <p:nvPicPr>
-          <p:cNvPr id="1032" name="Picture 8" descr="GitHub - MouseLand/cellpose: a generalist algorithm for cellular  segmentation">
-            <a:extLst>
-              <a:ext uri="{FF2B5EF4-FFF2-40B4-BE49-F238E27FC236}">
-                <a16:creationId xmlns:a16="http://schemas.microsoft.com/office/drawing/2014/main" id="{50C78037-450A-6941-8E25-D74A0C927C4E}"/>
-              </a:ext>
-            </a:extLst>
-          </p:cNvPr>
-          <p:cNvPicPr>
-            <a:picLocks noChangeAspect="1" noChangeArrowheads="1"/>
-          </p:cNvPicPr>
-          <p:nvPr/>
-        </p:nvPicPr>
-        <p:blipFill>
-          <a:blip r:embed="rId7">
-            <a:extLst>
-              <a:ext uri="{28A0092B-C50C-407E-A947-70E740481C1C}">
-                <a14:useLocalDpi xmlns:a14="http://schemas.microsoft.com/office/drawing/2010/main" val="0"/>
-              </a:ext>
-            </a:extLst>
-          </a:blip>
-          <a:srcRect/>
-          <a:stretch>
-            <a:fillRect/>
-          </a:stretch>
-        </p:blipFill>
-        <p:spPr bwMode="auto">
-          <a:xfrm>
-            <a:off x="7151223" y="2607398"/>
-            <a:ext cx="1353252" cy="1353252"/>
-          </a:xfrm>
-          <a:prstGeom prst="rect">
-            <a:avLst/>
-          </a:prstGeom>
-          <a:noFill/>
-          <a:extLst>
-            <a:ext uri="{909E8E84-426E-40DD-AFC4-6F175D3DCCD1}">
-              <a14:hiddenFill xmlns:a14="http://schemas.microsoft.com/office/drawing/2010/main">
-                <a:solidFill>
-                  <a:srgbClr val="FFFFFF"/>
-                </a:solidFill>
-              </a14:hiddenFill>
-            </a:ext>
-          </a:extLst>
-        </p:spPr>
-      </p:pic>
-      <p:pic>
-        <p:nvPicPr>
-          <p:cNvPr id="5" name="Graphic 4" descr="Web design with solid fill">
-            <a:extLst>
-              <a:ext uri="{FF2B5EF4-FFF2-40B4-BE49-F238E27FC236}">
-                <a16:creationId xmlns:a16="http://schemas.microsoft.com/office/drawing/2014/main" id="{40F5E4F8-C8DA-D948-BFBA-6FA945756532}"/>
+          <p:cNvPr id="3" name="Graphic 2" descr="Cursor with solid fill">
+            <a:extLst>
+              <a:ext uri="{FF2B5EF4-FFF2-40B4-BE49-F238E27FC236}">
+                <a16:creationId xmlns:a16="http://schemas.microsoft.com/office/drawing/2014/main" id="{73D7887D-BB50-7940-A266-9045F69F3F4C}"/>
               </a:ext>
             </a:extLst>
           </p:cNvPr>
@@ -11132,10 +11197,10 @@
           <p:nvPr/>
         </p:nvPicPr>
         <p:blipFill>
-          <a:blip r:embed="rId8">
+          <a:blip r:embed="rId4">
             <a:extLst>
               <a:ext uri="{96DAC541-7B7A-43D3-8B79-37D633B846F1}">
-                <asvg:svgBlip xmlns:asvg="http://schemas.microsoft.com/office/drawing/2016/SVG/main" r:embed="rId9"/>
+                <asvg:svgBlip xmlns:asvg="http://schemas.microsoft.com/office/drawing/2016/SVG/main" r:embed="rId5"/>
               </a:ext>
             </a:extLst>
           </a:blip>
@@ -11145,8 +11210,8 @@
         </p:blipFill>
         <p:spPr>
           <a:xfrm>
-            <a:off x="37071" y="1188151"/>
-            <a:ext cx="481914" cy="481914"/>
+            <a:off x="0" y="948940"/>
+            <a:ext cx="535622" cy="535622"/>
           </a:xfrm>
           <a:prstGeom prst="rect">
             <a:avLst/>
@@ -11155,10 +11220,10 @@
       </p:pic>
       <p:sp>
         <p:nvSpPr>
-          <p:cNvPr id="17" name="TextBox 16">
-            <a:extLst>
-              <a:ext uri="{FF2B5EF4-FFF2-40B4-BE49-F238E27FC236}">
-                <a16:creationId xmlns:a16="http://schemas.microsoft.com/office/drawing/2014/main" id="{4812A5DB-29A6-7C40-8A55-561807FAE311}"/>
+          <p:cNvPr id="30" name="TextBox 29">
+            <a:extLst>
+              <a:ext uri="{FF2B5EF4-FFF2-40B4-BE49-F238E27FC236}">
+                <a16:creationId xmlns:a16="http://schemas.microsoft.com/office/drawing/2014/main" id="{0DED46F8-0D97-6841-A74E-45969F481C0F}"/>
               </a:ext>
             </a:extLst>
           </p:cNvPr>
@@ -11167,8 +11232,8 @@
         </p:nvSpPr>
         <p:spPr>
           <a:xfrm>
-            <a:off x="8769534" y="4045777"/>
-            <a:ext cx="1335622" cy="369332"/>
+            <a:off x="1041706" y="1406140"/>
+            <a:ext cx="10678961" cy="400110"/>
           </a:xfrm>
           <a:prstGeom prst="rect">
             <a:avLst/>
@@ -11176,150 +11241,25 @@
           <a:noFill/>
         </p:spPr>
         <p:txBody>
-          <a:bodyPr wrap="none" rtlCol="0">
+          <a:bodyPr wrap="square">
             <a:spAutoFit/>
           </a:bodyPr>
           <a:lstStyle/>
           <a:p>
-            <a:pPr algn="ctr"/>
-            <a:r>
-              <a:rPr lang="en-US" dirty="0" err="1">
+            <a:r>
+              <a:rPr lang="en-US" sz="2000" dirty="0">
                 <a:latin typeface="Dotum" panose="020B0600000101010101" pitchFamily="34" charset="-127"/>
                 <a:ea typeface="Dotum" panose="020B0600000101010101" pitchFamily="34" charset="-127"/>
               </a:rPr>
-              <a:t>FISHQuant</a:t>
-            </a:r>
-            <a:endParaRPr lang="en-US" sz="1400" dirty="0">
-              <a:latin typeface="Dotum" panose="020B0600000101010101" pitchFamily="34" charset="-127"/>
-              <a:ea typeface="Dotum" panose="020B0600000101010101" pitchFamily="34" charset="-127"/>
-            </a:endParaRPr>
-          </a:p>
-        </p:txBody>
-      </p:sp>
-      <p:pic>
-        <p:nvPicPr>
-          <p:cNvPr id="2" name="Picture 2" descr="@fish-quant">
-            <a:extLst>
-              <a:ext uri="{FF2B5EF4-FFF2-40B4-BE49-F238E27FC236}">
-                <a16:creationId xmlns:a16="http://schemas.microsoft.com/office/drawing/2014/main" id="{EB4CF63D-9019-6C45-B25C-78B7876C844B}"/>
-              </a:ext>
-            </a:extLst>
-          </p:cNvPr>
-          <p:cNvPicPr>
-            <a:picLocks noChangeAspect="1" noChangeArrowheads="1"/>
-          </p:cNvPicPr>
-          <p:nvPr/>
-        </p:nvPicPr>
-        <p:blipFill>
-          <a:blip r:embed="rId10">
-            <a:extLst>
-              <a:ext uri="{28A0092B-C50C-407E-A947-70E740481C1C}">
-                <a14:useLocalDpi xmlns:a14="http://schemas.microsoft.com/office/drawing/2010/main" val="0"/>
-              </a:ext>
-            </a:extLst>
-          </a:blip>
-          <a:srcRect/>
-          <a:stretch>
-            <a:fillRect/>
-          </a:stretch>
-        </p:blipFill>
-        <p:spPr bwMode="auto">
-          <a:xfrm>
-            <a:off x="8710975" y="2690650"/>
-            <a:ext cx="1270000" cy="1270000"/>
-          </a:xfrm>
-          <a:prstGeom prst="rect">
-            <a:avLst/>
-          </a:prstGeom>
-          <a:noFill/>
-          <a:extLst>
-            <a:ext uri="{909E8E84-426E-40DD-AFC4-6F175D3DCCD1}">
-              <a14:hiddenFill xmlns:a14="http://schemas.microsoft.com/office/drawing/2010/main">
-                <a:solidFill>
-                  <a:srgbClr val="FFFFFF"/>
-                </a:solidFill>
-              </a14:hiddenFill>
-            </a:ext>
-          </a:extLst>
-        </p:spPr>
-      </p:pic>
-      <p:sp>
-        <p:nvSpPr>
-          <p:cNvPr id="18" name="TextBox 17">
-            <a:extLst>
-              <a:ext uri="{FF2B5EF4-FFF2-40B4-BE49-F238E27FC236}">
-                <a16:creationId xmlns:a16="http://schemas.microsoft.com/office/drawing/2014/main" id="{41D31B8D-4B5C-A348-89CA-E5DD8998B6E1}"/>
-              </a:ext>
-            </a:extLst>
-          </p:cNvPr>
-          <p:cNvSpPr txBox="1"/>
-          <p:nvPr/>
-        </p:nvSpPr>
-        <p:spPr>
-          <a:xfrm>
-            <a:off x="10543657" y="4045777"/>
-            <a:ext cx="1050289" cy="369332"/>
-          </a:xfrm>
-          <a:prstGeom prst="rect">
-            <a:avLst/>
-          </a:prstGeom>
-          <a:noFill/>
-        </p:spPr>
-        <p:txBody>
-          <a:bodyPr wrap="none" rtlCol="0">
-            <a:spAutoFit/>
-          </a:bodyPr>
-          <a:lstStyle/>
-          <a:p>
-            <a:pPr algn="ctr"/>
-            <a:r>
-              <a:rPr lang="en-US" dirty="0" err="1">
-                <a:latin typeface="Dotum" panose="020B0600000101010101" pitchFamily="34" charset="-127"/>
-                <a:ea typeface="Dotum" panose="020B0600000101010101" pitchFamily="34" charset="-127"/>
-              </a:rPr>
-              <a:t>rsnaped</a:t>
-            </a:r>
-            <a:endParaRPr lang="en-US" sz="1400" dirty="0">
-              <a:latin typeface="Dotum" panose="020B0600000101010101" pitchFamily="34" charset="-127"/>
-              <a:ea typeface="Dotum" panose="020B0600000101010101" pitchFamily="34" charset="-127"/>
-            </a:endParaRPr>
-          </a:p>
-        </p:txBody>
-      </p:sp>
-      <p:pic>
-        <p:nvPicPr>
-          <p:cNvPr id="6" name="Picture 5">
-            <a:extLst>
-              <a:ext uri="{FF2B5EF4-FFF2-40B4-BE49-F238E27FC236}">
-                <a16:creationId xmlns:a16="http://schemas.microsoft.com/office/drawing/2014/main" id="{F482412E-7329-A843-B946-5A4A4B29C877}"/>
-              </a:ext>
-            </a:extLst>
-          </p:cNvPr>
-          <p:cNvPicPr>
-            <a:picLocks noChangeAspect="1"/>
-          </p:cNvPicPr>
-          <p:nvPr/>
-        </p:nvPicPr>
-        <p:blipFill>
-          <a:blip r:embed="rId11"/>
-          <a:stretch>
-            <a:fillRect/>
-          </a:stretch>
-        </p:blipFill>
-        <p:spPr>
-          <a:xfrm>
-            <a:off x="10367860" y="2607398"/>
-            <a:ext cx="1401882" cy="1401882"/>
-          </a:xfrm>
-          <a:prstGeom prst="rect">
-            <a:avLst/>
-          </a:prstGeom>
-        </p:spPr>
-      </p:pic>
+              <a:t>Working with live-cell images</a:t>
+            </a:r>
+          </a:p>
+        </p:txBody>
+      </p:sp>
     </p:spTree>
     <p:extLst>
       <p:ext uri="{BB962C8B-B14F-4D97-AF65-F5344CB8AC3E}">
-        <p14:creationId xmlns:p14="http://schemas.microsoft.com/office/powerpoint/2010/main" val="738947813"/>
+        <p14:creationId xmlns:p14="http://schemas.microsoft.com/office/powerpoint/2010/main" val="714531849"/>
       </p:ext>
     </p:extLst>
   </p:cSld>
